--- a/project/midterm.pptx
+++ b/project/midterm.pptx
@@ -5,18 +5,24 @@
     <p:sldMasterId id="2147483648" r:id="rId1"/>
   </p:sldMasterIdLst>
   <p:notesMasterIdLst>
-    <p:notesMasterId r:id="rId11"/>
+    <p:notesMasterId r:id="rId17"/>
   </p:notesMasterIdLst>
   <p:sldIdLst>
     <p:sldId id="256" r:id="rId2"/>
     <p:sldId id="257" r:id="rId3"/>
     <p:sldId id="258" r:id="rId4"/>
-    <p:sldId id="259" r:id="rId5"/>
-    <p:sldId id="263" r:id="rId6"/>
-    <p:sldId id="260" r:id="rId7"/>
-    <p:sldId id="264" r:id="rId8"/>
-    <p:sldId id="262" r:id="rId9"/>
-    <p:sldId id="261" r:id="rId10"/>
+    <p:sldId id="272" r:id="rId5"/>
+    <p:sldId id="266" r:id="rId6"/>
+    <p:sldId id="259" r:id="rId7"/>
+    <p:sldId id="263" r:id="rId8"/>
+    <p:sldId id="271" r:id="rId9"/>
+    <p:sldId id="260" r:id="rId10"/>
+    <p:sldId id="264" r:id="rId11"/>
+    <p:sldId id="270" r:id="rId12"/>
+    <p:sldId id="265" r:id="rId13"/>
+    <p:sldId id="268" r:id="rId14"/>
+    <p:sldId id="269" r:id="rId15"/>
+    <p:sldId id="261" r:id="rId16"/>
   </p:sldIdLst>
   <p:sldSz cx="12192000" cy="6858000"/>
   <p:notesSz cx="6858000" cy="9144000"/>
@@ -205,7 +211,7 @@
           <a:p>
             <a:fld id="{36005775-E9A5-2241-BA7A-4CEF596E1488}" type="datetimeFigureOut">
               <a:rPr lang="en-SA" smtClean="0"/>
-              <a:t>26/03/2024 R</a:t>
+              <a:t>27/03/2024 R</a:t>
             </a:fld>
             <a:endParaRPr lang="en-SA"/>
           </a:p>
@@ -552,7 +558,7 @@
           <a:p>
             <a:fld id="{21D68385-7F52-A14F-857D-3D44F4BA41F0}" type="slidenum">
               <a:rPr lang="en-SA" smtClean="0"/>
-              <a:t>6</a:t>
+              <a:t>9</a:t>
             </a:fld>
             <a:endParaRPr lang="en-SA"/>
           </a:p>
@@ -636,7 +642,7 @@
           <a:p>
             <a:fld id="{21D68385-7F52-A14F-857D-3D44F4BA41F0}" type="slidenum">
               <a:rPr lang="en-SA" smtClean="0"/>
-              <a:t>7</a:t>
+              <a:t>10</a:t>
             </a:fld>
             <a:endParaRPr lang="en-SA"/>
           </a:p>
@@ -804,7 +810,7 @@
           <a:p>
             <a:fld id="{052B6B9B-EBFC-E245-A972-81CB04DCF662}" type="datetimeFigureOut">
               <a:rPr lang="en-SA" smtClean="0"/>
-              <a:t>25/03/2024 R</a:t>
+              <a:t>27/03/2024 R</a:t>
             </a:fld>
             <a:endParaRPr lang="en-SA"/>
           </a:p>
@@ -1004,7 +1010,7 @@
           <a:p>
             <a:fld id="{052B6B9B-EBFC-E245-A972-81CB04DCF662}" type="datetimeFigureOut">
               <a:rPr lang="en-SA" smtClean="0"/>
-              <a:t>25/03/2024 R</a:t>
+              <a:t>27/03/2024 R</a:t>
             </a:fld>
             <a:endParaRPr lang="en-SA"/>
           </a:p>
@@ -1214,7 +1220,7 @@
           <a:p>
             <a:fld id="{052B6B9B-EBFC-E245-A972-81CB04DCF662}" type="datetimeFigureOut">
               <a:rPr lang="en-SA" smtClean="0"/>
-              <a:t>25/03/2024 R</a:t>
+              <a:t>27/03/2024 R</a:t>
             </a:fld>
             <a:endParaRPr lang="en-SA"/>
           </a:p>
@@ -1414,7 +1420,7 @@
           <a:p>
             <a:fld id="{052B6B9B-EBFC-E245-A972-81CB04DCF662}" type="datetimeFigureOut">
               <a:rPr lang="en-SA" smtClean="0"/>
-              <a:t>25/03/2024 R</a:t>
+              <a:t>27/03/2024 R</a:t>
             </a:fld>
             <a:endParaRPr lang="en-SA"/>
           </a:p>
@@ -1690,7 +1696,7 @@
           <a:p>
             <a:fld id="{052B6B9B-EBFC-E245-A972-81CB04DCF662}" type="datetimeFigureOut">
               <a:rPr lang="en-SA" smtClean="0"/>
-              <a:t>25/03/2024 R</a:t>
+              <a:t>27/03/2024 R</a:t>
             </a:fld>
             <a:endParaRPr lang="en-SA"/>
           </a:p>
@@ -1958,7 +1964,7 @@
           <a:p>
             <a:fld id="{052B6B9B-EBFC-E245-A972-81CB04DCF662}" type="datetimeFigureOut">
               <a:rPr lang="en-SA" smtClean="0"/>
-              <a:t>25/03/2024 R</a:t>
+              <a:t>27/03/2024 R</a:t>
             </a:fld>
             <a:endParaRPr lang="en-SA"/>
           </a:p>
@@ -2373,7 +2379,7 @@
           <a:p>
             <a:fld id="{052B6B9B-EBFC-E245-A972-81CB04DCF662}" type="datetimeFigureOut">
               <a:rPr lang="en-SA" smtClean="0"/>
-              <a:t>25/03/2024 R</a:t>
+              <a:t>27/03/2024 R</a:t>
             </a:fld>
             <a:endParaRPr lang="en-SA"/>
           </a:p>
@@ -2515,7 +2521,7 @@
           <a:p>
             <a:fld id="{052B6B9B-EBFC-E245-A972-81CB04DCF662}" type="datetimeFigureOut">
               <a:rPr lang="en-SA" smtClean="0"/>
-              <a:t>25/03/2024 R</a:t>
+              <a:t>27/03/2024 R</a:t>
             </a:fld>
             <a:endParaRPr lang="en-SA"/>
           </a:p>
@@ -2628,7 +2634,7 @@
           <a:p>
             <a:fld id="{052B6B9B-EBFC-E245-A972-81CB04DCF662}" type="datetimeFigureOut">
               <a:rPr lang="en-SA" smtClean="0"/>
-              <a:t>25/03/2024 R</a:t>
+              <a:t>27/03/2024 R</a:t>
             </a:fld>
             <a:endParaRPr lang="en-SA"/>
           </a:p>
@@ -2941,7 +2947,7 @@
           <a:p>
             <a:fld id="{052B6B9B-EBFC-E245-A972-81CB04DCF662}" type="datetimeFigureOut">
               <a:rPr lang="en-SA" smtClean="0"/>
-              <a:t>25/03/2024 R</a:t>
+              <a:t>27/03/2024 R</a:t>
             </a:fld>
             <a:endParaRPr lang="en-SA"/>
           </a:p>
@@ -3230,7 +3236,7 @@
           <a:p>
             <a:fld id="{052B6B9B-EBFC-E245-A972-81CB04DCF662}" type="datetimeFigureOut">
               <a:rPr lang="en-SA" smtClean="0"/>
-              <a:t>25/03/2024 R</a:t>
+              <a:t>27/03/2024 R</a:t>
             </a:fld>
             <a:endParaRPr lang="en-SA"/>
           </a:p>
@@ -3473,7 +3479,7 @@
           <a:p>
             <a:fld id="{052B6B9B-EBFC-E245-A972-81CB04DCF662}" type="datetimeFigureOut">
               <a:rPr lang="en-SA" smtClean="0"/>
-              <a:t>25/03/2024 R</a:t>
+              <a:t>27/03/2024 R</a:t>
             </a:fld>
             <a:endParaRPr lang="en-SA"/>
           </a:p>
@@ -3991,6 +3997,4312 @@
 </p:sld>
 </file>
 
+<file path=ppt/slides/slide10.xml><?xml version="1.0" encoding="utf-8"?>
+<p:sld xmlns:a="http://schemas.openxmlformats.org/drawingml/2006/main" xmlns:r="http://schemas.openxmlformats.org/officeDocument/2006/relationships" xmlns:p="http://schemas.openxmlformats.org/presentationml/2006/main">
+  <p:cSld>
+    <p:spTree>
+      <p:nvGrpSpPr>
+        <p:cNvPr id="1" name=""/>
+        <p:cNvGrpSpPr/>
+        <p:nvPr/>
+      </p:nvGrpSpPr>
+      <p:grpSpPr>
+        <a:xfrm>
+          <a:off x="0" y="0"/>
+          <a:ext cx="0" cy="0"/>
+          <a:chOff x="0" y="0"/>
+          <a:chExt cx="0" cy="0"/>
+        </a:xfrm>
+      </p:grpSpPr>
+      <p:sp>
+        <p:nvSpPr>
+          <p:cNvPr id="6" name="TextBox 5">
+            <a:extLst>
+              <a:ext uri="{FF2B5EF4-FFF2-40B4-BE49-F238E27FC236}">
+                <a16:creationId xmlns:a16="http://schemas.microsoft.com/office/drawing/2014/main" id="{CF46703B-0905-4AA3-E25C-3923F9E8F398}"/>
+              </a:ext>
+            </a:extLst>
+          </p:cNvPr>
+          <p:cNvSpPr txBox="1"/>
+          <p:nvPr/>
+        </p:nvSpPr>
+        <p:spPr>
+          <a:xfrm>
+            <a:off x="5762118" y="3549740"/>
+            <a:ext cx="4359871" cy="1754326"/>
+          </a:xfrm>
+          <a:prstGeom prst="rect">
+            <a:avLst/>
+          </a:prstGeom>
+          <a:noFill/>
+        </p:spPr>
+        <p:txBody>
+          <a:bodyPr wrap="square">
+            <a:spAutoFit/>
+          </a:bodyPr>
+          <a:lstStyle/>
+          <a:p>
+            <a:pPr marL="0" indent="0">
+              <a:buNone/>
+            </a:pPr>
+            <a:r>
+              <a:rPr lang="en-US" altLang="zh-CN" b="0" i="0" dirty="0">
+                <a:solidFill>
+                  <a:srgbClr val="0D0D0D"/>
+                </a:solidFill>
+                <a:effectLst/>
+                <a:latin typeface="Söhne"/>
+              </a:rPr>
+              <a:t>Setting:</a:t>
+            </a:r>
+          </a:p>
+          <a:p>
+            <a:pPr marL="0" indent="0">
+              <a:buNone/>
+            </a:pPr>
+            <a:endParaRPr lang="en-US" altLang="zh-CN" b="0" i="0" dirty="0">
+              <a:solidFill>
+                <a:srgbClr val="0D0D0D"/>
+              </a:solidFill>
+              <a:effectLst/>
+              <a:latin typeface="Söhne"/>
+            </a:endParaRPr>
+          </a:p>
+          <a:p>
+            <a:pPr marL="0" indent="0">
+              <a:buNone/>
+            </a:pPr>
+            <a:r>
+              <a:rPr lang="en-US" altLang="zh-CN" b="0" i="0" dirty="0">
+                <a:solidFill>
+                  <a:srgbClr val="0D0D0D"/>
+                </a:solidFill>
+                <a:effectLst/>
+                <a:latin typeface="Söhne"/>
+              </a:rPr>
+              <a:t>Single</a:t>
+            </a:r>
+            <a:r>
+              <a:rPr lang="zh-CN" altLang="en-US" b="0" i="0" dirty="0">
+                <a:solidFill>
+                  <a:srgbClr val="0D0D0D"/>
+                </a:solidFill>
+                <a:effectLst/>
+                <a:latin typeface="Söhne"/>
+              </a:rPr>
+              <a:t> </a:t>
+            </a:r>
+            <a:r>
+              <a:rPr lang="en-US" altLang="zh-CN" dirty="0">
+                <a:solidFill>
+                  <a:srgbClr val="0D0D0D"/>
+                </a:solidFill>
+                <a:latin typeface="Söhne"/>
+              </a:rPr>
+              <a:t>thread</a:t>
+            </a:r>
+          </a:p>
+          <a:p>
+            <a:r>
+              <a:rPr lang="en-US" altLang="zh-CN" dirty="0">
+                <a:solidFill>
+                  <a:srgbClr val="0D0D0D"/>
+                </a:solidFill>
+                <a:latin typeface="Söhne"/>
+              </a:rPr>
+              <a:t>L1</a:t>
+            </a:r>
+            <a:r>
+              <a:rPr lang="zh-CN" altLang="en-US" dirty="0">
+                <a:solidFill>
+                  <a:srgbClr val="0D0D0D"/>
+                </a:solidFill>
+                <a:latin typeface="Söhne"/>
+              </a:rPr>
+              <a:t> </a:t>
+            </a:r>
+            <a:r>
+              <a:rPr lang="en-US" altLang="zh-CN" dirty="0">
+                <a:solidFill>
+                  <a:srgbClr val="0D0D0D"/>
+                </a:solidFill>
+                <a:latin typeface="Söhne"/>
+              </a:rPr>
+              <a:t>block</a:t>
+            </a:r>
+            <a:r>
+              <a:rPr lang="zh-CN" altLang="en-US" dirty="0">
+                <a:solidFill>
+                  <a:srgbClr val="0D0D0D"/>
+                </a:solidFill>
+                <a:latin typeface="Söhne"/>
+              </a:rPr>
+              <a:t> </a:t>
+            </a:r>
+            <a:r>
+              <a:rPr lang="en-US" altLang="zh-CN" dirty="0">
+                <a:solidFill>
+                  <a:srgbClr val="0D0D0D"/>
+                </a:solidFill>
+                <a:latin typeface="Söhne"/>
+              </a:rPr>
+              <a:t>size</a:t>
+            </a:r>
+            <a:r>
+              <a:rPr lang="zh-CN" altLang="en-US" dirty="0">
+                <a:solidFill>
+                  <a:srgbClr val="0D0D0D"/>
+                </a:solidFill>
+                <a:latin typeface="Söhne"/>
+              </a:rPr>
+              <a:t>  </a:t>
+            </a:r>
+            <a:r>
+              <a:rPr lang="en-US" altLang="zh-CN" dirty="0">
+                <a:solidFill>
+                  <a:srgbClr val="0D0D0D"/>
+                </a:solidFill>
+                <a:latin typeface="Söhne"/>
+              </a:rPr>
+              <a:t>=</a:t>
+            </a:r>
+            <a:r>
+              <a:rPr lang="zh-CN" altLang="en-US" dirty="0">
+                <a:solidFill>
+                  <a:srgbClr val="0D0D0D"/>
+                </a:solidFill>
+                <a:latin typeface="Söhne"/>
+              </a:rPr>
+              <a:t> </a:t>
+            </a:r>
+            <a:r>
+              <a:rPr lang="en-SA" dirty="0">
+                <a:solidFill>
+                  <a:srgbClr val="0D0D0D"/>
+                </a:solidFill>
+                <a:latin typeface="Söhne"/>
+              </a:rPr>
+              <a:t>64</a:t>
+            </a:r>
+          </a:p>
+          <a:p>
+            <a:pPr marL="0" indent="0">
+              <a:buNone/>
+            </a:pPr>
+            <a:r>
+              <a:rPr lang="en-US" altLang="zh-CN" dirty="0">
+                <a:solidFill>
+                  <a:srgbClr val="0D0D0D"/>
+                </a:solidFill>
+                <a:latin typeface="Söhne"/>
+              </a:rPr>
+              <a:t>L2</a:t>
+            </a:r>
+            <a:r>
+              <a:rPr lang="zh-CN" altLang="en-US" dirty="0">
+                <a:solidFill>
+                  <a:srgbClr val="0D0D0D"/>
+                </a:solidFill>
+                <a:latin typeface="Söhne"/>
+              </a:rPr>
+              <a:t> </a:t>
+            </a:r>
+            <a:r>
+              <a:rPr lang="en-US" altLang="zh-CN" dirty="0">
+                <a:solidFill>
+                  <a:srgbClr val="0D0D0D"/>
+                </a:solidFill>
+                <a:latin typeface="Söhne"/>
+              </a:rPr>
+              <a:t>block</a:t>
+            </a:r>
+            <a:r>
+              <a:rPr lang="zh-CN" altLang="en-US" dirty="0">
+                <a:solidFill>
+                  <a:srgbClr val="0D0D0D"/>
+                </a:solidFill>
+                <a:latin typeface="Söhne"/>
+              </a:rPr>
+              <a:t> </a:t>
+            </a:r>
+            <a:r>
+              <a:rPr lang="en-US" altLang="zh-CN" dirty="0">
+                <a:solidFill>
+                  <a:srgbClr val="0D0D0D"/>
+                </a:solidFill>
+                <a:latin typeface="Söhne"/>
+              </a:rPr>
+              <a:t>size</a:t>
+            </a:r>
+            <a:r>
+              <a:rPr lang="zh-CN" altLang="en-US" dirty="0">
+                <a:solidFill>
+                  <a:srgbClr val="0D0D0D"/>
+                </a:solidFill>
+                <a:latin typeface="Söhne"/>
+              </a:rPr>
+              <a:t> </a:t>
+            </a:r>
+            <a:r>
+              <a:rPr lang="en-US" altLang="zh-CN" dirty="0">
+                <a:solidFill>
+                  <a:srgbClr val="0D0D0D"/>
+                </a:solidFill>
+                <a:latin typeface="Söhne"/>
+              </a:rPr>
+              <a:t>=</a:t>
+            </a:r>
+            <a:r>
+              <a:rPr lang="zh-CN" altLang="en-US" dirty="0">
+                <a:solidFill>
+                  <a:srgbClr val="0D0D0D"/>
+                </a:solidFill>
+                <a:latin typeface="Söhne"/>
+              </a:rPr>
+              <a:t> </a:t>
+            </a:r>
+            <a:r>
+              <a:rPr lang="en-US" altLang="zh-CN" dirty="0">
+                <a:solidFill>
+                  <a:srgbClr val="0D0D0D"/>
+                </a:solidFill>
+                <a:latin typeface="Söhne"/>
+              </a:rPr>
+              <a:t>256</a:t>
+            </a:r>
+          </a:p>
+          <a:p>
+            <a:pPr marL="0" indent="0">
+              <a:buNone/>
+            </a:pPr>
+            <a:r>
+              <a:rPr lang="en-US" altLang="zh-CN" dirty="0">
+                <a:solidFill>
+                  <a:srgbClr val="0D0D0D"/>
+                </a:solidFill>
+                <a:latin typeface="Söhne"/>
+              </a:rPr>
+              <a:t>Matrix</a:t>
+            </a:r>
+            <a:r>
+              <a:rPr lang="zh-CN" altLang="en-US" dirty="0">
+                <a:solidFill>
+                  <a:srgbClr val="0D0D0D"/>
+                </a:solidFill>
+                <a:latin typeface="Söhne"/>
+              </a:rPr>
+              <a:t> </a:t>
+            </a:r>
+            <a:r>
+              <a:rPr lang="en-US" altLang="zh-CN" dirty="0">
+                <a:solidFill>
+                  <a:srgbClr val="0D0D0D"/>
+                </a:solidFill>
+                <a:latin typeface="Söhne"/>
+              </a:rPr>
+              <a:t>size</a:t>
+            </a:r>
+            <a:r>
+              <a:rPr lang="zh-CN" altLang="en-US" dirty="0">
+                <a:solidFill>
+                  <a:srgbClr val="0D0D0D"/>
+                </a:solidFill>
+                <a:latin typeface="Söhne"/>
+              </a:rPr>
+              <a:t> </a:t>
+            </a:r>
+            <a:r>
+              <a:rPr lang="en-US" altLang="zh-CN" dirty="0">
+                <a:solidFill>
+                  <a:srgbClr val="0D0D0D"/>
+                </a:solidFill>
+                <a:latin typeface="Söhne"/>
+              </a:rPr>
+              <a:t>=</a:t>
+            </a:r>
+            <a:r>
+              <a:rPr lang="zh-CN" altLang="en-US" dirty="0">
+                <a:solidFill>
+                  <a:srgbClr val="0D0D0D"/>
+                </a:solidFill>
+                <a:latin typeface="Söhne"/>
+              </a:rPr>
+              <a:t> </a:t>
+            </a:r>
+            <a:r>
+              <a:rPr lang="en-US" altLang="zh-CN" dirty="0">
+                <a:solidFill>
+                  <a:srgbClr val="0D0D0D"/>
+                </a:solidFill>
+                <a:latin typeface="Söhne"/>
+              </a:rPr>
+              <a:t>1024</a:t>
+            </a:r>
+            <a:r>
+              <a:rPr lang="zh-CN" altLang="en-US" dirty="0">
+                <a:solidFill>
+                  <a:srgbClr val="0D0D0D"/>
+                </a:solidFill>
+                <a:latin typeface="Söhne"/>
+              </a:rPr>
+              <a:t> </a:t>
+            </a:r>
+            <a:r>
+              <a:rPr lang="en-US" altLang="zh-CN" dirty="0">
+                <a:solidFill>
+                  <a:srgbClr val="0D0D0D"/>
+                </a:solidFill>
+                <a:latin typeface="Söhne"/>
+              </a:rPr>
+              <a:t>x</a:t>
+            </a:r>
+            <a:r>
+              <a:rPr lang="zh-CN" altLang="en-US" dirty="0">
+                <a:solidFill>
+                  <a:srgbClr val="0D0D0D"/>
+                </a:solidFill>
+                <a:latin typeface="Söhne"/>
+              </a:rPr>
+              <a:t> </a:t>
+            </a:r>
+            <a:r>
+              <a:rPr lang="en-US" altLang="zh-CN" dirty="0">
+                <a:solidFill>
+                  <a:srgbClr val="0D0D0D"/>
+                </a:solidFill>
+                <a:latin typeface="Söhne"/>
+              </a:rPr>
+              <a:t>1024</a:t>
+            </a:r>
+            <a:r>
+              <a:rPr lang="zh-CN" altLang="en-US" dirty="0">
+                <a:solidFill>
+                  <a:srgbClr val="0D0D0D"/>
+                </a:solidFill>
+                <a:latin typeface="Söhne"/>
+              </a:rPr>
+              <a:t> </a:t>
+            </a:r>
+            <a:endParaRPr lang="en-SA" dirty="0"/>
+          </a:p>
+        </p:txBody>
+      </p:sp>
+      <p:graphicFrame>
+        <p:nvGraphicFramePr>
+          <p:cNvPr id="10" name="Table 9">
+            <a:extLst>
+              <a:ext uri="{FF2B5EF4-FFF2-40B4-BE49-F238E27FC236}">
+                <a16:creationId xmlns:a16="http://schemas.microsoft.com/office/drawing/2014/main" id="{A5019AE4-9BD8-F4D8-CF15-AF4BFD1F0ADB}"/>
+              </a:ext>
+            </a:extLst>
+          </p:cNvPr>
+          <p:cNvGraphicFramePr>
+            <a:graphicFrameLocks noGrp="1"/>
+          </p:cNvGraphicFramePr>
+          <p:nvPr>
+            <p:extLst>
+              <p:ext uri="{D42A27DB-BD31-4B8C-83A1-F6EECF244321}">
+                <p14:modId xmlns:p14="http://schemas.microsoft.com/office/powerpoint/2010/main" val="4029081509"/>
+              </p:ext>
+            </p:extLst>
+          </p:nvPr>
+        </p:nvGraphicFramePr>
+        <p:xfrm>
+          <a:off x="4948841" y="978683"/>
+          <a:ext cx="7030065" cy="1843439"/>
+        </p:xfrm>
+        <a:graphic>
+          <a:graphicData uri="http://schemas.openxmlformats.org/drawingml/2006/table">
+            <a:tbl>
+              <a:tblPr>
+                <a:tableStyleId>{5C22544A-7EE6-4342-B048-85BDC9FD1C3A}</a:tableStyleId>
+              </a:tblPr>
+              <a:tblGrid>
+                <a:gridCol w="2654709">
+                  <a:extLst>
+                    <a:ext uri="{9D8B030D-6E8A-4147-A177-3AD203B41FA5}">
+                      <a16:colId xmlns:a16="http://schemas.microsoft.com/office/drawing/2014/main" val="755193678"/>
+                    </a:ext>
+                  </a:extLst>
+                </a:gridCol>
+                <a:gridCol w="2032001">
+                  <a:extLst>
+                    <a:ext uri="{9D8B030D-6E8A-4147-A177-3AD203B41FA5}">
+                      <a16:colId xmlns:a16="http://schemas.microsoft.com/office/drawing/2014/main" val="2573169732"/>
+                    </a:ext>
+                  </a:extLst>
+                </a:gridCol>
+                <a:gridCol w="2343355">
+                  <a:extLst>
+                    <a:ext uri="{9D8B030D-6E8A-4147-A177-3AD203B41FA5}">
+                      <a16:colId xmlns:a16="http://schemas.microsoft.com/office/drawing/2014/main" val="2708279994"/>
+                    </a:ext>
+                  </a:extLst>
+                </a:gridCol>
+              </a:tblGrid>
+              <a:tr h="250618">
+                <a:tc>
+                  <a:txBody>
+                    <a:bodyPr/>
+                    <a:lstStyle/>
+                    <a:p>
+                      <a:pPr algn="l" fontAlgn="b"/>
+                      <a:r>
+                        <a:rPr lang="en-US" sz="1600" u="none" strike="noStrike" dirty="0">
+                          <a:effectLst/>
+                        </a:rPr>
+                        <a:t>method</a:t>
+                      </a:r>
+                      <a:endParaRPr lang="en-US" sz="1600" b="0" i="0" u="none" strike="noStrike" dirty="0">
+                        <a:solidFill>
+                          <a:srgbClr val="000000"/>
+                        </a:solidFill>
+                        <a:effectLst/>
+                        <a:latin typeface="Calibri" panose="020F0502020204030204" pitchFamily="34" charset="0"/>
+                      </a:endParaRPr>
+                    </a:p>
+                  </a:txBody>
+                  <a:tcPr marL="9525" marR="9525" marT="9525" marB="0" anchor="b"/>
+                </a:tc>
+                <a:tc>
+                  <a:txBody>
+                    <a:bodyPr/>
+                    <a:lstStyle/>
+                    <a:p>
+                      <a:pPr algn="l" fontAlgn="b"/>
+                      <a:r>
+                        <a:rPr lang="en-US" sz="1600" u="none" strike="noStrike" dirty="0">
+                          <a:effectLst/>
+                        </a:rPr>
+                        <a:t>run time(s)</a:t>
+                      </a:r>
+                      <a:endParaRPr lang="en-US" sz="1600" b="0" i="0" u="none" strike="noStrike" dirty="0">
+                        <a:solidFill>
+                          <a:srgbClr val="000000"/>
+                        </a:solidFill>
+                        <a:effectLst/>
+                        <a:latin typeface="Calibri" panose="020F0502020204030204" pitchFamily="34" charset="0"/>
+                      </a:endParaRPr>
+                    </a:p>
+                  </a:txBody>
+                  <a:tcPr marL="9525" marR="9525" marT="9525" marB="0" anchor="b"/>
+                </a:tc>
+                <a:tc>
+                  <a:txBody>
+                    <a:bodyPr/>
+                    <a:lstStyle/>
+                    <a:p>
+                      <a:pPr algn="l" fontAlgn="b"/>
+                      <a:r>
+                        <a:rPr lang="en-US" sz="1600" u="none" strike="noStrike" dirty="0">
+                          <a:effectLst/>
+                        </a:rPr>
+                        <a:t>speed up</a:t>
+                      </a:r>
+                      <a:endParaRPr lang="en-US" sz="1600" b="0" i="0" u="none" strike="noStrike" dirty="0">
+                        <a:solidFill>
+                          <a:srgbClr val="000000"/>
+                        </a:solidFill>
+                        <a:effectLst/>
+                        <a:latin typeface="Calibri" panose="020F0502020204030204" pitchFamily="34" charset="0"/>
+                      </a:endParaRPr>
+                    </a:p>
+                  </a:txBody>
+                  <a:tcPr marL="9525" marR="9525" marT="9525" marB="0" anchor="b"/>
+                </a:tc>
+                <a:extLst>
+                  <a:ext uri="{0D108BD9-81ED-4DB2-BD59-A6C34878D82A}">
+                    <a16:rowId xmlns:a16="http://schemas.microsoft.com/office/drawing/2014/main" val="3478114163"/>
+                  </a:ext>
+                </a:extLst>
+              </a:tr>
+              <a:tr h="250618">
+                <a:tc>
+                  <a:txBody>
+                    <a:bodyPr/>
+                    <a:lstStyle/>
+                    <a:p>
+                      <a:pPr algn="l" fontAlgn="b"/>
+                      <a:r>
+                        <a:rPr lang="en-US" sz="1600" u="none" strike="noStrike">
+                          <a:effectLst/>
+                        </a:rPr>
+                        <a:t>vanilla</a:t>
+                      </a:r>
+                      <a:endParaRPr lang="en-US" sz="1600" b="0" i="0" u="none" strike="noStrike">
+                        <a:solidFill>
+                          <a:srgbClr val="000000"/>
+                        </a:solidFill>
+                        <a:effectLst/>
+                        <a:latin typeface="Calibri" panose="020F0502020204030204" pitchFamily="34" charset="0"/>
+                      </a:endParaRPr>
+                    </a:p>
+                  </a:txBody>
+                  <a:tcPr marL="9525" marR="9525" marT="9525" marB="0" anchor="b"/>
+                </a:tc>
+                <a:tc>
+                  <a:txBody>
+                    <a:bodyPr/>
+                    <a:lstStyle/>
+                    <a:p>
+                      <a:pPr algn="r" fontAlgn="b"/>
+                      <a:r>
+                        <a:rPr lang="en-SA" sz="1600" u="none" strike="noStrike">
+                          <a:effectLst/>
+                        </a:rPr>
+                        <a:t>1.32</a:t>
+                      </a:r>
+                      <a:endParaRPr lang="en-SA" sz="1600" b="0" i="0" u="none" strike="noStrike">
+                        <a:solidFill>
+                          <a:srgbClr val="000000"/>
+                        </a:solidFill>
+                        <a:effectLst/>
+                        <a:latin typeface="Calibri" panose="020F0502020204030204" pitchFamily="34" charset="0"/>
+                      </a:endParaRPr>
+                    </a:p>
+                  </a:txBody>
+                  <a:tcPr marL="9525" marR="9525" marT="9525" marB="0" anchor="b"/>
+                </a:tc>
+                <a:tc>
+                  <a:txBody>
+                    <a:bodyPr/>
+                    <a:lstStyle/>
+                    <a:p>
+                      <a:pPr algn="r" fontAlgn="b"/>
+                      <a:r>
+                        <a:rPr lang="en-SA" sz="1600" u="none" strike="noStrike">
+                          <a:effectLst/>
+                        </a:rPr>
+                        <a:t>1.00</a:t>
+                      </a:r>
+                      <a:endParaRPr lang="en-SA" sz="1600" b="0" i="0" u="none" strike="noStrike">
+                        <a:solidFill>
+                          <a:srgbClr val="000000"/>
+                        </a:solidFill>
+                        <a:effectLst/>
+                        <a:latin typeface="Calibri" panose="020F0502020204030204" pitchFamily="34" charset="0"/>
+                      </a:endParaRPr>
+                    </a:p>
+                  </a:txBody>
+                  <a:tcPr marL="9525" marR="9525" marT="9525" marB="0" anchor="b"/>
+                </a:tc>
+                <a:extLst>
+                  <a:ext uri="{0D108BD9-81ED-4DB2-BD59-A6C34878D82A}">
+                    <a16:rowId xmlns:a16="http://schemas.microsoft.com/office/drawing/2014/main" val="3066401575"/>
+                  </a:ext>
+                </a:extLst>
+              </a:tr>
+              <a:tr h="250618">
+                <a:tc>
+                  <a:txBody>
+                    <a:bodyPr/>
+                    <a:lstStyle/>
+                    <a:p>
+                      <a:pPr algn="l" fontAlgn="b"/>
+                      <a:r>
+                        <a:rPr lang="en-US" sz="1600" u="none" strike="noStrike" dirty="0">
+                          <a:effectLst/>
+                        </a:rPr>
+                        <a:t>array packing</a:t>
+                      </a:r>
+                      <a:endParaRPr lang="en-US" sz="1600" b="0" i="0" u="none" strike="noStrike" dirty="0">
+                        <a:solidFill>
+                          <a:srgbClr val="000000"/>
+                        </a:solidFill>
+                        <a:effectLst/>
+                        <a:latin typeface="Calibri" panose="020F0502020204030204" pitchFamily="34" charset="0"/>
+                      </a:endParaRPr>
+                    </a:p>
+                  </a:txBody>
+                  <a:tcPr marL="9525" marR="9525" marT="9525" marB="0" anchor="b"/>
+                </a:tc>
+                <a:tc>
+                  <a:txBody>
+                    <a:bodyPr/>
+                    <a:lstStyle/>
+                    <a:p>
+                      <a:pPr algn="r" fontAlgn="b"/>
+                      <a:r>
+                        <a:rPr lang="en-SA" sz="1600" u="none" strike="noStrike">
+                          <a:effectLst/>
+                        </a:rPr>
+                        <a:t>1.28</a:t>
+                      </a:r>
+                      <a:endParaRPr lang="en-SA" sz="1600" b="0" i="0" u="none" strike="noStrike">
+                        <a:solidFill>
+                          <a:srgbClr val="000000"/>
+                        </a:solidFill>
+                        <a:effectLst/>
+                        <a:latin typeface="Calibri" panose="020F0502020204030204" pitchFamily="34" charset="0"/>
+                      </a:endParaRPr>
+                    </a:p>
+                  </a:txBody>
+                  <a:tcPr marL="9525" marR="9525" marT="9525" marB="0" anchor="b"/>
+                </a:tc>
+                <a:tc>
+                  <a:txBody>
+                    <a:bodyPr/>
+                    <a:lstStyle/>
+                    <a:p>
+                      <a:pPr algn="r" fontAlgn="b"/>
+                      <a:r>
+                        <a:rPr lang="en-SA" sz="1600" u="none" strike="noStrike">
+                          <a:effectLst/>
+                        </a:rPr>
+                        <a:t>1.03</a:t>
+                      </a:r>
+                      <a:endParaRPr lang="en-SA" sz="1600" b="0" i="0" u="none" strike="noStrike">
+                        <a:solidFill>
+                          <a:srgbClr val="000000"/>
+                        </a:solidFill>
+                        <a:effectLst/>
+                        <a:latin typeface="Calibri" panose="020F0502020204030204" pitchFamily="34" charset="0"/>
+                      </a:endParaRPr>
+                    </a:p>
+                  </a:txBody>
+                  <a:tcPr marL="9525" marR="9525" marT="9525" marB="0" anchor="b"/>
+                </a:tc>
+                <a:extLst>
+                  <a:ext uri="{0D108BD9-81ED-4DB2-BD59-A6C34878D82A}">
+                    <a16:rowId xmlns:a16="http://schemas.microsoft.com/office/drawing/2014/main" val="1830911713"/>
+                  </a:ext>
+                </a:extLst>
+              </a:tr>
+              <a:tr h="323249">
+                <a:tc>
+                  <a:txBody>
+                    <a:bodyPr/>
+                    <a:lstStyle/>
+                    <a:p>
+                      <a:pPr algn="l" fontAlgn="b"/>
+                      <a:r>
+                        <a:rPr lang="en-US" sz="1600" u="none" strike="noStrike">
+                          <a:effectLst/>
+                        </a:rPr>
+                        <a:t>tiling l1</a:t>
+                      </a:r>
+                      <a:endParaRPr lang="en-US" sz="1600" b="0" i="0" u="none" strike="noStrike">
+                        <a:solidFill>
+                          <a:srgbClr val="000000"/>
+                        </a:solidFill>
+                        <a:effectLst/>
+                        <a:latin typeface="Calibri" panose="020F0502020204030204" pitchFamily="34" charset="0"/>
+                      </a:endParaRPr>
+                    </a:p>
+                  </a:txBody>
+                  <a:tcPr marL="9525" marR="9525" marT="9525" marB="0" anchor="b"/>
+                </a:tc>
+                <a:tc>
+                  <a:txBody>
+                    <a:bodyPr/>
+                    <a:lstStyle/>
+                    <a:p>
+                      <a:pPr algn="r" fontAlgn="b"/>
+                      <a:r>
+                        <a:rPr lang="en-SA" sz="1600" u="none" strike="noStrike">
+                          <a:effectLst/>
+                        </a:rPr>
+                        <a:t>0.99</a:t>
+                      </a:r>
+                      <a:endParaRPr lang="en-SA" sz="1600" b="0" i="0" u="none" strike="noStrike">
+                        <a:solidFill>
+                          <a:srgbClr val="000000"/>
+                        </a:solidFill>
+                        <a:effectLst/>
+                        <a:latin typeface="Calibri" panose="020F0502020204030204" pitchFamily="34" charset="0"/>
+                      </a:endParaRPr>
+                    </a:p>
+                  </a:txBody>
+                  <a:tcPr marL="9525" marR="9525" marT="9525" marB="0" anchor="b"/>
+                </a:tc>
+                <a:tc>
+                  <a:txBody>
+                    <a:bodyPr/>
+                    <a:lstStyle/>
+                    <a:p>
+                      <a:pPr algn="r" fontAlgn="b"/>
+                      <a:r>
+                        <a:rPr lang="en-SA" sz="1600" u="none" strike="noStrike" dirty="0">
+                          <a:effectLst/>
+                        </a:rPr>
+                        <a:t>1.33</a:t>
+                      </a:r>
+                      <a:endParaRPr lang="en-SA" sz="1600" b="0" i="0" u="none" strike="noStrike" dirty="0">
+                        <a:solidFill>
+                          <a:srgbClr val="000000"/>
+                        </a:solidFill>
+                        <a:effectLst/>
+                        <a:latin typeface="Calibri" panose="020F0502020204030204" pitchFamily="34" charset="0"/>
+                      </a:endParaRPr>
+                    </a:p>
+                  </a:txBody>
+                  <a:tcPr marL="9525" marR="9525" marT="9525" marB="0" anchor="b"/>
+                </a:tc>
+                <a:extLst>
+                  <a:ext uri="{0D108BD9-81ED-4DB2-BD59-A6C34878D82A}">
+                    <a16:rowId xmlns:a16="http://schemas.microsoft.com/office/drawing/2014/main" val="1663351088"/>
+                  </a:ext>
+                </a:extLst>
+              </a:tr>
+              <a:tr h="250618">
+                <a:tc>
+                  <a:txBody>
+                    <a:bodyPr/>
+                    <a:lstStyle/>
+                    <a:p>
+                      <a:pPr algn="l" fontAlgn="b"/>
+                      <a:r>
+                        <a:rPr lang="en-US" sz="1600" u="none" strike="noStrike">
+                          <a:effectLst/>
+                        </a:rPr>
+                        <a:t>tiling l1+l2</a:t>
+                      </a:r>
+                      <a:endParaRPr lang="en-US" sz="1600" b="0" i="0" u="none" strike="noStrike">
+                        <a:solidFill>
+                          <a:srgbClr val="000000"/>
+                        </a:solidFill>
+                        <a:effectLst/>
+                        <a:latin typeface="Calibri" panose="020F0502020204030204" pitchFamily="34" charset="0"/>
+                      </a:endParaRPr>
+                    </a:p>
+                  </a:txBody>
+                  <a:tcPr marL="9525" marR="9525" marT="9525" marB="0" anchor="b"/>
+                </a:tc>
+                <a:tc>
+                  <a:txBody>
+                    <a:bodyPr/>
+                    <a:lstStyle/>
+                    <a:p>
+                      <a:pPr algn="r" fontAlgn="b"/>
+                      <a:r>
+                        <a:rPr lang="en-SA" sz="1600" u="none" strike="noStrike">
+                          <a:effectLst/>
+                        </a:rPr>
+                        <a:t>0.61</a:t>
+                      </a:r>
+                      <a:endParaRPr lang="en-SA" sz="1600" b="0" i="0" u="none" strike="noStrike">
+                        <a:solidFill>
+                          <a:srgbClr val="000000"/>
+                        </a:solidFill>
+                        <a:effectLst/>
+                        <a:latin typeface="Calibri" panose="020F0502020204030204" pitchFamily="34" charset="0"/>
+                      </a:endParaRPr>
+                    </a:p>
+                  </a:txBody>
+                  <a:tcPr marL="9525" marR="9525" marT="9525" marB="0" anchor="b"/>
+                </a:tc>
+                <a:tc>
+                  <a:txBody>
+                    <a:bodyPr/>
+                    <a:lstStyle/>
+                    <a:p>
+                      <a:pPr algn="r" fontAlgn="b"/>
+                      <a:r>
+                        <a:rPr lang="en-SA" sz="1600" u="none" strike="noStrike">
+                          <a:effectLst/>
+                        </a:rPr>
+                        <a:t>2.16</a:t>
+                      </a:r>
+                      <a:endParaRPr lang="en-SA" sz="1600" b="0" i="0" u="none" strike="noStrike">
+                        <a:solidFill>
+                          <a:srgbClr val="000000"/>
+                        </a:solidFill>
+                        <a:effectLst/>
+                        <a:latin typeface="Calibri" panose="020F0502020204030204" pitchFamily="34" charset="0"/>
+                      </a:endParaRPr>
+                    </a:p>
+                  </a:txBody>
+                  <a:tcPr marL="9525" marR="9525" marT="9525" marB="0" anchor="b"/>
+                </a:tc>
+                <a:extLst>
+                  <a:ext uri="{0D108BD9-81ED-4DB2-BD59-A6C34878D82A}">
+                    <a16:rowId xmlns:a16="http://schemas.microsoft.com/office/drawing/2014/main" val="1929009402"/>
+                  </a:ext>
+                </a:extLst>
+              </a:tr>
+              <a:tr h="250618">
+                <a:tc>
+                  <a:txBody>
+                    <a:bodyPr/>
+                    <a:lstStyle/>
+                    <a:p>
+                      <a:pPr algn="l" fontAlgn="b"/>
+                      <a:r>
+                        <a:rPr lang="en-US" sz="1600" u="none" strike="noStrike" dirty="0">
+                          <a:effectLst/>
+                        </a:rPr>
+                        <a:t>tiling l1+l2 + vectorize</a:t>
+                      </a:r>
+                      <a:endParaRPr lang="en-US" sz="1600" b="0" i="0" u="none" strike="noStrike" dirty="0">
+                        <a:solidFill>
+                          <a:srgbClr val="000000"/>
+                        </a:solidFill>
+                        <a:effectLst/>
+                        <a:latin typeface="Calibri" panose="020F0502020204030204" pitchFamily="34" charset="0"/>
+                      </a:endParaRPr>
+                    </a:p>
+                  </a:txBody>
+                  <a:tcPr marL="9525" marR="9525" marT="9525" marB="0" anchor="b"/>
+                </a:tc>
+                <a:tc>
+                  <a:txBody>
+                    <a:bodyPr/>
+                    <a:lstStyle/>
+                    <a:p>
+                      <a:pPr algn="r" fontAlgn="b"/>
+                      <a:r>
+                        <a:rPr lang="en-SA" sz="1600" u="none" strike="noStrike">
+                          <a:effectLst/>
+                        </a:rPr>
+                        <a:t>0.04</a:t>
+                      </a:r>
+                      <a:endParaRPr lang="en-SA" sz="1600" b="0" i="0" u="none" strike="noStrike">
+                        <a:solidFill>
+                          <a:srgbClr val="000000"/>
+                        </a:solidFill>
+                        <a:effectLst/>
+                        <a:latin typeface="Calibri" panose="020F0502020204030204" pitchFamily="34" charset="0"/>
+                      </a:endParaRPr>
+                    </a:p>
+                  </a:txBody>
+                  <a:tcPr marL="9525" marR="9525" marT="9525" marB="0" anchor="b"/>
+                </a:tc>
+                <a:tc>
+                  <a:txBody>
+                    <a:bodyPr/>
+                    <a:lstStyle/>
+                    <a:p>
+                      <a:pPr algn="r" fontAlgn="b"/>
+                      <a:r>
+                        <a:rPr lang="en-SA" sz="1600" u="none" strike="noStrike">
+                          <a:effectLst/>
+                        </a:rPr>
+                        <a:t>33.00</a:t>
+                      </a:r>
+                      <a:endParaRPr lang="en-SA" sz="1600" b="0" i="0" u="none" strike="noStrike">
+                        <a:solidFill>
+                          <a:srgbClr val="000000"/>
+                        </a:solidFill>
+                        <a:effectLst/>
+                        <a:latin typeface="Calibri" panose="020F0502020204030204" pitchFamily="34" charset="0"/>
+                      </a:endParaRPr>
+                    </a:p>
+                  </a:txBody>
+                  <a:tcPr marL="9525" marR="9525" marT="9525" marB="0" anchor="b"/>
+                </a:tc>
+                <a:extLst>
+                  <a:ext uri="{0D108BD9-81ED-4DB2-BD59-A6C34878D82A}">
+                    <a16:rowId xmlns:a16="http://schemas.microsoft.com/office/drawing/2014/main" val="1710713800"/>
+                  </a:ext>
+                </a:extLst>
+              </a:tr>
+              <a:tr h="250618">
+                <a:tc>
+                  <a:txBody>
+                    <a:bodyPr/>
+                    <a:lstStyle/>
+                    <a:p>
+                      <a:pPr algn="l" fontAlgn="b"/>
+                      <a:r>
+                        <a:rPr lang="en-US" sz="1600" u="none" strike="noStrike" dirty="0">
+                          <a:effectLst/>
+                        </a:rPr>
+                        <a:t>tiling l1+l2 + vectorize + parallel</a:t>
+                      </a:r>
+                      <a:endParaRPr lang="en-US" sz="1600" b="0" i="0" u="none" strike="noStrike" dirty="0">
+                        <a:solidFill>
+                          <a:srgbClr val="000000"/>
+                        </a:solidFill>
+                        <a:effectLst/>
+                        <a:latin typeface="Calibri" panose="020F0502020204030204" pitchFamily="34" charset="0"/>
+                      </a:endParaRPr>
+                    </a:p>
+                  </a:txBody>
+                  <a:tcPr marL="9525" marR="9525" marT="9525" marB="0" anchor="b"/>
+                </a:tc>
+                <a:tc>
+                  <a:txBody>
+                    <a:bodyPr/>
+                    <a:lstStyle/>
+                    <a:p>
+                      <a:pPr algn="r" fontAlgn="b"/>
+                      <a:r>
+                        <a:rPr lang="en-SA" sz="1600" u="none" strike="noStrike">
+                          <a:effectLst/>
+                        </a:rPr>
+                        <a:t>0.04</a:t>
+                      </a:r>
+                      <a:endParaRPr lang="en-SA" sz="1600" b="0" i="0" u="none" strike="noStrike">
+                        <a:solidFill>
+                          <a:srgbClr val="000000"/>
+                        </a:solidFill>
+                        <a:effectLst/>
+                        <a:latin typeface="Calibri" panose="020F0502020204030204" pitchFamily="34" charset="0"/>
+                      </a:endParaRPr>
+                    </a:p>
+                  </a:txBody>
+                  <a:tcPr marL="9525" marR="9525" marT="9525" marB="0" anchor="b"/>
+                </a:tc>
+                <a:tc>
+                  <a:txBody>
+                    <a:bodyPr/>
+                    <a:lstStyle/>
+                    <a:p>
+                      <a:pPr algn="r" fontAlgn="b"/>
+                      <a:r>
+                        <a:rPr lang="en-SA" sz="1600" u="none" strike="noStrike" dirty="0">
+                          <a:effectLst/>
+                        </a:rPr>
+                        <a:t>33.00</a:t>
+                      </a:r>
+                      <a:endParaRPr lang="en-SA" sz="1600" b="0" i="0" u="none" strike="noStrike" dirty="0">
+                        <a:solidFill>
+                          <a:srgbClr val="000000"/>
+                        </a:solidFill>
+                        <a:effectLst/>
+                        <a:latin typeface="Calibri" panose="020F0502020204030204" pitchFamily="34" charset="0"/>
+                      </a:endParaRPr>
+                    </a:p>
+                  </a:txBody>
+                  <a:tcPr marL="9525" marR="9525" marT="9525" marB="0" anchor="b"/>
+                </a:tc>
+                <a:extLst>
+                  <a:ext uri="{0D108BD9-81ED-4DB2-BD59-A6C34878D82A}">
+                    <a16:rowId xmlns:a16="http://schemas.microsoft.com/office/drawing/2014/main" val="3339601312"/>
+                  </a:ext>
+                </a:extLst>
+              </a:tr>
+            </a:tbl>
+          </a:graphicData>
+        </a:graphic>
+      </p:graphicFrame>
+      <p:sp>
+        <p:nvSpPr>
+          <p:cNvPr id="13" name="Title 1">
+            <a:extLst>
+              <a:ext uri="{FF2B5EF4-FFF2-40B4-BE49-F238E27FC236}">
+                <a16:creationId xmlns:a16="http://schemas.microsoft.com/office/drawing/2014/main" id="{016A459F-A87B-ECFD-F0AC-1250D1037193}"/>
+              </a:ext>
+            </a:extLst>
+          </p:cNvPr>
+          <p:cNvSpPr txBox="1">
+            <a:spLocks/>
+          </p:cNvSpPr>
+          <p:nvPr/>
+        </p:nvSpPr>
+        <p:spPr>
+          <a:xfrm>
+            <a:off x="838200" y="466250"/>
+            <a:ext cx="10515600" cy="1325563"/>
+          </a:xfrm>
+          <a:prstGeom prst="rect">
+            <a:avLst/>
+          </a:prstGeom>
+        </p:spPr>
+        <p:txBody>
+          <a:bodyPr vert="horz" lIns="91440" tIns="45720" rIns="91440" bIns="45720" rtlCol="0" anchor="ctr">
+            <a:normAutofit/>
+          </a:bodyPr>
+          <a:lstStyle>
+            <a:lvl1pPr algn="l" defTabSz="914400" rtl="0" eaLnBrk="1" latinLnBrk="0" hangingPunct="1">
+              <a:lnSpc>
+                <a:spcPct val="90000"/>
+              </a:lnSpc>
+              <a:spcBef>
+                <a:spcPct val="0"/>
+              </a:spcBef>
+              <a:buNone/>
+              <a:defRPr sz="4400" kern="1200">
+                <a:solidFill>
+                  <a:schemeClr val="tx1"/>
+                </a:solidFill>
+                <a:latin typeface="+mj-lt"/>
+                <a:ea typeface="+mj-ea"/>
+                <a:cs typeface="+mj-cs"/>
+              </a:defRPr>
+            </a:lvl1pPr>
+          </a:lstStyle>
+          <a:p>
+            <a:r>
+              <a:rPr lang="en-US" altLang="zh-CN" dirty="0">
+                <a:solidFill>
+                  <a:srgbClr val="000000"/>
+                </a:solidFill>
+                <a:latin typeface="Roboto" panose="02000000000000000000" pitchFamily="2" charset="0"/>
+              </a:rPr>
+              <a:t>Results</a:t>
+            </a:r>
+            <a:endParaRPr lang="en-SA" dirty="0"/>
+          </a:p>
+        </p:txBody>
+      </p:sp>
+      <p:sp>
+        <p:nvSpPr>
+          <p:cNvPr id="14" name="Content Placeholder 2">
+            <a:extLst>
+              <a:ext uri="{FF2B5EF4-FFF2-40B4-BE49-F238E27FC236}">
+                <a16:creationId xmlns:a16="http://schemas.microsoft.com/office/drawing/2014/main" id="{D0F9C347-BAE1-038C-9FC7-2B1C2ACFE0EA}"/>
+              </a:ext>
+            </a:extLst>
+          </p:cNvPr>
+          <p:cNvSpPr>
+            <a:spLocks noGrp="1"/>
+          </p:cNvSpPr>
+          <p:nvPr>
+            <p:ph idx="1"/>
+          </p:nvPr>
+        </p:nvSpPr>
+        <p:spPr>
+          <a:xfrm>
+            <a:off x="169585" y="1680347"/>
+            <a:ext cx="5238572" cy="4351338"/>
+          </a:xfrm>
+        </p:spPr>
+        <p:txBody>
+          <a:bodyPr/>
+          <a:lstStyle/>
+          <a:p>
+            <a:pPr marL="0" indent="0">
+              <a:buNone/>
+            </a:pPr>
+            <a:r>
+              <a:rPr lang="en-US" altLang="zh-CN" dirty="0"/>
+              <a:t>L2</a:t>
+            </a:r>
+            <a:r>
+              <a:rPr lang="zh-CN" altLang="en-US" dirty="0"/>
+              <a:t> </a:t>
+            </a:r>
+            <a:r>
+              <a:rPr lang="en-US" altLang="zh-CN" dirty="0"/>
+              <a:t>tiling</a:t>
+            </a:r>
+            <a:r>
+              <a:rPr lang="zh-CN" altLang="en-US" dirty="0"/>
+              <a:t> </a:t>
+            </a:r>
+            <a:r>
+              <a:rPr lang="en-US" altLang="zh-CN" dirty="0"/>
+              <a:t>can</a:t>
+            </a:r>
+            <a:r>
+              <a:rPr lang="zh-CN" altLang="en-US" dirty="0"/>
+              <a:t> </a:t>
+            </a:r>
+            <a:r>
+              <a:rPr lang="en-US" altLang="zh-CN" dirty="0"/>
+              <a:t>further</a:t>
+            </a:r>
+            <a:r>
+              <a:rPr lang="zh-CN" altLang="en-US" dirty="0"/>
+              <a:t> </a:t>
+            </a:r>
+            <a:r>
+              <a:rPr lang="en-US" altLang="zh-CN" dirty="0"/>
+              <a:t>speed</a:t>
+            </a:r>
+            <a:r>
+              <a:rPr lang="zh-CN" altLang="en-US" dirty="0"/>
+              <a:t> </a:t>
+            </a:r>
+            <a:r>
+              <a:rPr lang="en-US" altLang="zh-CN" dirty="0"/>
+              <a:t>up</a:t>
+            </a:r>
+            <a:r>
+              <a:rPr lang="zh-CN" altLang="en-US" dirty="0"/>
+              <a:t> </a:t>
+            </a:r>
+            <a:r>
+              <a:rPr lang="en-US" altLang="zh-CN" dirty="0"/>
+              <a:t>to</a:t>
+            </a:r>
+            <a:r>
+              <a:rPr lang="zh-CN" altLang="en-US" dirty="0"/>
+              <a:t> </a:t>
+            </a:r>
+            <a:r>
+              <a:rPr lang="en-US" altLang="zh-CN" dirty="0"/>
+              <a:t>1.62x</a:t>
+            </a:r>
+          </a:p>
+          <a:p>
+            <a:pPr marL="0" indent="0">
+              <a:buNone/>
+            </a:pPr>
+            <a:endParaRPr lang="en-US" altLang="zh-CN" dirty="0"/>
+          </a:p>
+          <a:p>
+            <a:pPr marL="0" indent="0">
+              <a:buNone/>
+            </a:pPr>
+            <a:r>
+              <a:rPr lang="en-US" b="0" i="0" dirty="0">
+                <a:solidFill>
+                  <a:srgbClr val="3C3C3C"/>
+                </a:solidFill>
+                <a:effectLst/>
+                <a:latin typeface="PT Sans" panose="020B0503020203020204" pitchFamily="34" charset="77"/>
+              </a:rPr>
+              <a:t>data chunk will be computed block by block. The memory access inside the block is a small neighborhood which is with high memory locality</a:t>
+            </a:r>
+            <a:endParaRPr lang="en-US" altLang="zh-CN" dirty="0"/>
+          </a:p>
+          <a:p>
+            <a:pPr marL="0" indent="0">
+              <a:buNone/>
+            </a:pPr>
+            <a:endParaRPr lang="en-US" dirty="0"/>
+          </a:p>
+          <a:p>
+            <a:pPr marL="0" indent="0">
+              <a:buNone/>
+            </a:pPr>
+            <a:endParaRPr lang="en-US" dirty="0"/>
+          </a:p>
+          <a:p>
+            <a:pPr marL="0" indent="0">
+              <a:buNone/>
+            </a:pPr>
+            <a:endParaRPr lang="en-SA" dirty="0"/>
+          </a:p>
+        </p:txBody>
+      </p:sp>
+    </p:spTree>
+    <p:extLst>
+      <p:ext uri="{BB962C8B-B14F-4D97-AF65-F5344CB8AC3E}">
+        <p14:creationId xmlns:p14="http://schemas.microsoft.com/office/powerpoint/2010/main" val="4082840161"/>
+      </p:ext>
+    </p:extLst>
+  </p:cSld>
+  <p:clrMapOvr>
+    <a:masterClrMapping/>
+  </p:clrMapOvr>
+</p:sld>
+</file>
+
+<file path=ppt/slides/slide11.xml><?xml version="1.0" encoding="utf-8"?>
+<p:sld xmlns:a="http://schemas.openxmlformats.org/drawingml/2006/main" xmlns:r="http://schemas.openxmlformats.org/officeDocument/2006/relationships" xmlns:p="http://schemas.openxmlformats.org/presentationml/2006/main">
+  <p:cSld>
+    <p:spTree>
+      <p:nvGrpSpPr>
+        <p:cNvPr id="1" name=""/>
+        <p:cNvGrpSpPr/>
+        <p:nvPr/>
+      </p:nvGrpSpPr>
+      <p:grpSpPr>
+        <a:xfrm>
+          <a:off x="0" y="0"/>
+          <a:ext cx="0" cy="0"/>
+          <a:chOff x="0" y="0"/>
+          <a:chExt cx="0" cy="0"/>
+        </a:xfrm>
+      </p:grpSpPr>
+      <p:sp>
+        <p:nvSpPr>
+          <p:cNvPr id="2" name="Title 1">
+            <a:extLst>
+              <a:ext uri="{FF2B5EF4-FFF2-40B4-BE49-F238E27FC236}">
+                <a16:creationId xmlns:a16="http://schemas.microsoft.com/office/drawing/2014/main" id="{AF24793A-97EE-756C-264D-85D369D3EA33}"/>
+              </a:ext>
+            </a:extLst>
+          </p:cNvPr>
+          <p:cNvSpPr>
+            <a:spLocks noGrp="1"/>
+          </p:cNvSpPr>
+          <p:nvPr>
+            <p:ph type="title"/>
+          </p:nvPr>
+        </p:nvSpPr>
+        <p:spPr/>
+        <p:txBody>
+          <a:bodyPr/>
+          <a:lstStyle/>
+          <a:p>
+            <a:r>
+              <a:rPr lang="en-US" altLang="zh-CN" dirty="0"/>
+              <a:t>Array</a:t>
+            </a:r>
+            <a:r>
+              <a:rPr lang="zh-CN" altLang="en-US" dirty="0"/>
+              <a:t> </a:t>
+            </a:r>
+            <a:r>
+              <a:rPr lang="en-US" altLang="zh-CN" dirty="0"/>
+              <a:t>packing</a:t>
+            </a:r>
+            <a:endParaRPr lang="en-SA" dirty="0"/>
+          </a:p>
+        </p:txBody>
+      </p:sp>
+      <p:pic>
+        <p:nvPicPr>
+          <p:cNvPr id="5" name="Content Placeholder 4">
+            <a:extLst>
+              <a:ext uri="{FF2B5EF4-FFF2-40B4-BE49-F238E27FC236}">
+                <a16:creationId xmlns:a16="http://schemas.microsoft.com/office/drawing/2014/main" id="{2AED0179-CAC8-303F-C37F-CFF399D41104}"/>
+              </a:ext>
+            </a:extLst>
+          </p:cNvPr>
+          <p:cNvPicPr>
+            <a:picLocks noGrp="1" noChangeAspect="1"/>
+          </p:cNvPicPr>
+          <p:nvPr>
+            <p:ph idx="1"/>
+          </p:nvPr>
+        </p:nvPicPr>
+        <p:blipFill>
+          <a:blip r:embed="rId2"/>
+          <a:stretch>
+            <a:fillRect/>
+          </a:stretch>
+        </p:blipFill>
+        <p:spPr>
+          <a:xfrm>
+            <a:off x="3116917" y="1825625"/>
+            <a:ext cx="5958166" cy="4351338"/>
+          </a:xfrm>
+        </p:spPr>
+      </p:pic>
+    </p:spTree>
+    <p:extLst>
+      <p:ext uri="{BB962C8B-B14F-4D97-AF65-F5344CB8AC3E}">
+        <p14:creationId xmlns:p14="http://schemas.microsoft.com/office/powerpoint/2010/main" val="308323576"/>
+      </p:ext>
+    </p:extLst>
+  </p:cSld>
+  <p:clrMapOvr>
+    <a:masterClrMapping/>
+  </p:clrMapOvr>
+</p:sld>
+</file>
+
+<file path=ppt/slides/slide12.xml><?xml version="1.0" encoding="utf-8"?>
+<p:sld xmlns:a="http://schemas.openxmlformats.org/drawingml/2006/main" xmlns:r="http://schemas.openxmlformats.org/officeDocument/2006/relationships" xmlns:p="http://schemas.openxmlformats.org/presentationml/2006/main">
+  <p:cSld>
+    <p:spTree>
+      <p:nvGrpSpPr>
+        <p:cNvPr id="1" name=""/>
+        <p:cNvGrpSpPr/>
+        <p:nvPr/>
+      </p:nvGrpSpPr>
+      <p:grpSpPr>
+        <a:xfrm>
+          <a:off x="0" y="0"/>
+          <a:ext cx="0" cy="0"/>
+          <a:chOff x="0" y="0"/>
+          <a:chExt cx="0" cy="0"/>
+        </a:xfrm>
+      </p:grpSpPr>
+      <p:sp>
+        <p:nvSpPr>
+          <p:cNvPr id="15" name="Rectangle 14">
+            <a:extLst>
+              <a:ext uri="{FF2B5EF4-FFF2-40B4-BE49-F238E27FC236}">
+                <a16:creationId xmlns:a16="http://schemas.microsoft.com/office/drawing/2014/main" id="{0001BE68-5FEE-C2A9-BC3B-C804DA9217D4}"/>
+              </a:ext>
+            </a:extLst>
+          </p:cNvPr>
+          <p:cNvSpPr/>
+          <p:nvPr/>
+        </p:nvSpPr>
+        <p:spPr>
+          <a:xfrm>
+            <a:off x="3232086" y="3892987"/>
+            <a:ext cx="2154725" cy="1776745"/>
+          </a:xfrm>
+          <a:prstGeom prst="rect">
+            <a:avLst/>
+          </a:prstGeom>
+          <a:solidFill>
+            <a:schemeClr val="accent1">
+              <a:lumMod val="40000"/>
+              <a:lumOff val="60000"/>
+            </a:schemeClr>
+          </a:solidFill>
+        </p:spPr>
+        <p:style>
+          <a:lnRef idx="2">
+            <a:schemeClr val="accent1">
+              <a:shade val="15000"/>
+            </a:schemeClr>
+          </a:lnRef>
+          <a:fillRef idx="1">
+            <a:schemeClr val="accent1"/>
+          </a:fillRef>
+          <a:effectRef idx="0">
+            <a:schemeClr val="accent1"/>
+          </a:effectRef>
+          <a:fontRef idx="minor">
+            <a:schemeClr val="lt1"/>
+          </a:fontRef>
+        </p:style>
+        <p:txBody>
+          <a:bodyPr rtlCol="0" anchor="ctr"/>
+          <a:lstStyle/>
+          <a:p>
+            <a:pPr algn="ctr"/>
+            <a:endParaRPr lang="en-SA"/>
+          </a:p>
+        </p:txBody>
+      </p:sp>
+      <p:sp>
+        <p:nvSpPr>
+          <p:cNvPr id="4" name="Title 1">
+            <a:extLst>
+              <a:ext uri="{FF2B5EF4-FFF2-40B4-BE49-F238E27FC236}">
+                <a16:creationId xmlns:a16="http://schemas.microsoft.com/office/drawing/2014/main" id="{F8AE6426-E875-F3B5-5246-7E86AC883371}"/>
+              </a:ext>
+            </a:extLst>
+          </p:cNvPr>
+          <p:cNvSpPr txBox="1">
+            <a:spLocks/>
+          </p:cNvSpPr>
+          <p:nvPr/>
+        </p:nvSpPr>
+        <p:spPr>
+          <a:xfrm>
+            <a:off x="838200" y="466250"/>
+            <a:ext cx="10515600" cy="1325563"/>
+          </a:xfrm>
+          <a:prstGeom prst="rect">
+            <a:avLst/>
+          </a:prstGeom>
+        </p:spPr>
+        <p:txBody>
+          <a:bodyPr vert="horz" lIns="91440" tIns="45720" rIns="91440" bIns="45720" rtlCol="0" anchor="ctr">
+            <a:normAutofit/>
+          </a:bodyPr>
+          <a:lstStyle>
+            <a:lvl1pPr algn="l" defTabSz="914400" rtl="0" eaLnBrk="1" latinLnBrk="0" hangingPunct="1">
+              <a:lnSpc>
+                <a:spcPct val="90000"/>
+              </a:lnSpc>
+              <a:spcBef>
+                <a:spcPct val="0"/>
+              </a:spcBef>
+              <a:buNone/>
+              <a:defRPr sz="4400" kern="1200">
+                <a:solidFill>
+                  <a:schemeClr val="tx1"/>
+                </a:solidFill>
+                <a:latin typeface="+mj-lt"/>
+                <a:ea typeface="+mj-ea"/>
+                <a:cs typeface="+mj-cs"/>
+              </a:defRPr>
+            </a:lvl1pPr>
+          </a:lstStyle>
+          <a:p>
+            <a:r>
+              <a:rPr lang="en-US" altLang="zh-CN" dirty="0">
+                <a:solidFill>
+                  <a:srgbClr val="000000"/>
+                </a:solidFill>
+                <a:latin typeface="Roboto" panose="02000000000000000000" pitchFamily="2" charset="0"/>
+              </a:rPr>
+              <a:t>Reorder</a:t>
+            </a:r>
+            <a:endParaRPr lang="en-SA" dirty="0"/>
+          </a:p>
+        </p:txBody>
+      </p:sp>
+      <p:sp>
+        <p:nvSpPr>
+          <p:cNvPr id="7" name="Rectangle 6">
+            <a:extLst>
+              <a:ext uri="{FF2B5EF4-FFF2-40B4-BE49-F238E27FC236}">
+                <a16:creationId xmlns:a16="http://schemas.microsoft.com/office/drawing/2014/main" id="{F7CBFFD2-588C-1970-D295-1278C67E46F8}"/>
+              </a:ext>
+            </a:extLst>
+          </p:cNvPr>
+          <p:cNvSpPr/>
+          <p:nvPr/>
+        </p:nvSpPr>
+        <p:spPr>
+          <a:xfrm>
+            <a:off x="1131683" y="2100404"/>
+            <a:ext cx="2100404" cy="1792586"/>
+          </a:xfrm>
+          <a:prstGeom prst="rect">
+            <a:avLst/>
+          </a:prstGeom>
+          <a:solidFill>
+            <a:schemeClr val="accent1">
+              <a:lumMod val="40000"/>
+              <a:lumOff val="60000"/>
+            </a:schemeClr>
+          </a:solidFill>
+        </p:spPr>
+        <p:style>
+          <a:lnRef idx="2">
+            <a:schemeClr val="accent1">
+              <a:shade val="15000"/>
+            </a:schemeClr>
+          </a:lnRef>
+          <a:fillRef idx="1">
+            <a:schemeClr val="accent1"/>
+          </a:fillRef>
+          <a:effectRef idx="0">
+            <a:schemeClr val="accent1"/>
+          </a:effectRef>
+          <a:fontRef idx="minor">
+            <a:schemeClr val="lt1"/>
+          </a:fontRef>
+        </p:style>
+        <p:txBody>
+          <a:bodyPr rtlCol="0" anchor="ctr"/>
+          <a:lstStyle/>
+          <a:p>
+            <a:pPr algn="ctr"/>
+            <a:endParaRPr lang="en-SA"/>
+          </a:p>
+        </p:txBody>
+      </p:sp>
+      <p:sp>
+        <p:nvSpPr>
+          <p:cNvPr id="8" name="Rectangle 7">
+            <a:extLst>
+              <a:ext uri="{FF2B5EF4-FFF2-40B4-BE49-F238E27FC236}">
+                <a16:creationId xmlns:a16="http://schemas.microsoft.com/office/drawing/2014/main" id="{252DB7C4-3E36-4CCB-9CCC-7AB299930CB8}"/>
+              </a:ext>
+            </a:extLst>
+          </p:cNvPr>
+          <p:cNvSpPr/>
+          <p:nvPr/>
+        </p:nvSpPr>
+        <p:spPr>
+          <a:xfrm>
+            <a:off x="3232087" y="2100404"/>
+            <a:ext cx="2154725" cy="1792586"/>
+          </a:xfrm>
+          <a:prstGeom prst="rect">
+            <a:avLst/>
+          </a:prstGeom>
+          <a:solidFill>
+            <a:schemeClr val="accent1">
+              <a:lumMod val="40000"/>
+              <a:lumOff val="60000"/>
+            </a:schemeClr>
+          </a:solidFill>
+        </p:spPr>
+        <p:style>
+          <a:lnRef idx="2">
+            <a:schemeClr val="accent1">
+              <a:shade val="15000"/>
+            </a:schemeClr>
+          </a:lnRef>
+          <a:fillRef idx="1">
+            <a:schemeClr val="accent1"/>
+          </a:fillRef>
+          <a:effectRef idx="0">
+            <a:schemeClr val="accent1"/>
+          </a:effectRef>
+          <a:fontRef idx="minor">
+            <a:schemeClr val="lt1"/>
+          </a:fontRef>
+        </p:style>
+        <p:txBody>
+          <a:bodyPr rtlCol="0" anchor="ctr"/>
+          <a:lstStyle/>
+          <a:p>
+            <a:pPr algn="ctr"/>
+            <a:endParaRPr lang="en-SA"/>
+          </a:p>
+        </p:txBody>
+      </p:sp>
+      <p:sp>
+        <p:nvSpPr>
+          <p:cNvPr id="9" name="Rectangle 8">
+            <a:extLst>
+              <a:ext uri="{FF2B5EF4-FFF2-40B4-BE49-F238E27FC236}">
+                <a16:creationId xmlns:a16="http://schemas.microsoft.com/office/drawing/2014/main" id="{6D4CEF53-4FE1-C585-52E6-B663943D1827}"/>
+              </a:ext>
+            </a:extLst>
+          </p:cNvPr>
+          <p:cNvSpPr/>
+          <p:nvPr/>
+        </p:nvSpPr>
+        <p:spPr>
+          <a:xfrm>
+            <a:off x="1131683" y="3892989"/>
+            <a:ext cx="2100404" cy="1779007"/>
+          </a:xfrm>
+          <a:prstGeom prst="rect">
+            <a:avLst/>
+          </a:prstGeom>
+          <a:solidFill>
+            <a:schemeClr val="accent1">
+              <a:lumMod val="40000"/>
+              <a:lumOff val="60000"/>
+            </a:schemeClr>
+          </a:solidFill>
+        </p:spPr>
+        <p:style>
+          <a:lnRef idx="2">
+            <a:schemeClr val="accent1">
+              <a:shade val="15000"/>
+            </a:schemeClr>
+          </a:lnRef>
+          <a:fillRef idx="1">
+            <a:schemeClr val="accent1"/>
+          </a:fillRef>
+          <a:effectRef idx="0">
+            <a:schemeClr val="accent1"/>
+          </a:effectRef>
+          <a:fontRef idx="minor">
+            <a:schemeClr val="lt1"/>
+          </a:fontRef>
+        </p:style>
+        <p:txBody>
+          <a:bodyPr rtlCol="0" anchor="ctr"/>
+          <a:lstStyle/>
+          <a:p>
+            <a:pPr algn="ctr"/>
+            <a:endParaRPr lang="en-SA"/>
+          </a:p>
+        </p:txBody>
+      </p:sp>
+      <p:sp>
+        <p:nvSpPr>
+          <p:cNvPr id="11" name="Rectangle 10">
+            <a:extLst>
+              <a:ext uri="{FF2B5EF4-FFF2-40B4-BE49-F238E27FC236}">
+                <a16:creationId xmlns:a16="http://schemas.microsoft.com/office/drawing/2014/main" id="{5A410245-43F9-F745-5EA9-7B2A1412171F}"/>
+              </a:ext>
+            </a:extLst>
+          </p:cNvPr>
+          <p:cNvSpPr/>
+          <p:nvPr/>
+        </p:nvSpPr>
+        <p:spPr>
+          <a:xfrm>
+            <a:off x="1131683" y="2100404"/>
+            <a:ext cx="398353" cy="398352"/>
+          </a:xfrm>
+          <a:prstGeom prst="rect">
+            <a:avLst/>
+          </a:prstGeom>
+          <a:solidFill>
+            <a:schemeClr val="tx2">
+              <a:lumMod val="60000"/>
+              <a:lumOff val="40000"/>
+            </a:schemeClr>
+          </a:solidFill>
+        </p:spPr>
+        <p:style>
+          <a:lnRef idx="2">
+            <a:schemeClr val="accent1">
+              <a:shade val="15000"/>
+            </a:schemeClr>
+          </a:lnRef>
+          <a:fillRef idx="1">
+            <a:schemeClr val="accent1"/>
+          </a:fillRef>
+          <a:effectRef idx="0">
+            <a:schemeClr val="accent1"/>
+          </a:effectRef>
+          <a:fontRef idx="minor">
+            <a:schemeClr val="lt1"/>
+          </a:fontRef>
+        </p:style>
+        <p:txBody>
+          <a:bodyPr rtlCol="0" anchor="ctr"/>
+          <a:lstStyle/>
+          <a:p>
+            <a:pPr algn="ctr"/>
+            <a:r>
+              <a:rPr lang="en-US" altLang="zh-CN" dirty="0"/>
+              <a:t>1</a:t>
+            </a:r>
+            <a:endParaRPr lang="en-SA" dirty="0"/>
+          </a:p>
+        </p:txBody>
+      </p:sp>
+      <p:sp>
+        <p:nvSpPr>
+          <p:cNvPr id="12" name="Rectangle 11">
+            <a:extLst>
+              <a:ext uri="{FF2B5EF4-FFF2-40B4-BE49-F238E27FC236}">
+                <a16:creationId xmlns:a16="http://schemas.microsoft.com/office/drawing/2014/main" id="{64CC2010-011F-8523-06B7-525F9CC74396}"/>
+              </a:ext>
+            </a:extLst>
+          </p:cNvPr>
+          <p:cNvSpPr/>
+          <p:nvPr/>
+        </p:nvSpPr>
+        <p:spPr>
+          <a:xfrm>
+            <a:off x="1131682" y="3892990"/>
+            <a:ext cx="398353" cy="398352"/>
+          </a:xfrm>
+          <a:prstGeom prst="rect">
+            <a:avLst/>
+          </a:prstGeom>
+          <a:solidFill>
+            <a:schemeClr val="tx2">
+              <a:lumMod val="60000"/>
+              <a:lumOff val="40000"/>
+            </a:schemeClr>
+          </a:solidFill>
+        </p:spPr>
+        <p:style>
+          <a:lnRef idx="2">
+            <a:schemeClr val="accent1">
+              <a:shade val="15000"/>
+            </a:schemeClr>
+          </a:lnRef>
+          <a:fillRef idx="1">
+            <a:schemeClr val="accent1"/>
+          </a:fillRef>
+          <a:effectRef idx="0">
+            <a:schemeClr val="accent1"/>
+          </a:effectRef>
+          <a:fontRef idx="minor">
+            <a:schemeClr val="lt1"/>
+          </a:fontRef>
+        </p:style>
+        <p:txBody>
+          <a:bodyPr rtlCol="0" anchor="ctr"/>
+          <a:lstStyle/>
+          <a:p>
+            <a:pPr algn="ctr"/>
+            <a:r>
+              <a:rPr lang="en-US" altLang="zh-CN" dirty="0"/>
+              <a:t>3</a:t>
+            </a:r>
+            <a:endParaRPr lang="en-SA" dirty="0"/>
+          </a:p>
+        </p:txBody>
+      </p:sp>
+      <p:sp>
+        <p:nvSpPr>
+          <p:cNvPr id="13" name="Rectangle 12">
+            <a:extLst>
+              <a:ext uri="{FF2B5EF4-FFF2-40B4-BE49-F238E27FC236}">
+                <a16:creationId xmlns:a16="http://schemas.microsoft.com/office/drawing/2014/main" id="{913F806A-8AB9-342F-3CCF-5ABC7756C211}"/>
+              </a:ext>
+            </a:extLst>
+          </p:cNvPr>
+          <p:cNvSpPr/>
+          <p:nvPr/>
+        </p:nvSpPr>
+        <p:spPr>
+          <a:xfrm>
+            <a:off x="3232087" y="2100404"/>
+            <a:ext cx="398353" cy="398352"/>
+          </a:xfrm>
+          <a:prstGeom prst="rect">
+            <a:avLst/>
+          </a:prstGeom>
+          <a:solidFill>
+            <a:schemeClr val="tx2">
+              <a:lumMod val="60000"/>
+              <a:lumOff val="40000"/>
+            </a:schemeClr>
+          </a:solidFill>
+        </p:spPr>
+        <p:style>
+          <a:lnRef idx="2">
+            <a:schemeClr val="accent1">
+              <a:shade val="15000"/>
+            </a:schemeClr>
+          </a:lnRef>
+          <a:fillRef idx="1">
+            <a:schemeClr val="accent1"/>
+          </a:fillRef>
+          <a:effectRef idx="0">
+            <a:schemeClr val="accent1"/>
+          </a:effectRef>
+          <a:fontRef idx="minor">
+            <a:schemeClr val="lt1"/>
+          </a:fontRef>
+        </p:style>
+        <p:txBody>
+          <a:bodyPr rtlCol="0" anchor="ctr"/>
+          <a:lstStyle/>
+          <a:p>
+            <a:pPr algn="ctr"/>
+            <a:r>
+              <a:rPr lang="en-US" altLang="zh-CN" dirty="0"/>
+              <a:t>2</a:t>
+            </a:r>
+            <a:endParaRPr lang="en-SA" dirty="0"/>
+          </a:p>
+        </p:txBody>
+      </p:sp>
+      <p:sp>
+        <p:nvSpPr>
+          <p:cNvPr id="14" name="Rectangle 13">
+            <a:extLst>
+              <a:ext uri="{FF2B5EF4-FFF2-40B4-BE49-F238E27FC236}">
+                <a16:creationId xmlns:a16="http://schemas.microsoft.com/office/drawing/2014/main" id="{A87D8DC5-4893-E3D8-BDC2-4D08828BFD56}"/>
+              </a:ext>
+            </a:extLst>
+          </p:cNvPr>
+          <p:cNvSpPr/>
+          <p:nvPr/>
+        </p:nvSpPr>
+        <p:spPr>
+          <a:xfrm>
+            <a:off x="3232086" y="3892990"/>
+            <a:ext cx="398353" cy="398352"/>
+          </a:xfrm>
+          <a:prstGeom prst="rect">
+            <a:avLst/>
+          </a:prstGeom>
+          <a:solidFill>
+            <a:schemeClr val="tx2">
+              <a:lumMod val="60000"/>
+              <a:lumOff val="40000"/>
+            </a:schemeClr>
+          </a:solidFill>
+        </p:spPr>
+        <p:style>
+          <a:lnRef idx="2">
+            <a:schemeClr val="accent1">
+              <a:shade val="15000"/>
+            </a:schemeClr>
+          </a:lnRef>
+          <a:fillRef idx="1">
+            <a:schemeClr val="accent1"/>
+          </a:fillRef>
+          <a:effectRef idx="0">
+            <a:schemeClr val="accent1"/>
+          </a:effectRef>
+          <a:fontRef idx="minor">
+            <a:schemeClr val="lt1"/>
+          </a:fontRef>
+        </p:style>
+        <p:txBody>
+          <a:bodyPr rtlCol="0" anchor="ctr"/>
+          <a:lstStyle/>
+          <a:p>
+            <a:pPr algn="ctr"/>
+            <a:r>
+              <a:rPr lang="en-US" altLang="zh-CN" dirty="0"/>
+              <a:t>4</a:t>
+            </a:r>
+            <a:endParaRPr lang="en-SA" dirty="0"/>
+          </a:p>
+        </p:txBody>
+      </p:sp>
+      <p:sp>
+        <p:nvSpPr>
+          <p:cNvPr id="25" name="TextBox 24">
+            <a:extLst>
+              <a:ext uri="{FF2B5EF4-FFF2-40B4-BE49-F238E27FC236}">
+                <a16:creationId xmlns:a16="http://schemas.microsoft.com/office/drawing/2014/main" id="{291933F6-3CD2-06AE-380B-35178F978220}"/>
+              </a:ext>
+            </a:extLst>
+          </p:cNvPr>
+          <p:cNvSpPr txBox="1"/>
+          <p:nvPr/>
+        </p:nvSpPr>
+        <p:spPr>
+          <a:xfrm>
+            <a:off x="5594627" y="1709248"/>
+            <a:ext cx="6096000" cy="2031325"/>
+          </a:xfrm>
+          <a:prstGeom prst="rect">
+            <a:avLst/>
+          </a:prstGeom>
+          <a:noFill/>
+        </p:spPr>
+        <p:txBody>
+          <a:bodyPr wrap="square">
+            <a:spAutoFit/>
+          </a:bodyPr>
+          <a:lstStyle/>
+          <a:p>
+            <a:r>
+              <a:rPr lang="en-US" b="0" i="0" dirty="0">
+                <a:solidFill>
+                  <a:srgbClr val="0D0D0D"/>
+                </a:solidFill>
+                <a:effectLst/>
+                <a:latin typeface="Söhne"/>
+              </a:rPr>
+              <a:t>Because computing the results of the first quadrant of the matrix requires data from the fourth quadrant, we propose an optimization strategy. </a:t>
+            </a:r>
+          </a:p>
+          <a:p>
+            <a:endParaRPr lang="en-US" dirty="0">
+              <a:solidFill>
+                <a:srgbClr val="0D0D0D"/>
+              </a:solidFill>
+              <a:latin typeface="Söhne"/>
+            </a:endParaRPr>
+          </a:p>
+          <a:p>
+            <a:endParaRPr lang="en-US" b="0" i="0" dirty="0">
+              <a:solidFill>
+                <a:srgbClr val="0D0D0D"/>
+              </a:solidFill>
+              <a:effectLst/>
+              <a:latin typeface="Söhne"/>
+            </a:endParaRPr>
+          </a:p>
+          <a:p>
+            <a:r>
+              <a:rPr lang="en-US" b="0" i="0" dirty="0">
+                <a:solidFill>
+                  <a:srgbClr val="0D0D0D"/>
+                </a:solidFill>
+                <a:effectLst/>
+                <a:latin typeface="Söhne"/>
+              </a:rPr>
+              <a:t>Based on Strassen's characteristics, we reorder the data to tightly arrange the required data.</a:t>
+            </a:r>
+            <a:endParaRPr lang="en-SA" dirty="0"/>
+          </a:p>
+        </p:txBody>
+      </p:sp>
+      <p:pic>
+        <p:nvPicPr>
+          <p:cNvPr id="26" name="Picture 25">
+            <a:extLst>
+              <a:ext uri="{FF2B5EF4-FFF2-40B4-BE49-F238E27FC236}">
+                <a16:creationId xmlns:a16="http://schemas.microsoft.com/office/drawing/2014/main" id="{DAC7A086-C662-41CF-2659-30516C8F5D22}"/>
+              </a:ext>
+            </a:extLst>
+          </p:cNvPr>
+          <p:cNvPicPr>
+            <a:picLocks noChangeAspect="1"/>
+          </p:cNvPicPr>
+          <p:nvPr/>
+        </p:nvPicPr>
+        <p:blipFill>
+          <a:blip r:embed="rId2"/>
+          <a:stretch>
+            <a:fillRect/>
+          </a:stretch>
+        </p:blipFill>
+        <p:spPr>
+          <a:xfrm>
+            <a:off x="6805190" y="3781433"/>
+            <a:ext cx="3525188" cy="2404276"/>
+          </a:xfrm>
+          <a:prstGeom prst="rect">
+            <a:avLst/>
+          </a:prstGeom>
+        </p:spPr>
+      </p:pic>
+    </p:spTree>
+    <p:extLst>
+      <p:ext uri="{BB962C8B-B14F-4D97-AF65-F5344CB8AC3E}">
+        <p14:creationId xmlns:p14="http://schemas.microsoft.com/office/powerpoint/2010/main" val="463871566"/>
+      </p:ext>
+    </p:extLst>
+  </p:cSld>
+  <p:clrMapOvr>
+    <a:masterClrMapping/>
+  </p:clrMapOvr>
+  <mc:AlternateContent xmlns:mc="http://schemas.openxmlformats.org/markup-compatibility/2006">
+    <mc:Choice xmlns:p159="http://schemas.microsoft.com/office/powerpoint/2015/09/main" Requires="p159">
+      <p:transition xmlns:p14="http://schemas.microsoft.com/office/powerpoint/2010/main" spd="slow" p14:dur="2000">
+        <p159:morph option="byObject"/>
+      </p:transition>
+    </mc:Choice>
+    <mc:Fallback>
+      <p:transition spd="slow">
+        <p:fade/>
+      </p:transition>
+    </mc:Fallback>
+  </mc:AlternateContent>
+</p:sld>
+</file>
+
+<file path=ppt/slides/slide13.xml><?xml version="1.0" encoding="utf-8"?>
+<p:sld xmlns:a="http://schemas.openxmlformats.org/drawingml/2006/main" xmlns:r="http://schemas.openxmlformats.org/officeDocument/2006/relationships" xmlns:p="http://schemas.openxmlformats.org/presentationml/2006/main">
+  <p:cSld>
+    <p:spTree>
+      <p:nvGrpSpPr>
+        <p:cNvPr id="1" name=""/>
+        <p:cNvGrpSpPr/>
+        <p:nvPr/>
+      </p:nvGrpSpPr>
+      <p:grpSpPr>
+        <a:xfrm>
+          <a:off x="0" y="0"/>
+          <a:ext cx="0" cy="0"/>
+          <a:chOff x="0" y="0"/>
+          <a:chExt cx="0" cy="0"/>
+        </a:xfrm>
+      </p:grpSpPr>
+      <p:sp>
+        <p:nvSpPr>
+          <p:cNvPr id="15" name="Rectangle 14">
+            <a:extLst>
+              <a:ext uri="{FF2B5EF4-FFF2-40B4-BE49-F238E27FC236}">
+                <a16:creationId xmlns:a16="http://schemas.microsoft.com/office/drawing/2014/main" id="{0001BE68-5FEE-C2A9-BC3B-C804DA9217D4}"/>
+              </a:ext>
+            </a:extLst>
+          </p:cNvPr>
+          <p:cNvSpPr/>
+          <p:nvPr/>
+        </p:nvSpPr>
+        <p:spPr>
+          <a:xfrm>
+            <a:off x="3232086" y="3892987"/>
+            <a:ext cx="2154725" cy="1776745"/>
+          </a:xfrm>
+          <a:prstGeom prst="rect">
+            <a:avLst/>
+          </a:prstGeom>
+          <a:solidFill>
+            <a:schemeClr val="accent1">
+              <a:lumMod val="40000"/>
+              <a:lumOff val="60000"/>
+            </a:schemeClr>
+          </a:solidFill>
+        </p:spPr>
+        <p:style>
+          <a:lnRef idx="2">
+            <a:schemeClr val="accent1">
+              <a:shade val="15000"/>
+            </a:schemeClr>
+          </a:lnRef>
+          <a:fillRef idx="1">
+            <a:schemeClr val="accent1"/>
+          </a:fillRef>
+          <a:effectRef idx="0">
+            <a:schemeClr val="accent1"/>
+          </a:effectRef>
+          <a:fontRef idx="minor">
+            <a:schemeClr val="lt1"/>
+          </a:fontRef>
+        </p:style>
+        <p:txBody>
+          <a:bodyPr rtlCol="0" anchor="ctr"/>
+          <a:lstStyle/>
+          <a:p>
+            <a:pPr algn="ctr"/>
+            <a:endParaRPr lang="en-SA"/>
+          </a:p>
+        </p:txBody>
+      </p:sp>
+      <p:sp>
+        <p:nvSpPr>
+          <p:cNvPr id="4" name="Title 1">
+            <a:extLst>
+              <a:ext uri="{FF2B5EF4-FFF2-40B4-BE49-F238E27FC236}">
+                <a16:creationId xmlns:a16="http://schemas.microsoft.com/office/drawing/2014/main" id="{F8AE6426-E875-F3B5-5246-7E86AC883371}"/>
+              </a:ext>
+            </a:extLst>
+          </p:cNvPr>
+          <p:cNvSpPr txBox="1">
+            <a:spLocks/>
+          </p:cNvSpPr>
+          <p:nvPr/>
+        </p:nvSpPr>
+        <p:spPr>
+          <a:xfrm>
+            <a:off x="838200" y="466250"/>
+            <a:ext cx="10515600" cy="1325563"/>
+          </a:xfrm>
+          <a:prstGeom prst="rect">
+            <a:avLst/>
+          </a:prstGeom>
+        </p:spPr>
+        <p:txBody>
+          <a:bodyPr vert="horz" lIns="91440" tIns="45720" rIns="91440" bIns="45720" rtlCol="0" anchor="ctr">
+            <a:normAutofit/>
+          </a:bodyPr>
+          <a:lstStyle>
+            <a:lvl1pPr algn="l" defTabSz="914400" rtl="0" eaLnBrk="1" latinLnBrk="0" hangingPunct="1">
+              <a:lnSpc>
+                <a:spcPct val="90000"/>
+              </a:lnSpc>
+              <a:spcBef>
+                <a:spcPct val="0"/>
+              </a:spcBef>
+              <a:buNone/>
+              <a:defRPr sz="4400" kern="1200">
+                <a:solidFill>
+                  <a:schemeClr val="tx1"/>
+                </a:solidFill>
+                <a:latin typeface="+mj-lt"/>
+                <a:ea typeface="+mj-ea"/>
+                <a:cs typeface="+mj-cs"/>
+              </a:defRPr>
+            </a:lvl1pPr>
+          </a:lstStyle>
+          <a:p>
+            <a:r>
+              <a:rPr lang="en-US" altLang="zh-CN" dirty="0">
+                <a:solidFill>
+                  <a:srgbClr val="000000"/>
+                </a:solidFill>
+                <a:latin typeface="Roboto" panose="02000000000000000000" pitchFamily="2" charset="0"/>
+              </a:rPr>
+              <a:t>Reorder</a:t>
+            </a:r>
+            <a:endParaRPr lang="en-SA" dirty="0"/>
+          </a:p>
+        </p:txBody>
+      </p:sp>
+      <p:sp>
+        <p:nvSpPr>
+          <p:cNvPr id="7" name="Rectangle 6">
+            <a:extLst>
+              <a:ext uri="{FF2B5EF4-FFF2-40B4-BE49-F238E27FC236}">
+                <a16:creationId xmlns:a16="http://schemas.microsoft.com/office/drawing/2014/main" id="{F7CBFFD2-588C-1970-D295-1278C67E46F8}"/>
+              </a:ext>
+            </a:extLst>
+          </p:cNvPr>
+          <p:cNvSpPr/>
+          <p:nvPr/>
+        </p:nvSpPr>
+        <p:spPr>
+          <a:xfrm>
+            <a:off x="1131683" y="2100404"/>
+            <a:ext cx="2100404" cy="1792586"/>
+          </a:xfrm>
+          <a:prstGeom prst="rect">
+            <a:avLst/>
+          </a:prstGeom>
+          <a:solidFill>
+            <a:schemeClr val="accent1">
+              <a:lumMod val="40000"/>
+              <a:lumOff val="60000"/>
+            </a:schemeClr>
+          </a:solidFill>
+        </p:spPr>
+        <p:style>
+          <a:lnRef idx="2">
+            <a:schemeClr val="accent1">
+              <a:shade val="15000"/>
+            </a:schemeClr>
+          </a:lnRef>
+          <a:fillRef idx="1">
+            <a:schemeClr val="accent1"/>
+          </a:fillRef>
+          <a:effectRef idx="0">
+            <a:schemeClr val="accent1"/>
+          </a:effectRef>
+          <a:fontRef idx="minor">
+            <a:schemeClr val="lt1"/>
+          </a:fontRef>
+        </p:style>
+        <p:txBody>
+          <a:bodyPr rtlCol="0" anchor="ctr"/>
+          <a:lstStyle/>
+          <a:p>
+            <a:pPr algn="ctr"/>
+            <a:endParaRPr lang="en-SA"/>
+          </a:p>
+        </p:txBody>
+      </p:sp>
+      <p:sp>
+        <p:nvSpPr>
+          <p:cNvPr id="8" name="Rectangle 7">
+            <a:extLst>
+              <a:ext uri="{FF2B5EF4-FFF2-40B4-BE49-F238E27FC236}">
+                <a16:creationId xmlns:a16="http://schemas.microsoft.com/office/drawing/2014/main" id="{252DB7C4-3E36-4CCB-9CCC-7AB299930CB8}"/>
+              </a:ext>
+            </a:extLst>
+          </p:cNvPr>
+          <p:cNvSpPr/>
+          <p:nvPr/>
+        </p:nvSpPr>
+        <p:spPr>
+          <a:xfrm>
+            <a:off x="3232087" y="2100404"/>
+            <a:ext cx="2154725" cy="1792586"/>
+          </a:xfrm>
+          <a:prstGeom prst="rect">
+            <a:avLst/>
+          </a:prstGeom>
+          <a:solidFill>
+            <a:schemeClr val="accent1">
+              <a:lumMod val="40000"/>
+              <a:lumOff val="60000"/>
+            </a:schemeClr>
+          </a:solidFill>
+        </p:spPr>
+        <p:style>
+          <a:lnRef idx="2">
+            <a:schemeClr val="accent1">
+              <a:shade val="15000"/>
+            </a:schemeClr>
+          </a:lnRef>
+          <a:fillRef idx="1">
+            <a:schemeClr val="accent1"/>
+          </a:fillRef>
+          <a:effectRef idx="0">
+            <a:schemeClr val="accent1"/>
+          </a:effectRef>
+          <a:fontRef idx="minor">
+            <a:schemeClr val="lt1"/>
+          </a:fontRef>
+        </p:style>
+        <p:txBody>
+          <a:bodyPr rtlCol="0" anchor="ctr"/>
+          <a:lstStyle/>
+          <a:p>
+            <a:pPr algn="ctr"/>
+            <a:endParaRPr lang="en-SA"/>
+          </a:p>
+        </p:txBody>
+      </p:sp>
+      <p:sp>
+        <p:nvSpPr>
+          <p:cNvPr id="9" name="Rectangle 8">
+            <a:extLst>
+              <a:ext uri="{FF2B5EF4-FFF2-40B4-BE49-F238E27FC236}">
+                <a16:creationId xmlns:a16="http://schemas.microsoft.com/office/drawing/2014/main" id="{6D4CEF53-4FE1-C585-52E6-B663943D1827}"/>
+              </a:ext>
+            </a:extLst>
+          </p:cNvPr>
+          <p:cNvSpPr/>
+          <p:nvPr/>
+        </p:nvSpPr>
+        <p:spPr>
+          <a:xfrm>
+            <a:off x="1131683" y="3892989"/>
+            <a:ext cx="2100404" cy="1779007"/>
+          </a:xfrm>
+          <a:prstGeom prst="rect">
+            <a:avLst/>
+          </a:prstGeom>
+          <a:solidFill>
+            <a:schemeClr val="accent1">
+              <a:lumMod val="40000"/>
+              <a:lumOff val="60000"/>
+            </a:schemeClr>
+          </a:solidFill>
+        </p:spPr>
+        <p:style>
+          <a:lnRef idx="2">
+            <a:schemeClr val="accent1">
+              <a:shade val="15000"/>
+            </a:schemeClr>
+          </a:lnRef>
+          <a:fillRef idx="1">
+            <a:schemeClr val="accent1"/>
+          </a:fillRef>
+          <a:effectRef idx="0">
+            <a:schemeClr val="accent1"/>
+          </a:effectRef>
+          <a:fontRef idx="minor">
+            <a:schemeClr val="lt1"/>
+          </a:fontRef>
+        </p:style>
+        <p:txBody>
+          <a:bodyPr rtlCol="0" anchor="ctr"/>
+          <a:lstStyle/>
+          <a:p>
+            <a:pPr algn="ctr"/>
+            <a:endParaRPr lang="en-SA"/>
+          </a:p>
+        </p:txBody>
+      </p:sp>
+      <p:sp>
+        <p:nvSpPr>
+          <p:cNvPr id="11" name="Rectangle 10">
+            <a:extLst>
+              <a:ext uri="{FF2B5EF4-FFF2-40B4-BE49-F238E27FC236}">
+                <a16:creationId xmlns:a16="http://schemas.microsoft.com/office/drawing/2014/main" id="{5A410245-43F9-F745-5EA9-7B2A1412171F}"/>
+              </a:ext>
+            </a:extLst>
+          </p:cNvPr>
+          <p:cNvSpPr/>
+          <p:nvPr/>
+        </p:nvSpPr>
+        <p:spPr>
+          <a:xfrm>
+            <a:off x="1131683" y="2100404"/>
+            <a:ext cx="398353" cy="398352"/>
+          </a:xfrm>
+          <a:prstGeom prst="rect">
+            <a:avLst/>
+          </a:prstGeom>
+          <a:solidFill>
+            <a:schemeClr val="tx2">
+              <a:lumMod val="60000"/>
+              <a:lumOff val="40000"/>
+            </a:schemeClr>
+          </a:solidFill>
+        </p:spPr>
+        <p:style>
+          <a:lnRef idx="2">
+            <a:schemeClr val="accent1">
+              <a:shade val="15000"/>
+            </a:schemeClr>
+          </a:lnRef>
+          <a:fillRef idx="1">
+            <a:schemeClr val="accent1"/>
+          </a:fillRef>
+          <a:effectRef idx="0">
+            <a:schemeClr val="accent1"/>
+          </a:effectRef>
+          <a:fontRef idx="minor">
+            <a:schemeClr val="lt1"/>
+          </a:fontRef>
+        </p:style>
+        <p:txBody>
+          <a:bodyPr rtlCol="0" anchor="ctr"/>
+          <a:lstStyle/>
+          <a:p>
+            <a:pPr algn="ctr"/>
+            <a:r>
+              <a:rPr lang="en-US" altLang="zh-CN" dirty="0"/>
+              <a:t>1</a:t>
+            </a:r>
+            <a:endParaRPr lang="en-SA" dirty="0"/>
+          </a:p>
+        </p:txBody>
+      </p:sp>
+      <p:sp>
+        <p:nvSpPr>
+          <p:cNvPr id="12" name="Rectangle 11">
+            <a:extLst>
+              <a:ext uri="{FF2B5EF4-FFF2-40B4-BE49-F238E27FC236}">
+                <a16:creationId xmlns:a16="http://schemas.microsoft.com/office/drawing/2014/main" id="{64CC2010-011F-8523-06B7-525F9CC74396}"/>
+              </a:ext>
+            </a:extLst>
+          </p:cNvPr>
+          <p:cNvSpPr/>
+          <p:nvPr/>
+        </p:nvSpPr>
+        <p:spPr>
+          <a:xfrm>
+            <a:off x="1928388" y="2100404"/>
+            <a:ext cx="398353" cy="398352"/>
+          </a:xfrm>
+          <a:prstGeom prst="rect">
+            <a:avLst/>
+          </a:prstGeom>
+          <a:solidFill>
+            <a:schemeClr val="tx2">
+              <a:lumMod val="60000"/>
+              <a:lumOff val="40000"/>
+            </a:schemeClr>
+          </a:solidFill>
+        </p:spPr>
+        <p:style>
+          <a:lnRef idx="2">
+            <a:schemeClr val="accent1">
+              <a:shade val="15000"/>
+            </a:schemeClr>
+          </a:lnRef>
+          <a:fillRef idx="1">
+            <a:schemeClr val="accent1"/>
+          </a:fillRef>
+          <a:effectRef idx="0">
+            <a:schemeClr val="accent1"/>
+          </a:effectRef>
+          <a:fontRef idx="minor">
+            <a:schemeClr val="lt1"/>
+          </a:fontRef>
+        </p:style>
+        <p:txBody>
+          <a:bodyPr rtlCol="0" anchor="ctr"/>
+          <a:lstStyle/>
+          <a:p>
+            <a:pPr algn="ctr"/>
+            <a:r>
+              <a:rPr lang="en-US" altLang="zh-CN" dirty="0"/>
+              <a:t>3</a:t>
+            </a:r>
+            <a:endParaRPr lang="en-SA" dirty="0"/>
+          </a:p>
+        </p:txBody>
+      </p:sp>
+      <p:sp>
+        <p:nvSpPr>
+          <p:cNvPr id="13" name="Rectangle 12">
+            <a:extLst>
+              <a:ext uri="{FF2B5EF4-FFF2-40B4-BE49-F238E27FC236}">
+                <a16:creationId xmlns:a16="http://schemas.microsoft.com/office/drawing/2014/main" id="{913F806A-8AB9-342F-3CCF-5ABC7756C211}"/>
+              </a:ext>
+            </a:extLst>
+          </p:cNvPr>
+          <p:cNvSpPr/>
+          <p:nvPr/>
+        </p:nvSpPr>
+        <p:spPr>
+          <a:xfrm>
+            <a:off x="1530035" y="2100404"/>
+            <a:ext cx="398353" cy="398352"/>
+          </a:xfrm>
+          <a:prstGeom prst="rect">
+            <a:avLst/>
+          </a:prstGeom>
+          <a:solidFill>
+            <a:schemeClr val="tx2">
+              <a:lumMod val="60000"/>
+              <a:lumOff val="40000"/>
+            </a:schemeClr>
+          </a:solidFill>
+        </p:spPr>
+        <p:style>
+          <a:lnRef idx="2">
+            <a:schemeClr val="accent1">
+              <a:shade val="15000"/>
+            </a:schemeClr>
+          </a:lnRef>
+          <a:fillRef idx="1">
+            <a:schemeClr val="accent1"/>
+          </a:fillRef>
+          <a:effectRef idx="0">
+            <a:schemeClr val="accent1"/>
+          </a:effectRef>
+          <a:fontRef idx="minor">
+            <a:schemeClr val="lt1"/>
+          </a:fontRef>
+        </p:style>
+        <p:txBody>
+          <a:bodyPr rtlCol="0" anchor="ctr"/>
+          <a:lstStyle/>
+          <a:p>
+            <a:pPr algn="ctr"/>
+            <a:r>
+              <a:rPr lang="en-US" altLang="zh-CN" dirty="0"/>
+              <a:t>2</a:t>
+            </a:r>
+            <a:endParaRPr lang="en-SA" dirty="0"/>
+          </a:p>
+        </p:txBody>
+      </p:sp>
+      <p:sp>
+        <p:nvSpPr>
+          <p:cNvPr id="14" name="Rectangle 13">
+            <a:extLst>
+              <a:ext uri="{FF2B5EF4-FFF2-40B4-BE49-F238E27FC236}">
+                <a16:creationId xmlns:a16="http://schemas.microsoft.com/office/drawing/2014/main" id="{A87D8DC5-4893-E3D8-BDC2-4D08828BFD56}"/>
+              </a:ext>
+            </a:extLst>
+          </p:cNvPr>
+          <p:cNvSpPr/>
+          <p:nvPr/>
+        </p:nvSpPr>
+        <p:spPr>
+          <a:xfrm>
+            <a:off x="2326740" y="2100404"/>
+            <a:ext cx="398353" cy="398352"/>
+          </a:xfrm>
+          <a:prstGeom prst="rect">
+            <a:avLst/>
+          </a:prstGeom>
+          <a:solidFill>
+            <a:schemeClr val="tx2">
+              <a:lumMod val="60000"/>
+              <a:lumOff val="40000"/>
+            </a:schemeClr>
+          </a:solidFill>
+        </p:spPr>
+        <p:style>
+          <a:lnRef idx="2">
+            <a:schemeClr val="accent1">
+              <a:shade val="15000"/>
+            </a:schemeClr>
+          </a:lnRef>
+          <a:fillRef idx="1">
+            <a:schemeClr val="accent1"/>
+          </a:fillRef>
+          <a:effectRef idx="0">
+            <a:schemeClr val="accent1"/>
+          </a:effectRef>
+          <a:fontRef idx="minor">
+            <a:schemeClr val="lt1"/>
+          </a:fontRef>
+        </p:style>
+        <p:txBody>
+          <a:bodyPr rtlCol="0" anchor="ctr"/>
+          <a:lstStyle/>
+          <a:p>
+            <a:pPr algn="ctr"/>
+            <a:r>
+              <a:rPr lang="en-US" altLang="zh-CN" dirty="0"/>
+              <a:t>4</a:t>
+            </a:r>
+            <a:endParaRPr lang="en-SA" dirty="0"/>
+          </a:p>
+        </p:txBody>
+      </p:sp>
+    </p:spTree>
+    <p:extLst>
+      <p:ext uri="{BB962C8B-B14F-4D97-AF65-F5344CB8AC3E}">
+        <p14:creationId xmlns:p14="http://schemas.microsoft.com/office/powerpoint/2010/main" val="3482218"/>
+      </p:ext>
+    </p:extLst>
+  </p:cSld>
+  <p:clrMapOvr>
+    <a:masterClrMapping/>
+  </p:clrMapOvr>
+  <mc:AlternateContent xmlns:mc="http://schemas.openxmlformats.org/markup-compatibility/2006">
+    <mc:Choice xmlns:p159="http://schemas.microsoft.com/office/powerpoint/2015/09/main" Requires="p159">
+      <p:transition xmlns:p14="http://schemas.microsoft.com/office/powerpoint/2010/main" spd="slow" p14:dur="2000">
+        <p159:morph option="byObject"/>
+      </p:transition>
+    </mc:Choice>
+    <mc:Fallback>
+      <p:transition spd="slow">
+        <p:fade/>
+      </p:transition>
+    </mc:Fallback>
+  </mc:AlternateContent>
+</p:sld>
+</file>
+
+<file path=ppt/slides/slide14.xml><?xml version="1.0" encoding="utf-8"?>
+<p:sld xmlns:a="http://schemas.openxmlformats.org/drawingml/2006/main" xmlns:r="http://schemas.openxmlformats.org/officeDocument/2006/relationships" xmlns:p="http://schemas.openxmlformats.org/presentationml/2006/main">
+  <p:cSld>
+    <p:spTree>
+      <p:nvGrpSpPr>
+        <p:cNvPr id="1" name=""/>
+        <p:cNvGrpSpPr/>
+        <p:nvPr/>
+      </p:nvGrpSpPr>
+      <p:grpSpPr>
+        <a:xfrm>
+          <a:off x="0" y="0"/>
+          <a:ext cx="0" cy="0"/>
+          <a:chOff x="0" y="0"/>
+          <a:chExt cx="0" cy="0"/>
+        </a:xfrm>
+      </p:grpSpPr>
+      <p:sp>
+        <p:nvSpPr>
+          <p:cNvPr id="2" name="Title 1">
+            <a:extLst>
+              <a:ext uri="{FF2B5EF4-FFF2-40B4-BE49-F238E27FC236}">
+                <a16:creationId xmlns:a16="http://schemas.microsoft.com/office/drawing/2014/main" id="{A1717C32-7AD5-6B8F-A1DA-7618FCF01D78}"/>
+              </a:ext>
+            </a:extLst>
+          </p:cNvPr>
+          <p:cNvSpPr>
+            <a:spLocks noGrp="1"/>
+          </p:cNvSpPr>
+          <p:nvPr>
+            <p:ph type="title"/>
+          </p:nvPr>
+        </p:nvSpPr>
+        <p:spPr/>
+        <p:txBody>
+          <a:bodyPr/>
+          <a:lstStyle/>
+          <a:p>
+            <a:r>
+              <a:rPr lang="en-US" dirty="0">
+                <a:solidFill>
+                  <a:srgbClr val="000000"/>
+                </a:solidFill>
+                <a:latin typeface="Arial" panose="020B0604020202020204" pitchFamily="34" charset="0"/>
+              </a:rPr>
+              <a:t>T</a:t>
+            </a:r>
+            <a:r>
+              <a:rPr lang="en-US" b="0" i="0" dirty="0">
+                <a:solidFill>
+                  <a:srgbClr val="000000"/>
+                </a:solidFill>
+                <a:effectLst/>
+                <a:latin typeface="Arial" panose="020B0604020202020204" pitchFamily="34" charset="0"/>
+              </a:rPr>
+              <a:t>iling + Strassen</a:t>
+            </a:r>
+            <a:r>
+              <a:rPr lang="zh-CN" altLang="en-US" b="0" i="0" dirty="0">
+                <a:solidFill>
+                  <a:srgbClr val="000000"/>
+                </a:solidFill>
+                <a:effectLst/>
+                <a:latin typeface="Arial" panose="020B0604020202020204" pitchFamily="34" charset="0"/>
+              </a:rPr>
+              <a:t> </a:t>
+            </a:r>
+            <a:r>
+              <a:rPr lang="en-US" b="0" i="0" dirty="0">
+                <a:solidFill>
+                  <a:srgbClr val="000000"/>
+                </a:solidFill>
+                <a:effectLst/>
+                <a:latin typeface="Arial" panose="020B0604020202020204" pitchFamily="34" charset="0"/>
+              </a:rPr>
+              <a:t>+</a:t>
+            </a:r>
+            <a:r>
+              <a:rPr lang="zh-CN" altLang="en-US" b="0" i="0" dirty="0">
+                <a:solidFill>
+                  <a:srgbClr val="000000"/>
+                </a:solidFill>
+                <a:effectLst/>
+                <a:latin typeface="Arial" panose="020B0604020202020204" pitchFamily="34" charset="0"/>
+              </a:rPr>
+              <a:t> </a:t>
+            </a:r>
+            <a:r>
+              <a:rPr lang="en-US" b="0" i="0" dirty="0">
+                <a:solidFill>
+                  <a:srgbClr val="000000"/>
+                </a:solidFill>
+                <a:effectLst/>
+                <a:latin typeface="Arial" panose="020B0604020202020204" pitchFamily="34" charset="0"/>
+              </a:rPr>
+              <a:t>vectorize</a:t>
+            </a:r>
+            <a:endParaRPr lang="en-SA" dirty="0"/>
+          </a:p>
+        </p:txBody>
+      </p:sp>
+      <p:sp>
+        <p:nvSpPr>
+          <p:cNvPr id="4" name="Rectangle 3">
+            <a:extLst>
+              <a:ext uri="{FF2B5EF4-FFF2-40B4-BE49-F238E27FC236}">
+                <a16:creationId xmlns:a16="http://schemas.microsoft.com/office/drawing/2014/main" id="{2D0CBD6C-B925-AACC-4B2A-6A38A48D88D7}"/>
+              </a:ext>
+            </a:extLst>
+          </p:cNvPr>
+          <p:cNvSpPr/>
+          <p:nvPr/>
+        </p:nvSpPr>
+        <p:spPr>
+          <a:xfrm>
+            <a:off x="3232086" y="3892987"/>
+            <a:ext cx="2154725" cy="1776745"/>
+          </a:xfrm>
+          <a:prstGeom prst="rect">
+            <a:avLst/>
+          </a:prstGeom>
+          <a:solidFill>
+            <a:schemeClr val="accent1">
+              <a:lumMod val="40000"/>
+              <a:lumOff val="60000"/>
+            </a:schemeClr>
+          </a:solidFill>
+        </p:spPr>
+        <p:style>
+          <a:lnRef idx="2">
+            <a:schemeClr val="accent1">
+              <a:shade val="15000"/>
+            </a:schemeClr>
+          </a:lnRef>
+          <a:fillRef idx="1">
+            <a:schemeClr val="accent1"/>
+          </a:fillRef>
+          <a:effectRef idx="0">
+            <a:schemeClr val="accent1"/>
+          </a:effectRef>
+          <a:fontRef idx="minor">
+            <a:schemeClr val="lt1"/>
+          </a:fontRef>
+        </p:style>
+        <p:txBody>
+          <a:bodyPr rtlCol="0" anchor="ctr"/>
+          <a:lstStyle/>
+          <a:p>
+            <a:pPr algn="ctr"/>
+            <a:endParaRPr lang="en-SA"/>
+          </a:p>
+        </p:txBody>
+      </p:sp>
+      <p:sp>
+        <p:nvSpPr>
+          <p:cNvPr id="5" name="Rectangle 4">
+            <a:extLst>
+              <a:ext uri="{FF2B5EF4-FFF2-40B4-BE49-F238E27FC236}">
+                <a16:creationId xmlns:a16="http://schemas.microsoft.com/office/drawing/2014/main" id="{EAE965F7-89DF-D8DE-A340-69A726786D55}"/>
+              </a:ext>
+            </a:extLst>
+          </p:cNvPr>
+          <p:cNvSpPr/>
+          <p:nvPr/>
+        </p:nvSpPr>
+        <p:spPr>
+          <a:xfrm>
+            <a:off x="1131683" y="2100404"/>
+            <a:ext cx="2100404" cy="1792586"/>
+          </a:xfrm>
+          <a:prstGeom prst="rect">
+            <a:avLst/>
+          </a:prstGeom>
+          <a:solidFill>
+            <a:schemeClr val="accent1">
+              <a:lumMod val="40000"/>
+              <a:lumOff val="60000"/>
+            </a:schemeClr>
+          </a:solidFill>
+        </p:spPr>
+        <p:style>
+          <a:lnRef idx="2">
+            <a:schemeClr val="accent1">
+              <a:shade val="15000"/>
+            </a:schemeClr>
+          </a:lnRef>
+          <a:fillRef idx="1">
+            <a:schemeClr val="accent1"/>
+          </a:fillRef>
+          <a:effectRef idx="0">
+            <a:schemeClr val="accent1"/>
+          </a:effectRef>
+          <a:fontRef idx="minor">
+            <a:schemeClr val="lt1"/>
+          </a:fontRef>
+        </p:style>
+        <p:txBody>
+          <a:bodyPr rtlCol="0" anchor="ctr"/>
+          <a:lstStyle/>
+          <a:p>
+            <a:pPr algn="ctr"/>
+            <a:endParaRPr lang="en-SA" dirty="0"/>
+          </a:p>
+        </p:txBody>
+      </p:sp>
+      <p:sp>
+        <p:nvSpPr>
+          <p:cNvPr id="6" name="Rectangle 5">
+            <a:extLst>
+              <a:ext uri="{FF2B5EF4-FFF2-40B4-BE49-F238E27FC236}">
+                <a16:creationId xmlns:a16="http://schemas.microsoft.com/office/drawing/2014/main" id="{D3DB9557-46B3-0CD2-8333-E846750A5510}"/>
+              </a:ext>
+            </a:extLst>
+          </p:cNvPr>
+          <p:cNvSpPr/>
+          <p:nvPr/>
+        </p:nvSpPr>
+        <p:spPr>
+          <a:xfrm>
+            <a:off x="3232087" y="2100404"/>
+            <a:ext cx="2154725" cy="1792586"/>
+          </a:xfrm>
+          <a:prstGeom prst="rect">
+            <a:avLst/>
+          </a:prstGeom>
+          <a:solidFill>
+            <a:schemeClr val="accent1">
+              <a:lumMod val="40000"/>
+              <a:lumOff val="60000"/>
+            </a:schemeClr>
+          </a:solidFill>
+        </p:spPr>
+        <p:style>
+          <a:lnRef idx="2">
+            <a:schemeClr val="accent1">
+              <a:shade val="15000"/>
+            </a:schemeClr>
+          </a:lnRef>
+          <a:fillRef idx="1">
+            <a:schemeClr val="accent1"/>
+          </a:fillRef>
+          <a:effectRef idx="0">
+            <a:schemeClr val="accent1"/>
+          </a:effectRef>
+          <a:fontRef idx="minor">
+            <a:schemeClr val="lt1"/>
+          </a:fontRef>
+        </p:style>
+        <p:txBody>
+          <a:bodyPr rtlCol="0" anchor="ctr"/>
+          <a:lstStyle/>
+          <a:p>
+            <a:pPr algn="ctr"/>
+            <a:endParaRPr lang="en-SA" dirty="0"/>
+          </a:p>
+        </p:txBody>
+      </p:sp>
+      <p:sp>
+        <p:nvSpPr>
+          <p:cNvPr id="7" name="Rectangle 6">
+            <a:extLst>
+              <a:ext uri="{FF2B5EF4-FFF2-40B4-BE49-F238E27FC236}">
+                <a16:creationId xmlns:a16="http://schemas.microsoft.com/office/drawing/2014/main" id="{9E99AD63-80AB-6E54-7AA5-64AEE206E3E2}"/>
+              </a:ext>
+            </a:extLst>
+          </p:cNvPr>
+          <p:cNvSpPr/>
+          <p:nvPr/>
+        </p:nvSpPr>
+        <p:spPr>
+          <a:xfrm>
+            <a:off x="1131683" y="3892989"/>
+            <a:ext cx="2100404" cy="1779007"/>
+          </a:xfrm>
+          <a:prstGeom prst="rect">
+            <a:avLst/>
+          </a:prstGeom>
+          <a:solidFill>
+            <a:schemeClr val="accent1">
+              <a:lumMod val="40000"/>
+              <a:lumOff val="60000"/>
+            </a:schemeClr>
+          </a:solidFill>
+        </p:spPr>
+        <p:style>
+          <a:lnRef idx="2">
+            <a:schemeClr val="accent1">
+              <a:shade val="15000"/>
+            </a:schemeClr>
+          </a:lnRef>
+          <a:fillRef idx="1">
+            <a:schemeClr val="accent1"/>
+          </a:fillRef>
+          <a:effectRef idx="0">
+            <a:schemeClr val="accent1"/>
+          </a:effectRef>
+          <a:fontRef idx="minor">
+            <a:schemeClr val="lt1"/>
+          </a:fontRef>
+        </p:style>
+        <p:txBody>
+          <a:bodyPr rtlCol="0" anchor="ctr"/>
+          <a:lstStyle/>
+          <a:p>
+            <a:pPr algn="ctr"/>
+            <a:endParaRPr lang="en-SA"/>
+          </a:p>
+        </p:txBody>
+      </p:sp>
+      <p:sp>
+        <p:nvSpPr>
+          <p:cNvPr id="10" name="Rectangle 9">
+            <a:extLst>
+              <a:ext uri="{FF2B5EF4-FFF2-40B4-BE49-F238E27FC236}">
+                <a16:creationId xmlns:a16="http://schemas.microsoft.com/office/drawing/2014/main" id="{E2A32548-1BC7-1BC2-78FB-57CFDD528B12}"/>
+              </a:ext>
+            </a:extLst>
+          </p:cNvPr>
+          <p:cNvSpPr/>
+          <p:nvPr/>
+        </p:nvSpPr>
+        <p:spPr>
+          <a:xfrm>
+            <a:off x="1131683" y="2100402"/>
+            <a:ext cx="1051078" cy="854821"/>
+          </a:xfrm>
+          <a:prstGeom prst="rect">
+            <a:avLst/>
+          </a:prstGeom>
+          <a:solidFill>
+            <a:schemeClr val="tx2">
+              <a:lumMod val="60000"/>
+              <a:lumOff val="40000"/>
+            </a:schemeClr>
+          </a:solidFill>
+        </p:spPr>
+        <p:style>
+          <a:lnRef idx="2">
+            <a:schemeClr val="accent1">
+              <a:shade val="15000"/>
+            </a:schemeClr>
+          </a:lnRef>
+          <a:fillRef idx="1">
+            <a:schemeClr val="accent1"/>
+          </a:fillRef>
+          <a:effectRef idx="0">
+            <a:schemeClr val="accent1"/>
+          </a:effectRef>
+          <a:fontRef idx="minor">
+            <a:schemeClr val="lt1"/>
+          </a:fontRef>
+        </p:style>
+        <p:txBody>
+          <a:bodyPr rtlCol="0" anchor="ctr"/>
+          <a:lstStyle/>
+          <a:p>
+            <a:pPr algn="ctr"/>
+            <a:r>
+              <a:rPr lang="en-US" altLang="zh-CN" dirty="0"/>
+              <a:t>a11</a:t>
+            </a:r>
+            <a:endParaRPr lang="en-SA" dirty="0"/>
+          </a:p>
+        </p:txBody>
+      </p:sp>
+      <p:sp>
+        <p:nvSpPr>
+          <p:cNvPr id="12" name="Rectangle 11">
+            <a:extLst>
+              <a:ext uri="{FF2B5EF4-FFF2-40B4-BE49-F238E27FC236}">
+                <a16:creationId xmlns:a16="http://schemas.microsoft.com/office/drawing/2014/main" id="{5AA8E838-8D58-E319-45D4-93FC3D2F3B28}"/>
+              </a:ext>
+            </a:extLst>
+          </p:cNvPr>
+          <p:cNvSpPr/>
+          <p:nvPr/>
+        </p:nvSpPr>
+        <p:spPr>
+          <a:xfrm>
+            <a:off x="1131683" y="2955223"/>
+            <a:ext cx="1051078" cy="937764"/>
+          </a:xfrm>
+          <a:prstGeom prst="rect">
+            <a:avLst/>
+          </a:prstGeom>
+          <a:solidFill>
+            <a:schemeClr val="tx2">
+              <a:lumMod val="60000"/>
+              <a:lumOff val="40000"/>
+            </a:schemeClr>
+          </a:solidFill>
+        </p:spPr>
+        <p:style>
+          <a:lnRef idx="2">
+            <a:schemeClr val="accent1">
+              <a:shade val="15000"/>
+            </a:schemeClr>
+          </a:lnRef>
+          <a:fillRef idx="1">
+            <a:schemeClr val="accent1"/>
+          </a:fillRef>
+          <a:effectRef idx="0">
+            <a:schemeClr val="accent1"/>
+          </a:effectRef>
+          <a:fontRef idx="minor">
+            <a:schemeClr val="lt1"/>
+          </a:fontRef>
+        </p:style>
+        <p:txBody>
+          <a:bodyPr rtlCol="0" anchor="ctr"/>
+          <a:lstStyle/>
+          <a:p>
+            <a:pPr algn="ctr"/>
+            <a:r>
+              <a:rPr lang="en-US" altLang="zh-CN" dirty="0"/>
+              <a:t>a21</a:t>
+            </a:r>
+            <a:endParaRPr lang="en-SA" dirty="0"/>
+          </a:p>
+        </p:txBody>
+      </p:sp>
+      <p:sp>
+        <p:nvSpPr>
+          <p:cNvPr id="13" name="Rectangle 12">
+            <a:extLst>
+              <a:ext uri="{FF2B5EF4-FFF2-40B4-BE49-F238E27FC236}">
+                <a16:creationId xmlns:a16="http://schemas.microsoft.com/office/drawing/2014/main" id="{BB353015-0562-D6F3-FEDE-0D2522C5EAB8}"/>
+              </a:ext>
+            </a:extLst>
+          </p:cNvPr>
+          <p:cNvSpPr/>
+          <p:nvPr/>
+        </p:nvSpPr>
+        <p:spPr>
+          <a:xfrm>
+            <a:off x="2180133" y="2952959"/>
+            <a:ext cx="1051078" cy="937764"/>
+          </a:xfrm>
+          <a:prstGeom prst="rect">
+            <a:avLst/>
+          </a:prstGeom>
+          <a:solidFill>
+            <a:schemeClr val="tx2">
+              <a:lumMod val="60000"/>
+              <a:lumOff val="40000"/>
+            </a:schemeClr>
+          </a:solidFill>
+        </p:spPr>
+        <p:style>
+          <a:lnRef idx="2">
+            <a:schemeClr val="accent1">
+              <a:shade val="15000"/>
+            </a:schemeClr>
+          </a:lnRef>
+          <a:fillRef idx="1">
+            <a:schemeClr val="accent1"/>
+          </a:fillRef>
+          <a:effectRef idx="0">
+            <a:schemeClr val="accent1"/>
+          </a:effectRef>
+          <a:fontRef idx="minor">
+            <a:schemeClr val="lt1"/>
+          </a:fontRef>
+        </p:style>
+        <p:txBody>
+          <a:bodyPr rtlCol="0" anchor="ctr"/>
+          <a:lstStyle/>
+          <a:p>
+            <a:pPr algn="ctr"/>
+            <a:r>
+              <a:rPr lang="en-US" altLang="zh-CN" dirty="0"/>
+              <a:t>a22</a:t>
+            </a:r>
+            <a:endParaRPr lang="en-SA" dirty="0"/>
+          </a:p>
+        </p:txBody>
+      </p:sp>
+      <p:sp>
+        <p:nvSpPr>
+          <p:cNvPr id="14" name="Rectangle 13">
+            <a:extLst>
+              <a:ext uri="{FF2B5EF4-FFF2-40B4-BE49-F238E27FC236}">
+                <a16:creationId xmlns:a16="http://schemas.microsoft.com/office/drawing/2014/main" id="{0FB0FD1B-5573-52E3-0651-967C3CA5ECB8}"/>
+              </a:ext>
+            </a:extLst>
+          </p:cNvPr>
+          <p:cNvSpPr/>
+          <p:nvPr/>
+        </p:nvSpPr>
+        <p:spPr>
+          <a:xfrm>
+            <a:off x="2179257" y="2098137"/>
+            <a:ext cx="1051078" cy="853689"/>
+          </a:xfrm>
+          <a:prstGeom prst="rect">
+            <a:avLst/>
+          </a:prstGeom>
+          <a:solidFill>
+            <a:schemeClr val="tx2">
+              <a:lumMod val="60000"/>
+              <a:lumOff val="40000"/>
+            </a:schemeClr>
+          </a:solidFill>
+        </p:spPr>
+        <p:style>
+          <a:lnRef idx="2">
+            <a:schemeClr val="accent1">
+              <a:shade val="15000"/>
+            </a:schemeClr>
+          </a:lnRef>
+          <a:fillRef idx="1">
+            <a:schemeClr val="accent1"/>
+          </a:fillRef>
+          <a:effectRef idx="0">
+            <a:schemeClr val="accent1"/>
+          </a:effectRef>
+          <a:fontRef idx="minor">
+            <a:schemeClr val="lt1"/>
+          </a:fontRef>
+        </p:style>
+        <p:txBody>
+          <a:bodyPr rtlCol="0" anchor="ctr"/>
+          <a:lstStyle/>
+          <a:p>
+            <a:pPr algn="ctr"/>
+            <a:r>
+              <a:rPr lang="en-US" altLang="zh-CN" dirty="0"/>
+              <a:t>a12</a:t>
+            </a:r>
+            <a:endParaRPr lang="en-SA" dirty="0"/>
+          </a:p>
+        </p:txBody>
+      </p:sp>
+      <p:sp>
+        <p:nvSpPr>
+          <p:cNvPr id="15" name="TextBox 14">
+            <a:extLst>
+              <a:ext uri="{FF2B5EF4-FFF2-40B4-BE49-F238E27FC236}">
+                <a16:creationId xmlns:a16="http://schemas.microsoft.com/office/drawing/2014/main" id="{1D0181D8-563D-5BF4-25F0-5921C9B2119E}"/>
+              </a:ext>
+            </a:extLst>
+          </p:cNvPr>
+          <p:cNvSpPr txBox="1"/>
+          <p:nvPr/>
+        </p:nvSpPr>
+        <p:spPr>
+          <a:xfrm>
+            <a:off x="5673213" y="1928197"/>
+            <a:ext cx="6371303" cy="2308324"/>
+          </a:xfrm>
+          <a:prstGeom prst="rect">
+            <a:avLst/>
+          </a:prstGeom>
+          <a:noFill/>
+        </p:spPr>
+        <p:txBody>
+          <a:bodyPr wrap="square">
+            <a:spAutoFit/>
+          </a:bodyPr>
+          <a:lstStyle/>
+          <a:p>
+            <a:pPr marL="0" indent="0">
+              <a:buNone/>
+            </a:pPr>
+            <a:r>
+              <a:rPr lang="en-US" altLang="zh-CN" b="0" i="0" dirty="0">
+                <a:solidFill>
+                  <a:srgbClr val="0D0D0D"/>
+                </a:solidFill>
+                <a:effectLst/>
+                <a:latin typeface="Söhne"/>
+              </a:rPr>
+              <a:t>We</a:t>
+            </a:r>
+            <a:r>
+              <a:rPr lang="zh-CN" altLang="en-US" b="0" i="0" dirty="0">
+                <a:solidFill>
+                  <a:srgbClr val="0D0D0D"/>
+                </a:solidFill>
+                <a:effectLst/>
+                <a:latin typeface="Söhne"/>
+              </a:rPr>
+              <a:t> </a:t>
+            </a:r>
+            <a:r>
+              <a:rPr lang="en-US" altLang="zh-CN" b="0" i="0" dirty="0">
+                <a:solidFill>
+                  <a:srgbClr val="0D0D0D"/>
+                </a:solidFill>
+                <a:effectLst/>
+                <a:latin typeface="Söhne"/>
+              </a:rPr>
+              <a:t>tiling</a:t>
+            </a:r>
+            <a:r>
+              <a:rPr lang="zh-CN" altLang="en-US" b="0" i="0" dirty="0">
+                <a:solidFill>
+                  <a:srgbClr val="0D0D0D"/>
+                </a:solidFill>
+                <a:effectLst/>
+                <a:latin typeface="Söhne"/>
+              </a:rPr>
+              <a:t> </a:t>
+            </a:r>
+            <a:r>
+              <a:rPr lang="en-US" altLang="zh-CN" b="0" i="0" dirty="0">
+                <a:solidFill>
+                  <a:srgbClr val="0D0D0D"/>
+                </a:solidFill>
+                <a:effectLst/>
+                <a:latin typeface="Söhne"/>
+              </a:rPr>
+              <a:t>the</a:t>
+            </a:r>
+            <a:r>
+              <a:rPr lang="zh-CN" altLang="en-US" b="0" i="0" dirty="0">
+                <a:solidFill>
+                  <a:srgbClr val="0D0D0D"/>
+                </a:solidFill>
+                <a:effectLst/>
+                <a:latin typeface="Söhne"/>
+              </a:rPr>
+              <a:t> </a:t>
+            </a:r>
+            <a:r>
+              <a:rPr lang="en-US" altLang="zh-CN" b="0" i="0" dirty="0">
+                <a:solidFill>
+                  <a:srgbClr val="0D0D0D"/>
+                </a:solidFill>
+                <a:effectLst/>
+                <a:latin typeface="Söhne"/>
+              </a:rPr>
+              <a:t>matrix,</a:t>
+            </a:r>
+            <a:r>
+              <a:rPr lang="zh-CN" altLang="en-US" b="0" i="0" dirty="0">
+                <a:solidFill>
+                  <a:srgbClr val="0D0D0D"/>
+                </a:solidFill>
+                <a:effectLst/>
+                <a:latin typeface="Söhne"/>
+              </a:rPr>
+              <a:t> </a:t>
+            </a:r>
+            <a:r>
+              <a:rPr lang="en-US" altLang="zh-CN" b="0" i="0" dirty="0">
+                <a:solidFill>
+                  <a:srgbClr val="0D0D0D"/>
+                </a:solidFill>
+                <a:effectLst/>
+                <a:latin typeface="Söhne"/>
+              </a:rPr>
+              <a:t>calculate</a:t>
+            </a:r>
+            <a:r>
+              <a:rPr lang="zh-CN" altLang="en-US" b="0" i="0" dirty="0">
+                <a:solidFill>
+                  <a:srgbClr val="0D0D0D"/>
+                </a:solidFill>
+                <a:effectLst/>
+                <a:latin typeface="Söhne"/>
+              </a:rPr>
+              <a:t> </a:t>
+            </a:r>
+            <a:r>
+              <a:rPr lang="en-US" altLang="zh-CN" dirty="0">
+                <a:solidFill>
+                  <a:srgbClr val="0D0D0D"/>
+                </a:solidFill>
+                <a:latin typeface="Söhne"/>
+              </a:rPr>
+              <a:t>each</a:t>
+            </a:r>
+            <a:r>
+              <a:rPr lang="zh-CN" altLang="en-US" dirty="0">
+                <a:solidFill>
+                  <a:srgbClr val="0D0D0D"/>
+                </a:solidFill>
+                <a:latin typeface="Söhne"/>
+              </a:rPr>
+              <a:t> </a:t>
+            </a:r>
+            <a:r>
+              <a:rPr lang="en-US" altLang="zh-CN" dirty="0">
+                <a:solidFill>
+                  <a:srgbClr val="0D0D0D"/>
+                </a:solidFill>
+                <a:latin typeface="Söhne"/>
+              </a:rPr>
+              <a:t>block</a:t>
+            </a:r>
+            <a:r>
+              <a:rPr lang="zh-CN" altLang="en-US" dirty="0">
+                <a:solidFill>
+                  <a:srgbClr val="0D0D0D"/>
+                </a:solidFill>
+                <a:latin typeface="Söhne"/>
+              </a:rPr>
+              <a:t> </a:t>
+            </a:r>
+            <a:r>
+              <a:rPr lang="en-US" altLang="zh-CN" dirty="0">
+                <a:solidFill>
+                  <a:srgbClr val="0D0D0D"/>
+                </a:solidFill>
+                <a:latin typeface="Söhne"/>
+              </a:rPr>
+              <a:t>with</a:t>
+            </a:r>
+            <a:r>
+              <a:rPr lang="zh-CN" altLang="en-US" dirty="0">
+                <a:solidFill>
+                  <a:srgbClr val="0D0D0D"/>
+                </a:solidFill>
+                <a:latin typeface="Söhne"/>
+              </a:rPr>
+              <a:t> </a:t>
+            </a:r>
+            <a:r>
+              <a:rPr lang="en-US" altLang="zh-CN" dirty="0">
+                <a:solidFill>
+                  <a:srgbClr val="0D0D0D"/>
+                </a:solidFill>
+                <a:latin typeface="Söhne"/>
+              </a:rPr>
+              <a:t>Strassen</a:t>
+            </a:r>
+            <a:r>
+              <a:rPr lang="zh-CN" altLang="en-US" dirty="0">
+                <a:solidFill>
+                  <a:srgbClr val="0D0D0D"/>
+                </a:solidFill>
+                <a:latin typeface="Söhne"/>
+              </a:rPr>
+              <a:t> </a:t>
+            </a:r>
+            <a:r>
+              <a:rPr lang="en-US" altLang="zh-CN" dirty="0">
+                <a:solidFill>
+                  <a:srgbClr val="0D0D0D"/>
+                </a:solidFill>
+                <a:latin typeface="Söhne"/>
+              </a:rPr>
+              <a:t>algorithm.</a:t>
+            </a:r>
+          </a:p>
+          <a:p>
+            <a:pPr marL="0" indent="0">
+              <a:buNone/>
+            </a:pPr>
+            <a:endParaRPr lang="en-US" altLang="zh-CN" dirty="0">
+              <a:solidFill>
+                <a:srgbClr val="0D0D0D"/>
+              </a:solidFill>
+              <a:latin typeface="Söhne"/>
+            </a:endParaRPr>
+          </a:p>
+          <a:p>
+            <a:pPr marL="0" indent="0">
+              <a:buNone/>
+            </a:pPr>
+            <a:r>
+              <a:rPr lang="en-US" altLang="zh-CN" dirty="0">
+                <a:solidFill>
+                  <a:srgbClr val="0D0D0D"/>
+                </a:solidFill>
+                <a:latin typeface="Söhne"/>
+              </a:rPr>
+              <a:t>Then</a:t>
+            </a:r>
+            <a:r>
+              <a:rPr lang="zh-CN" altLang="en-US" dirty="0">
+                <a:solidFill>
+                  <a:srgbClr val="0D0D0D"/>
+                </a:solidFill>
+                <a:latin typeface="Söhne"/>
+              </a:rPr>
+              <a:t> </a:t>
+            </a:r>
+            <a:r>
+              <a:rPr lang="en-US" altLang="zh-CN" dirty="0">
+                <a:solidFill>
+                  <a:srgbClr val="0D0D0D"/>
+                </a:solidFill>
+                <a:latin typeface="Söhne"/>
+              </a:rPr>
+              <a:t>we</a:t>
+            </a:r>
+            <a:r>
+              <a:rPr lang="zh-CN" altLang="en-US" dirty="0">
+                <a:solidFill>
+                  <a:srgbClr val="0D0D0D"/>
+                </a:solidFill>
+                <a:latin typeface="Söhne"/>
+              </a:rPr>
+              <a:t> </a:t>
+            </a:r>
+            <a:r>
+              <a:rPr lang="en-US" altLang="zh-CN" dirty="0">
+                <a:solidFill>
+                  <a:srgbClr val="0D0D0D"/>
+                </a:solidFill>
+                <a:latin typeface="Söhne"/>
+              </a:rPr>
+              <a:t>reduce</a:t>
+            </a:r>
+            <a:r>
+              <a:rPr lang="zh-CN" altLang="en-US" dirty="0">
+                <a:solidFill>
+                  <a:srgbClr val="0D0D0D"/>
+                </a:solidFill>
+                <a:latin typeface="Söhne"/>
+              </a:rPr>
+              <a:t> </a:t>
+            </a:r>
+            <a:r>
+              <a:rPr lang="en-US" altLang="zh-CN" dirty="0">
+                <a:solidFill>
+                  <a:srgbClr val="0D0D0D"/>
+                </a:solidFill>
+                <a:latin typeface="Söhne"/>
+              </a:rPr>
+              <a:t>each</a:t>
+            </a:r>
+            <a:r>
+              <a:rPr lang="zh-CN" altLang="en-US" dirty="0">
+                <a:solidFill>
+                  <a:srgbClr val="0D0D0D"/>
+                </a:solidFill>
+                <a:latin typeface="Söhne"/>
+              </a:rPr>
+              <a:t> </a:t>
+            </a:r>
+            <a:r>
+              <a:rPr lang="en-US" altLang="zh-CN" dirty="0">
+                <a:solidFill>
+                  <a:srgbClr val="0D0D0D"/>
+                </a:solidFill>
+                <a:latin typeface="Söhne"/>
+              </a:rPr>
+              <a:t>block</a:t>
+            </a:r>
+            <a:r>
+              <a:rPr lang="zh-CN" altLang="en-US" dirty="0">
+                <a:solidFill>
+                  <a:srgbClr val="0D0D0D"/>
+                </a:solidFill>
+                <a:latin typeface="Söhne"/>
+              </a:rPr>
+              <a:t> </a:t>
+            </a:r>
+            <a:r>
+              <a:rPr lang="en-US" altLang="zh-CN" dirty="0">
+                <a:solidFill>
+                  <a:srgbClr val="0D0D0D"/>
+                </a:solidFill>
+                <a:latin typeface="Söhne"/>
+              </a:rPr>
+              <a:t>to</a:t>
+            </a:r>
+            <a:r>
+              <a:rPr lang="zh-CN" altLang="en-US" dirty="0">
+                <a:solidFill>
+                  <a:srgbClr val="0D0D0D"/>
+                </a:solidFill>
+                <a:latin typeface="Söhne"/>
+              </a:rPr>
+              <a:t> </a:t>
+            </a:r>
+            <a:r>
+              <a:rPr lang="en-US" altLang="zh-CN" dirty="0">
+                <a:solidFill>
+                  <a:srgbClr val="0D0D0D"/>
+                </a:solidFill>
+                <a:latin typeface="Söhne"/>
+              </a:rPr>
+              <a:t>get</a:t>
+            </a:r>
+            <a:r>
+              <a:rPr lang="zh-CN" altLang="en-US" dirty="0">
+                <a:solidFill>
+                  <a:srgbClr val="0D0D0D"/>
+                </a:solidFill>
+                <a:latin typeface="Söhne"/>
+              </a:rPr>
+              <a:t> </a:t>
+            </a:r>
+            <a:r>
+              <a:rPr lang="en-US" altLang="zh-CN" dirty="0">
+                <a:solidFill>
+                  <a:srgbClr val="0D0D0D"/>
+                </a:solidFill>
+                <a:latin typeface="Söhne"/>
+              </a:rPr>
+              <a:t>the</a:t>
+            </a:r>
+            <a:r>
+              <a:rPr lang="zh-CN" altLang="en-US" dirty="0">
+                <a:solidFill>
+                  <a:srgbClr val="0D0D0D"/>
+                </a:solidFill>
+                <a:latin typeface="Söhne"/>
+              </a:rPr>
+              <a:t> </a:t>
+            </a:r>
+            <a:r>
+              <a:rPr lang="en-US" altLang="zh-CN" dirty="0">
+                <a:solidFill>
+                  <a:srgbClr val="0D0D0D"/>
+                </a:solidFill>
+                <a:latin typeface="Söhne"/>
+              </a:rPr>
+              <a:t>whole</a:t>
+            </a:r>
+            <a:r>
+              <a:rPr lang="zh-CN" altLang="en-US" dirty="0">
+                <a:solidFill>
+                  <a:srgbClr val="0D0D0D"/>
+                </a:solidFill>
+                <a:latin typeface="Söhne"/>
+              </a:rPr>
+              <a:t> </a:t>
+            </a:r>
+            <a:r>
+              <a:rPr lang="en-US" altLang="zh-CN" dirty="0">
+                <a:solidFill>
+                  <a:srgbClr val="0D0D0D"/>
+                </a:solidFill>
+                <a:latin typeface="Söhne"/>
+              </a:rPr>
+              <a:t>matrix</a:t>
+            </a:r>
+            <a:r>
+              <a:rPr lang="zh-CN" altLang="en-US" dirty="0">
+                <a:solidFill>
+                  <a:srgbClr val="0D0D0D"/>
+                </a:solidFill>
+                <a:latin typeface="Söhne"/>
+              </a:rPr>
+              <a:t> </a:t>
+            </a:r>
+            <a:r>
+              <a:rPr lang="en-US" altLang="zh-CN" dirty="0">
+                <a:solidFill>
+                  <a:srgbClr val="0D0D0D"/>
+                </a:solidFill>
+                <a:latin typeface="Söhne"/>
+              </a:rPr>
+              <a:t>results.</a:t>
+            </a:r>
+          </a:p>
+          <a:p>
+            <a:pPr marL="0" indent="0">
+              <a:buNone/>
+            </a:pPr>
+            <a:endParaRPr lang="en-US" altLang="zh-CN" dirty="0">
+              <a:solidFill>
+                <a:srgbClr val="0D0D0D"/>
+              </a:solidFill>
+              <a:latin typeface="Söhne"/>
+            </a:endParaRPr>
+          </a:p>
+          <a:p>
+            <a:pPr marL="0" indent="0">
+              <a:buNone/>
+            </a:pPr>
+            <a:r>
+              <a:rPr lang="en-US" altLang="zh-CN" dirty="0">
+                <a:solidFill>
+                  <a:srgbClr val="0D0D0D"/>
+                </a:solidFill>
+                <a:latin typeface="Söhne"/>
+              </a:rPr>
+              <a:t>The</a:t>
+            </a:r>
+            <a:r>
+              <a:rPr lang="zh-CN" altLang="en-US" dirty="0">
+                <a:solidFill>
+                  <a:srgbClr val="0D0D0D"/>
+                </a:solidFill>
+                <a:latin typeface="Söhne"/>
+              </a:rPr>
+              <a:t> </a:t>
+            </a:r>
+            <a:r>
+              <a:rPr lang="en-US" altLang="zh-CN" dirty="0">
+                <a:solidFill>
+                  <a:srgbClr val="0D0D0D"/>
+                </a:solidFill>
+                <a:latin typeface="Söhne"/>
+              </a:rPr>
+              <a:t>advantage</a:t>
+            </a:r>
+            <a:r>
+              <a:rPr lang="zh-CN" altLang="en-US" dirty="0">
+                <a:solidFill>
+                  <a:srgbClr val="0D0D0D"/>
+                </a:solidFill>
+                <a:latin typeface="Söhne"/>
+              </a:rPr>
+              <a:t> </a:t>
+            </a:r>
+            <a:r>
+              <a:rPr lang="en-US" altLang="zh-CN" dirty="0">
+                <a:solidFill>
+                  <a:srgbClr val="0D0D0D"/>
+                </a:solidFill>
+                <a:latin typeface="Söhne"/>
+              </a:rPr>
+              <a:t>is</a:t>
+            </a:r>
+            <a:r>
+              <a:rPr lang="zh-CN" altLang="en-US" dirty="0">
+                <a:solidFill>
+                  <a:srgbClr val="0D0D0D"/>
+                </a:solidFill>
+                <a:latin typeface="Söhne"/>
+              </a:rPr>
+              <a:t> </a:t>
+            </a:r>
+            <a:r>
+              <a:rPr lang="en-US" altLang="zh-CN" dirty="0">
+                <a:solidFill>
+                  <a:srgbClr val="0D0D0D"/>
+                </a:solidFill>
+                <a:latin typeface="Söhne"/>
+              </a:rPr>
+              <a:t>we</a:t>
+            </a:r>
+            <a:r>
+              <a:rPr lang="zh-CN" altLang="en-US" dirty="0">
+                <a:solidFill>
+                  <a:srgbClr val="0D0D0D"/>
+                </a:solidFill>
+                <a:latin typeface="Söhne"/>
+              </a:rPr>
+              <a:t> </a:t>
+            </a:r>
+            <a:r>
+              <a:rPr lang="en-US" altLang="zh-CN" dirty="0">
+                <a:solidFill>
+                  <a:srgbClr val="0D0D0D"/>
+                </a:solidFill>
+                <a:latin typeface="Söhne"/>
+              </a:rPr>
+              <a:t>don’t</a:t>
+            </a:r>
+            <a:r>
+              <a:rPr lang="zh-CN" altLang="en-US" dirty="0">
+                <a:solidFill>
+                  <a:srgbClr val="0D0D0D"/>
+                </a:solidFill>
+                <a:latin typeface="Söhne"/>
+              </a:rPr>
+              <a:t> </a:t>
+            </a:r>
+            <a:r>
+              <a:rPr lang="en-US" altLang="zh-CN" dirty="0">
+                <a:solidFill>
+                  <a:srgbClr val="0D0D0D"/>
+                </a:solidFill>
+                <a:latin typeface="Söhne"/>
+              </a:rPr>
+              <a:t>need</a:t>
+            </a:r>
+            <a:r>
+              <a:rPr lang="zh-CN" altLang="en-US" dirty="0">
+                <a:solidFill>
+                  <a:srgbClr val="0D0D0D"/>
+                </a:solidFill>
+                <a:latin typeface="Söhne"/>
+              </a:rPr>
+              <a:t> </a:t>
+            </a:r>
+            <a:r>
+              <a:rPr lang="en-US" altLang="zh-CN" dirty="0">
+                <a:solidFill>
+                  <a:srgbClr val="0D0D0D"/>
+                </a:solidFill>
+                <a:latin typeface="Söhne"/>
+              </a:rPr>
+              <a:t>extra</a:t>
+            </a:r>
+            <a:r>
+              <a:rPr lang="zh-CN" altLang="en-US" dirty="0">
+                <a:solidFill>
+                  <a:srgbClr val="0D0D0D"/>
+                </a:solidFill>
+                <a:latin typeface="Söhne"/>
+              </a:rPr>
+              <a:t> </a:t>
+            </a:r>
+            <a:r>
+              <a:rPr lang="en-US" altLang="zh-CN" dirty="0">
+                <a:solidFill>
+                  <a:srgbClr val="0D0D0D"/>
+                </a:solidFill>
+                <a:latin typeface="Söhne"/>
+              </a:rPr>
+              <a:t>space,</a:t>
+            </a:r>
+            <a:r>
+              <a:rPr lang="zh-CN" altLang="en-US" dirty="0">
+                <a:solidFill>
+                  <a:srgbClr val="0D0D0D"/>
+                </a:solidFill>
+                <a:latin typeface="Söhne"/>
+              </a:rPr>
+              <a:t> </a:t>
+            </a:r>
+            <a:r>
+              <a:rPr lang="en-US" altLang="zh-CN" dirty="0">
+                <a:solidFill>
+                  <a:srgbClr val="0D0D0D"/>
+                </a:solidFill>
+                <a:latin typeface="Söhne"/>
+              </a:rPr>
+              <a:t>the</a:t>
+            </a:r>
+            <a:r>
+              <a:rPr lang="zh-CN" altLang="en-US" dirty="0">
+                <a:solidFill>
+                  <a:srgbClr val="0D0D0D"/>
+                </a:solidFill>
+                <a:latin typeface="Söhne"/>
+              </a:rPr>
+              <a:t> </a:t>
+            </a:r>
+            <a:r>
+              <a:rPr lang="en-US" altLang="zh-CN" dirty="0">
+                <a:solidFill>
+                  <a:srgbClr val="0D0D0D"/>
+                </a:solidFill>
+                <a:latin typeface="Söhne"/>
+              </a:rPr>
+              <a:t>inner</a:t>
+            </a:r>
+            <a:r>
+              <a:rPr lang="zh-CN" altLang="en-US" dirty="0">
+                <a:solidFill>
+                  <a:srgbClr val="0D0D0D"/>
+                </a:solidFill>
+                <a:latin typeface="Söhne"/>
+              </a:rPr>
+              <a:t> </a:t>
+            </a:r>
+            <a:r>
+              <a:rPr lang="en-US" altLang="zh-CN" dirty="0">
+                <a:solidFill>
+                  <a:srgbClr val="0D0D0D"/>
+                </a:solidFill>
+                <a:latin typeface="Söhne"/>
+              </a:rPr>
+              <a:t>loop</a:t>
+            </a:r>
+            <a:r>
+              <a:rPr lang="zh-CN" altLang="en-US" dirty="0">
+                <a:solidFill>
+                  <a:srgbClr val="0D0D0D"/>
+                </a:solidFill>
+                <a:latin typeface="Söhne"/>
+              </a:rPr>
+              <a:t> </a:t>
+            </a:r>
+            <a:r>
+              <a:rPr lang="en-US" altLang="zh-CN" dirty="0">
+                <a:solidFill>
+                  <a:srgbClr val="0D0D0D"/>
+                </a:solidFill>
+                <a:latin typeface="Söhne"/>
+              </a:rPr>
+              <a:t>can</a:t>
+            </a:r>
+            <a:r>
+              <a:rPr lang="zh-CN" altLang="en-US" dirty="0">
+                <a:solidFill>
+                  <a:srgbClr val="0D0D0D"/>
+                </a:solidFill>
+                <a:latin typeface="Söhne"/>
+              </a:rPr>
+              <a:t> </a:t>
+            </a:r>
+            <a:r>
+              <a:rPr lang="en-US" altLang="zh-CN" dirty="0">
+                <a:solidFill>
+                  <a:srgbClr val="0D0D0D"/>
+                </a:solidFill>
+                <a:latin typeface="Söhne"/>
+              </a:rPr>
+              <a:t>be</a:t>
+            </a:r>
+            <a:r>
+              <a:rPr lang="zh-CN" altLang="en-US" dirty="0">
+                <a:solidFill>
+                  <a:srgbClr val="0D0D0D"/>
+                </a:solidFill>
+                <a:latin typeface="Söhne"/>
+              </a:rPr>
+              <a:t> </a:t>
+            </a:r>
+            <a:r>
+              <a:rPr lang="en-US" altLang="zh-CN" dirty="0">
+                <a:solidFill>
+                  <a:srgbClr val="0D0D0D"/>
+                </a:solidFill>
+                <a:latin typeface="Söhne"/>
+              </a:rPr>
+              <a:t>computed</a:t>
+            </a:r>
+            <a:r>
+              <a:rPr lang="zh-CN" altLang="en-US" dirty="0">
+                <a:solidFill>
+                  <a:srgbClr val="0D0D0D"/>
+                </a:solidFill>
+                <a:latin typeface="Söhne"/>
+              </a:rPr>
+              <a:t> </a:t>
+            </a:r>
+            <a:r>
+              <a:rPr lang="en-US" altLang="zh-CN" dirty="0">
+                <a:solidFill>
+                  <a:srgbClr val="0D0D0D"/>
+                </a:solidFill>
+                <a:latin typeface="Söhne"/>
+              </a:rPr>
+              <a:t>in-place.</a:t>
+            </a:r>
+          </a:p>
+          <a:p>
+            <a:pPr marL="0" indent="0">
+              <a:buNone/>
+            </a:pPr>
+            <a:endParaRPr lang="en-US" altLang="zh-CN" dirty="0">
+              <a:solidFill>
+                <a:srgbClr val="0D0D0D"/>
+              </a:solidFill>
+              <a:latin typeface="Söhne"/>
+            </a:endParaRPr>
+          </a:p>
+          <a:p>
+            <a:pPr marL="0" indent="0">
+              <a:buNone/>
+            </a:pPr>
+            <a:r>
+              <a:rPr lang="en-US" altLang="zh-CN" dirty="0">
+                <a:solidFill>
+                  <a:srgbClr val="0D0D0D"/>
+                </a:solidFill>
+                <a:latin typeface="Söhne"/>
+              </a:rPr>
+              <a:t>Vectorize:</a:t>
+            </a:r>
+            <a:r>
+              <a:rPr lang="zh-CN" altLang="en-US" dirty="0">
+                <a:solidFill>
+                  <a:srgbClr val="0D0D0D"/>
+                </a:solidFill>
+                <a:latin typeface="Söhne"/>
+              </a:rPr>
+              <a:t> </a:t>
+            </a:r>
+            <a:r>
+              <a:rPr lang="en-US" b="0" i="0" dirty="0">
+                <a:solidFill>
+                  <a:srgbClr val="3C3C3C"/>
+                </a:solidFill>
+                <a:effectLst/>
+                <a:latin typeface="PT Sans" panose="020B0503020203020204" pitchFamily="34" charset="77"/>
+              </a:rPr>
+              <a:t>pass the continuous memory to vector processor</a:t>
+            </a:r>
+            <a:endParaRPr lang="en-US" altLang="zh-CN" dirty="0">
+              <a:solidFill>
+                <a:srgbClr val="0D0D0D"/>
+              </a:solidFill>
+              <a:latin typeface="Söhne"/>
+            </a:endParaRPr>
+          </a:p>
+        </p:txBody>
+      </p:sp>
+      <p:sp>
+        <p:nvSpPr>
+          <p:cNvPr id="16" name="TextBox 15">
+            <a:extLst>
+              <a:ext uri="{FF2B5EF4-FFF2-40B4-BE49-F238E27FC236}">
+                <a16:creationId xmlns:a16="http://schemas.microsoft.com/office/drawing/2014/main" id="{0D5EE466-D641-5F73-0D29-E038521BE02B}"/>
+              </a:ext>
+            </a:extLst>
+          </p:cNvPr>
+          <p:cNvSpPr txBox="1"/>
+          <p:nvPr/>
+        </p:nvSpPr>
+        <p:spPr>
+          <a:xfrm>
+            <a:off x="5830529" y="5015547"/>
+            <a:ext cx="4359871" cy="1477328"/>
+          </a:xfrm>
+          <a:prstGeom prst="rect">
+            <a:avLst/>
+          </a:prstGeom>
+          <a:noFill/>
+        </p:spPr>
+        <p:txBody>
+          <a:bodyPr wrap="square">
+            <a:spAutoFit/>
+          </a:bodyPr>
+          <a:lstStyle/>
+          <a:p>
+            <a:pPr marL="0" indent="0">
+              <a:buNone/>
+            </a:pPr>
+            <a:r>
+              <a:rPr lang="en-US" altLang="zh-CN" b="0" i="0" dirty="0">
+                <a:solidFill>
+                  <a:srgbClr val="0D0D0D"/>
+                </a:solidFill>
+                <a:effectLst/>
+                <a:latin typeface="Söhne"/>
+              </a:rPr>
+              <a:t>Setting:</a:t>
+            </a:r>
+          </a:p>
+          <a:p>
+            <a:pPr marL="0" indent="0">
+              <a:buNone/>
+            </a:pPr>
+            <a:endParaRPr lang="en-US" altLang="zh-CN" b="0" i="0" dirty="0">
+              <a:solidFill>
+                <a:srgbClr val="0D0D0D"/>
+              </a:solidFill>
+              <a:effectLst/>
+              <a:latin typeface="Söhne"/>
+            </a:endParaRPr>
+          </a:p>
+          <a:p>
+            <a:pPr marL="0" indent="0">
+              <a:buNone/>
+            </a:pPr>
+            <a:r>
+              <a:rPr lang="en-US" altLang="zh-CN" b="0" i="0" dirty="0">
+                <a:solidFill>
+                  <a:srgbClr val="0D0D0D"/>
+                </a:solidFill>
+                <a:effectLst/>
+                <a:latin typeface="Söhne"/>
+              </a:rPr>
+              <a:t>Single</a:t>
+            </a:r>
+            <a:r>
+              <a:rPr lang="zh-CN" altLang="en-US" b="0" i="0" dirty="0">
+                <a:solidFill>
+                  <a:srgbClr val="0D0D0D"/>
+                </a:solidFill>
+                <a:effectLst/>
+                <a:latin typeface="Söhne"/>
+              </a:rPr>
+              <a:t> </a:t>
+            </a:r>
+            <a:r>
+              <a:rPr lang="en-US" altLang="zh-CN" dirty="0">
+                <a:solidFill>
+                  <a:srgbClr val="0D0D0D"/>
+                </a:solidFill>
+                <a:latin typeface="Söhne"/>
+              </a:rPr>
+              <a:t>thread</a:t>
+            </a:r>
+          </a:p>
+          <a:p>
+            <a:r>
+              <a:rPr lang="en-US" altLang="zh-CN" dirty="0">
+                <a:solidFill>
+                  <a:srgbClr val="0D0D0D"/>
+                </a:solidFill>
+                <a:latin typeface="Söhne"/>
+              </a:rPr>
+              <a:t>block</a:t>
+            </a:r>
+            <a:r>
+              <a:rPr lang="zh-CN" altLang="en-US" dirty="0">
+                <a:solidFill>
+                  <a:srgbClr val="0D0D0D"/>
+                </a:solidFill>
+                <a:latin typeface="Söhne"/>
+              </a:rPr>
+              <a:t> </a:t>
+            </a:r>
+            <a:r>
+              <a:rPr lang="en-US" altLang="zh-CN" dirty="0">
+                <a:solidFill>
+                  <a:srgbClr val="0D0D0D"/>
+                </a:solidFill>
+                <a:latin typeface="Söhne"/>
+              </a:rPr>
+              <a:t>size</a:t>
+            </a:r>
+            <a:r>
+              <a:rPr lang="zh-CN" altLang="en-US" dirty="0">
+                <a:solidFill>
+                  <a:srgbClr val="0D0D0D"/>
+                </a:solidFill>
+                <a:latin typeface="Söhne"/>
+              </a:rPr>
+              <a:t>  </a:t>
+            </a:r>
+            <a:r>
+              <a:rPr lang="en-US" altLang="zh-CN" dirty="0">
+                <a:solidFill>
+                  <a:srgbClr val="0D0D0D"/>
+                </a:solidFill>
+                <a:latin typeface="Söhne"/>
+              </a:rPr>
+              <a:t>=</a:t>
+            </a:r>
+            <a:r>
+              <a:rPr lang="zh-CN" altLang="en-US" dirty="0">
+                <a:solidFill>
+                  <a:srgbClr val="0D0D0D"/>
+                </a:solidFill>
+                <a:latin typeface="Söhne"/>
+              </a:rPr>
+              <a:t> </a:t>
+            </a:r>
+            <a:r>
+              <a:rPr lang="en-SA" dirty="0">
+                <a:solidFill>
+                  <a:srgbClr val="0D0D0D"/>
+                </a:solidFill>
+                <a:latin typeface="Söhne"/>
+              </a:rPr>
+              <a:t>64</a:t>
+            </a:r>
+          </a:p>
+          <a:p>
+            <a:r>
+              <a:rPr lang="en-US" altLang="zh-CN" dirty="0">
+                <a:solidFill>
+                  <a:srgbClr val="0D0D0D"/>
+                </a:solidFill>
+                <a:latin typeface="Söhne"/>
+              </a:rPr>
+              <a:t>Matrix</a:t>
+            </a:r>
+            <a:r>
+              <a:rPr lang="zh-CN" altLang="en-US" dirty="0">
+                <a:solidFill>
+                  <a:srgbClr val="0D0D0D"/>
+                </a:solidFill>
+                <a:latin typeface="Söhne"/>
+              </a:rPr>
+              <a:t> </a:t>
+            </a:r>
+            <a:r>
+              <a:rPr lang="en-US" altLang="zh-CN" dirty="0">
+                <a:solidFill>
+                  <a:srgbClr val="0D0D0D"/>
+                </a:solidFill>
+                <a:latin typeface="Söhne"/>
+              </a:rPr>
+              <a:t>size</a:t>
+            </a:r>
+            <a:r>
+              <a:rPr lang="zh-CN" altLang="en-US" dirty="0">
+                <a:solidFill>
+                  <a:srgbClr val="0D0D0D"/>
+                </a:solidFill>
+                <a:latin typeface="Söhne"/>
+              </a:rPr>
+              <a:t> </a:t>
+            </a:r>
+            <a:r>
+              <a:rPr lang="en-US" altLang="zh-CN" dirty="0">
+                <a:solidFill>
+                  <a:srgbClr val="0D0D0D"/>
+                </a:solidFill>
+                <a:latin typeface="Söhne"/>
+              </a:rPr>
+              <a:t>=</a:t>
+            </a:r>
+            <a:r>
+              <a:rPr lang="zh-CN" altLang="en-US" dirty="0">
+                <a:solidFill>
+                  <a:srgbClr val="0D0D0D"/>
+                </a:solidFill>
+                <a:latin typeface="Söhne"/>
+              </a:rPr>
+              <a:t> </a:t>
+            </a:r>
+            <a:r>
+              <a:rPr lang="en-US" altLang="zh-CN" dirty="0">
+                <a:solidFill>
+                  <a:srgbClr val="0D0D0D"/>
+                </a:solidFill>
+                <a:latin typeface="Söhne"/>
+              </a:rPr>
+              <a:t>1024</a:t>
+            </a:r>
+            <a:r>
+              <a:rPr lang="zh-CN" altLang="en-US" dirty="0">
+                <a:solidFill>
+                  <a:srgbClr val="0D0D0D"/>
+                </a:solidFill>
+                <a:latin typeface="Söhne"/>
+              </a:rPr>
+              <a:t> </a:t>
+            </a:r>
+            <a:r>
+              <a:rPr lang="en-US" altLang="zh-CN" dirty="0">
+                <a:solidFill>
+                  <a:srgbClr val="0D0D0D"/>
+                </a:solidFill>
+                <a:latin typeface="Söhne"/>
+              </a:rPr>
+              <a:t>x</a:t>
+            </a:r>
+            <a:r>
+              <a:rPr lang="zh-CN" altLang="en-US" dirty="0">
+                <a:solidFill>
+                  <a:srgbClr val="0D0D0D"/>
+                </a:solidFill>
+                <a:latin typeface="Söhne"/>
+              </a:rPr>
+              <a:t> </a:t>
+            </a:r>
+            <a:r>
+              <a:rPr lang="en-US" altLang="zh-CN" dirty="0">
+                <a:solidFill>
+                  <a:srgbClr val="0D0D0D"/>
+                </a:solidFill>
+                <a:latin typeface="Söhne"/>
+              </a:rPr>
+              <a:t>1024</a:t>
+            </a:r>
+            <a:endParaRPr lang="en-SA" dirty="0"/>
+          </a:p>
+        </p:txBody>
+      </p:sp>
+    </p:spTree>
+    <p:extLst>
+      <p:ext uri="{BB962C8B-B14F-4D97-AF65-F5344CB8AC3E}">
+        <p14:creationId xmlns:p14="http://schemas.microsoft.com/office/powerpoint/2010/main" val="2402477320"/>
+      </p:ext>
+    </p:extLst>
+  </p:cSld>
+  <p:clrMapOvr>
+    <a:masterClrMapping/>
+  </p:clrMapOvr>
+</p:sld>
+</file>
+
+<file path=ppt/slides/slide15.xml><?xml version="1.0" encoding="utf-8"?>
+<p:sld xmlns:a="http://schemas.openxmlformats.org/drawingml/2006/main" xmlns:r="http://schemas.openxmlformats.org/officeDocument/2006/relationships" xmlns:p="http://schemas.openxmlformats.org/presentationml/2006/main">
+  <p:cSld>
+    <p:spTree>
+      <p:nvGrpSpPr>
+        <p:cNvPr id="1" name=""/>
+        <p:cNvGrpSpPr/>
+        <p:nvPr/>
+      </p:nvGrpSpPr>
+      <p:grpSpPr>
+        <a:xfrm>
+          <a:off x="0" y="0"/>
+          <a:ext cx="0" cy="0"/>
+          <a:chOff x="0" y="0"/>
+          <a:chExt cx="0" cy="0"/>
+        </a:xfrm>
+      </p:grpSpPr>
+      <p:sp>
+        <p:nvSpPr>
+          <p:cNvPr id="2" name="Title 1">
+            <a:extLst>
+              <a:ext uri="{FF2B5EF4-FFF2-40B4-BE49-F238E27FC236}">
+                <a16:creationId xmlns:a16="http://schemas.microsoft.com/office/drawing/2014/main" id="{A6447FB9-3509-0451-115A-88465F44BAA0}"/>
+              </a:ext>
+            </a:extLst>
+          </p:cNvPr>
+          <p:cNvSpPr>
+            <a:spLocks noGrp="1"/>
+          </p:cNvSpPr>
+          <p:nvPr>
+            <p:ph type="title"/>
+          </p:nvPr>
+        </p:nvSpPr>
+        <p:spPr>
+          <a:xfrm>
+            <a:off x="838200" y="365125"/>
+            <a:ext cx="2858729" cy="1325563"/>
+          </a:xfrm>
+        </p:spPr>
+        <p:txBody>
+          <a:bodyPr/>
+          <a:lstStyle/>
+          <a:p>
+            <a:r>
+              <a:rPr lang="en-US" altLang="zh-CN" dirty="0"/>
+              <a:t>Progress</a:t>
+            </a:r>
+            <a:endParaRPr lang="en-SA" dirty="0"/>
+          </a:p>
+        </p:txBody>
+      </p:sp>
+      <p:sp>
+        <p:nvSpPr>
+          <p:cNvPr id="3" name="Content Placeholder 2">
+            <a:extLst>
+              <a:ext uri="{FF2B5EF4-FFF2-40B4-BE49-F238E27FC236}">
+                <a16:creationId xmlns:a16="http://schemas.microsoft.com/office/drawing/2014/main" id="{31D1F1D5-78C5-4736-6F03-072E50D8B93F}"/>
+              </a:ext>
+            </a:extLst>
+          </p:cNvPr>
+          <p:cNvSpPr>
+            <a:spLocks noGrp="1"/>
+          </p:cNvSpPr>
+          <p:nvPr>
+            <p:ph idx="1"/>
+          </p:nvPr>
+        </p:nvSpPr>
+        <p:spPr>
+          <a:xfrm>
+            <a:off x="402364" y="1423972"/>
+            <a:ext cx="11681481" cy="4711357"/>
+          </a:xfrm>
+        </p:spPr>
+        <p:txBody>
+          <a:bodyPr>
+            <a:normAutofit/>
+          </a:bodyPr>
+          <a:lstStyle/>
+          <a:p>
+            <a:pPr marL="0" indent="0">
+              <a:buNone/>
+            </a:pPr>
+            <a:r>
+              <a:rPr lang="en-US" dirty="0"/>
+              <a:t>1.  </a:t>
+            </a:r>
+            <a:r>
+              <a:rPr lang="en-US" altLang="zh-CN" dirty="0"/>
+              <a:t>I</a:t>
+            </a:r>
+            <a:r>
+              <a:rPr lang="en-US" dirty="0"/>
+              <a:t>mplement a benchmark to measure the effect of memory access footprint. align the inner loop with the size of the L1 cache</a:t>
+            </a:r>
+            <a:r>
+              <a:rPr lang="en-US" altLang="zh-CN" dirty="0"/>
+              <a:t>,</a:t>
+            </a:r>
+            <a:r>
+              <a:rPr lang="zh-CN" altLang="en-US" dirty="0"/>
+              <a:t> </a:t>
+            </a:r>
+            <a:r>
+              <a:rPr lang="en-US" dirty="0"/>
+              <a:t>and align the outer loop with</a:t>
+            </a:r>
+            <a:r>
+              <a:rPr lang="zh-CN" altLang="en-US" dirty="0"/>
+              <a:t> </a:t>
+            </a:r>
+            <a:r>
+              <a:rPr lang="en-US" dirty="0"/>
+              <a:t>the size of the L2 cache</a:t>
+            </a:r>
+            <a:r>
+              <a:rPr lang="zh-CN" altLang="en-US" dirty="0"/>
+              <a:t> √</a:t>
+            </a:r>
+            <a:endParaRPr lang="ja-JP" altLang="en-US"/>
+          </a:p>
+          <a:p>
+            <a:pPr marL="0" indent="0">
+              <a:buNone/>
+            </a:pPr>
+            <a:r>
+              <a:rPr lang="en-US" altLang="ja-JP" dirty="0"/>
+              <a:t>2.</a:t>
+            </a:r>
+            <a:r>
+              <a:rPr lang="zh-CN" altLang="en-US" dirty="0"/>
+              <a:t> </a:t>
+            </a:r>
+            <a:r>
+              <a:rPr lang="en-US" altLang="zh-CN" dirty="0"/>
+              <a:t>I</a:t>
+            </a:r>
+            <a:r>
+              <a:rPr lang="en-US" dirty="0"/>
+              <a:t>mplement MM using the Strassen algorithm to reduce the theoretical FLOPs.</a:t>
+            </a:r>
+            <a:r>
+              <a:rPr lang="zh-CN" altLang="en-US" dirty="0"/>
+              <a:t>√</a:t>
+            </a:r>
+            <a:endParaRPr lang="en-US" dirty="0"/>
+          </a:p>
+          <a:p>
+            <a:pPr marL="0" indent="0">
+              <a:buNone/>
+            </a:pPr>
+            <a:r>
+              <a:rPr lang="en-US" dirty="0"/>
+              <a:t>3. On the foundation of the Strassen algorithm, we use Strassen to calculate 64x64  matrix block multiplication.</a:t>
+            </a:r>
+            <a:r>
+              <a:rPr lang="zh-CN" altLang="en-US" dirty="0"/>
+              <a:t> √</a:t>
+            </a:r>
+            <a:endParaRPr lang="en-US" altLang="zh-CN" dirty="0"/>
+          </a:p>
+          <a:p>
+            <a:pPr marL="0" indent="0">
+              <a:buNone/>
+            </a:pPr>
+            <a:r>
+              <a:rPr lang="en-US" altLang="zh-CN" dirty="0"/>
+              <a:t>4.</a:t>
+            </a:r>
+            <a:r>
+              <a:rPr lang="zh-CN" altLang="en-US" dirty="0"/>
+              <a:t> </a:t>
+            </a:r>
+            <a:r>
+              <a:rPr lang="en-US" altLang="zh-CN" dirty="0"/>
+              <a:t>Combine</a:t>
+            </a:r>
+            <a:r>
+              <a:rPr lang="zh-CN" altLang="en-US" dirty="0"/>
+              <a:t> </a:t>
+            </a:r>
+            <a:r>
+              <a:rPr lang="en-US" altLang="zh-CN" dirty="0"/>
+              <a:t>existing</a:t>
+            </a:r>
+            <a:r>
+              <a:rPr lang="zh-CN" altLang="en-US" dirty="0"/>
+              <a:t> </a:t>
+            </a:r>
+            <a:r>
+              <a:rPr lang="en-US" altLang="zh-CN" dirty="0"/>
+              <a:t>method</a:t>
+            </a:r>
+            <a:r>
+              <a:rPr lang="zh-CN" altLang="en-US" dirty="0"/>
+              <a:t> </a:t>
+            </a:r>
+            <a:r>
+              <a:rPr lang="en-US" altLang="zh-CN" dirty="0"/>
+              <a:t>to</a:t>
+            </a:r>
+            <a:r>
+              <a:rPr lang="zh-CN" altLang="en-US" dirty="0"/>
+              <a:t> </a:t>
+            </a:r>
+            <a:r>
+              <a:rPr lang="en-US" altLang="zh-CN" dirty="0"/>
+              <a:t>achieve</a:t>
+            </a:r>
+            <a:r>
+              <a:rPr lang="zh-CN" altLang="en-US" dirty="0"/>
+              <a:t> </a:t>
+            </a:r>
+            <a:r>
+              <a:rPr lang="en-US" altLang="zh-CN" dirty="0"/>
+              <a:t>the</a:t>
+            </a:r>
+            <a:r>
+              <a:rPr lang="zh-CN" altLang="en-US" dirty="0"/>
+              <a:t> </a:t>
+            </a:r>
+            <a:r>
+              <a:rPr lang="en-US" altLang="zh-CN" dirty="0"/>
+              <a:t>NumPy</a:t>
+            </a:r>
+            <a:r>
+              <a:rPr lang="zh-CN" altLang="en-US" dirty="0"/>
+              <a:t> </a:t>
+            </a:r>
+            <a:r>
+              <a:rPr lang="en-US" altLang="zh-CN" dirty="0"/>
+              <a:t>performance</a:t>
+            </a:r>
+            <a:r>
+              <a:rPr lang="zh-CN" altLang="en-US" dirty="0"/>
+              <a:t> </a:t>
+            </a:r>
+            <a:r>
+              <a:rPr lang="en-US" altLang="zh-CN" dirty="0"/>
+              <a:t>3.27- 4.10</a:t>
+            </a:r>
+          </a:p>
+          <a:p>
+            <a:pPr marL="0" indent="0">
+              <a:buNone/>
+            </a:pPr>
+            <a:r>
+              <a:rPr lang="en-US" altLang="zh-CN" dirty="0"/>
+              <a:t>5.</a:t>
+            </a:r>
+            <a:r>
+              <a:rPr lang="zh-CN" altLang="en-US" dirty="0"/>
+              <a:t> </a:t>
+            </a:r>
+            <a:r>
+              <a:rPr lang="en-US" altLang="zh-CN" dirty="0"/>
+              <a:t>Apply our MM to practical NNs and evaluate its performance.</a:t>
+            </a:r>
+            <a:r>
+              <a:rPr lang="zh-CN" altLang="en-US" dirty="0"/>
+              <a:t> </a:t>
+            </a:r>
+            <a:r>
+              <a:rPr lang="en-US" altLang="zh-CN" dirty="0"/>
+              <a:t>4.10-4.22 </a:t>
+            </a:r>
+          </a:p>
+          <a:p>
+            <a:pPr marL="0" indent="0">
+              <a:buNone/>
+            </a:pPr>
+            <a:r>
+              <a:rPr lang="en-US" altLang="zh-CN" dirty="0"/>
+              <a:t>6.</a:t>
+            </a:r>
+            <a:r>
+              <a:rPr lang="zh-CN" altLang="en-US" dirty="0"/>
+              <a:t> </a:t>
+            </a:r>
+            <a:r>
+              <a:rPr lang="en-US" altLang="zh-CN" dirty="0"/>
+              <a:t>Implement our method on GPU with TVM.</a:t>
+            </a:r>
+            <a:r>
+              <a:rPr lang="zh-CN" altLang="en-US" dirty="0"/>
+              <a:t> </a:t>
+            </a:r>
+            <a:r>
+              <a:rPr lang="en-US" altLang="zh-CN" dirty="0"/>
+              <a:t>4.22 - 5.6</a:t>
+            </a:r>
+            <a:endParaRPr lang="en-US" dirty="0"/>
+          </a:p>
+        </p:txBody>
+      </p:sp>
+    </p:spTree>
+    <p:extLst>
+      <p:ext uri="{BB962C8B-B14F-4D97-AF65-F5344CB8AC3E}">
+        <p14:creationId xmlns:p14="http://schemas.microsoft.com/office/powerpoint/2010/main" val="1522444265"/>
+      </p:ext>
+    </p:extLst>
+  </p:cSld>
+  <p:clrMapOvr>
+    <a:masterClrMapping/>
+  </p:clrMapOvr>
+</p:sld>
+</file>
+
 <file path=ppt/slides/slide2.xml><?xml version="1.0" encoding="utf-8"?>
 <p:sld xmlns:a="http://schemas.openxmlformats.org/drawingml/2006/main" xmlns:r="http://schemas.openxmlformats.org/officeDocument/2006/relationships" xmlns:p="http://schemas.openxmlformats.org/presentationml/2006/main">
   <p:cSld>
@@ -4024,7 +8336,12 @@
             <p:ph type="title"/>
           </p:nvPr>
         </p:nvSpPr>
-        <p:spPr/>
+        <p:spPr>
+          <a:xfrm>
+            <a:off x="838200" y="365125"/>
+            <a:ext cx="6594987" cy="1325563"/>
+          </a:xfrm>
+        </p:spPr>
         <p:txBody>
           <a:bodyPr/>
           <a:lstStyle/>
@@ -4072,7 +8389,7 @@
           <a:p>
             <a:r>
               <a:rPr lang="en-US" dirty="0"/>
-              <a:t>Accelerating matrix multiplication computation time is essential for deep neural network training and inference.</a:t>
+              <a:t>Accelerating matrix multiplication computation is essential for deep neural network training and inference.</a:t>
             </a:r>
             <a:endParaRPr lang="en-SA" dirty="0"/>
           </a:p>
@@ -4143,67 +8460,12 @@
           </a:p>
         </p:txBody>
       </p:sp>
-      <p:sp>
-        <p:nvSpPr>
-          <p:cNvPr id="4" name="Content Placeholder 3">
-            <a:extLst>
-              <a:ext uri="{FF2B5EF4-FFF2-40B4-BE49-F238E27FC236}">
-                <a16:creationId xmlns:a16="http://schemas.microsoft.com/office/drawing/2014/main" id="{6F743BF8-069C-7C77-93A0-35FE18C86EC3}"/>
-              </a:ext>
-            </a:extLst>
-          </p:cNvPr>
-          <p:cNvSpPr>
-            <a:spLocks noGrp="1"/>
-          </p:cNvSpPr>
-          <p:nvPr>
-            <p:ph idx="1"/>
-          </p:nvPr>
-        </p:nvSpPr>
-        <p:spPr/>
-        <p:txBody>
-          <a:bodyPr/>
-          <a:lstStyle/>
-          <a:p>
-            <a:r>
-              <a:rPr lang="en-US" altLang="zh-CN" dirty="0"/>
-              <a:t>Strassen</a:t>
-            </a:r>
-            <a:r>
-              <a:rPr lang="zh-CN" altLang="en-US" dirty="0"/>
-              <a:t> </a:t>
-            </a:r>
-            <a:r>
-              <a:rPr lang="en-US" b="0" i="0" dirty="0">
-                <a:solidFill>
-                  <a:srgbClr val="202122"/>
-                </a:solidFill>
-                <a:effectLst/>
-                <a:latin typeface="Arial" panose="020B0604020202020204" pitchFamily="34" charset="0"/>
-              </a:rPr>
-              <a:t>is faster than the standard matrix multiplication algorithm for large matrices</a:t>
-            </a:r>
-            <a:r>
-              <a:rPr lang="en-US" altLang="zh-CN" b="0" i="0" dirty="0">
-                <a:solidFill>
-                  <a:srgbClr val="202122"/>
-                </a:solidFill>
-                <a:effectLst/>
-                <a:latin typeface="Arial" panose="020B0604020202020204" pitchFamily="34" charset="0"/>
-              </a:rPr>
-              <a:t>.</a:t>
-            </a:r>
-          </a:p>
-          <a:p>
-            <a:endParaRPr lang="en-SA" dirty="0"/>
-          </a:p>
-        </p:txBody>
-      </p:sp>
       <p:pic>
         <p:nvPicPr>
-          <p:cNvPr id="6" name="Picture 5">
-            <a:extLst>
-              <a:ext uri="{FF2B5EF4-FFF2-40B4-BE49-F238E27FC236}">
-                <a16:creationId xmlns:a16="http://schemas.microsoft.com/office/drawing/2014/main" id="{5AFB0F31-4889-1DFB-AB60-F1F70C54FAA9}"/>
+          <p:cNvPr id="5" name="Picture 4">
+            <a:extLst>
+              <a:ext uri="{FF2B5EF4-FFF2-40B4-BE49-F238E27FC236}">
+                <a16:creationId xmlns:a16="http://schemas.microsoft.com/office/drawing/2014/main" id="{5D01BF58-5C69-35C7-D075-893F6856B919}"/>
               </a:ext>
             </a:extLst>
           </p:cNvPr>
@@ -4212,21 +8474,328 @@
           </p:cNvPicPr>
           <p:nvPr/>
         </p:nvPicPr>
-        <p:blipFill rotWithShape="1">
+        <p:blipFill>
           <a:blip r:embed="rId2"/>
-          <a:srcRect r="935" b="14091"/>
-          <a:stretch/>
+          <a:stretch>
+            <a:fillRect/>
+          </a:stretch>
         </p:blipFill>
         <p:spPr>
           <a:xfrm>
-            <a:off x="2866640" y="3312445"/>
-            <a:ext cx="5858616" cy="446268"/>
+            <a:off x="838200" y="1825626"/>
+            <a:ext cx="7106107" cy="817516"/>
           </a:xfrm>
           <a:prstGeom prst="rect">
             <a:avLst/>
           </a:prstGeom>
         </p:spPr>
       </p:pic>
+      <p:sp>
+        <p:nvSpPr>
+          <p:cNvPr id="8" name="TextBox 7">
+            <a:extLst>
+              <a:ext uri="{FF2B5EF4-FFF2-40B4-BE49-F238E27FC236}">
+                <a16:creationId xmlns:a16="http://schemas.microsoft.com/office/drawing/2014/main" id="{F217114D-F1A5-FCFE-AEF4-D07D67058DBE}"/>
+              </a:ext>
+            </a:extLst>
+          </p:cNvPr>
+          <p:cNvSpPr txBox="1"/>
+          <p:nvPr/>
+        </p:nvSpPr>
+        <p:spPr>
+          <a:xfrm>
+            <a:off x="932379" y="1482857"/>
+            <a:ext cx="6097712" cy="369332"/>
+          </a:xfrm>
+          <a:prstGeom prst="rect">
+            <a:avLst/>
+          </a:prstGeom>
+          <a:noFill/>
+        </p:spPr>
+        <p:txBody>
+          <a:bodyPr wrap="square">
+            <a:spAutoFit/>
+          </a:bodyPr>
+          <a:lstStyle/>
+          <a:p>
+            <a:r>
+              <a:rPr lang="en-US" b="0" i="0" dirty="0">
+                <a:solidFill>
+                  <a:srgbClr val="202122"/>
+                </a:solidFill>
+                <a:effectLst/>
+                <a:latin typeface="Arial" panose="020B0604020202020204" pitchFamily="34" charset="0"/>
+              </a:rPr>
+              <a:t>The naive algorithm</a:t>
+            </a:r>
+            <a:endParaRPr lang="en-SA" dirty="0"/>
+          </a:p>
+        </p:txBody>
+      </p:sp>
+      <p:pic>
+        <p:nvPicPr>
+          <p:cNvPr id="10" name="Picture 9">
+            <a:extLst>
+              <a:ext uri="{FF2B5EF4-FFF2-40B4-BE49-F238E27FC236}">
+                <a16:creationId xmlns:a16="http://schemas.microsoft.com/office/drawing/2014/main" id="{5BF996C9-CB32-AEEB-EEE2-7F2E28A052EF}"/>
+              </a:ext>
+            </a:extLst>
+          </p:cNvPr>
+          <p:cNvPicPr>
+            <a:picLocks noChangeAspect="1"/>
+          </p:cNvPicPr>
+          <p:nvPr/>
+        </p:nvPicPr>
+        <p:blipFill>
+          <a:blip r:embed="rId3"/>
+          <a:stretch>
+            <a:fillRect/>
+          </a:stretch>
+        </p:blipFill>
+        <p:spPr>
+          <a:xfrm>
+            <a:off x="600586" y="3294252"/>
+            <a:ext cx="3525188" cy="2404276"/>
+          </a:xfrm>
+          <a:prstGeom prst="rect">
+            <a:avLst/>
+          </a:prstGeom>
+        </p:spPr>
+      </p:pic>
+      <p:sp>
+        <p:nvSpPr>
+          <p:cNvPr id="14" name="TextBox 13">
+            <a:extLst>
+              <a:ext uri="{FF2B5EF4-FFF2-40B4-BE49-F238E27FC236}">
+                <a16:creationId xmlns:a16="http://schemas.microsoft.com/office/drawing/2014/main" id="{44839DEE-CE14-824C-33B5-BCA489CEE742}"/>
+              </a:ext>
+            </a:extLst>
+          </p:cNvPr>
+          <p:cNvSpPr txBox="1"/>
+          <p:nvPr/>
+        </p:nvSpPr>
+        <p:spPr>
+          <a:xfrm>
+            <a:off x="932379" y="2732127"/>
+            <a:ext cx="6097712" cy="369332"/>
+          </a:xfrm>
+          <a:prstGeom prst="rect">
+            <a:avLst/>
+          </a:prstGeom>
+          <a:noFill/>
+        </p:spPr>
+        <p:txBody>
+          <a:bodyPr wrap="square">
+            <a:spAutoFit/>
+          </a:bodyPr>
+          <a:lstStyle/>
+          <a:p>
+            <a:r>
+              <a:rPr lang="en-US" b="0" i="0" dirty="0">
+                <a:solidFill>
+                  <a:srgbClr val="202122"/>
+                </a:solidFill>
+                <a:effectLst/>
+                <a:latin typeface="Arial" panose="020B0604020202020204" pitchFamily="34" charset="0"/>
+              </a:rPr>
+              <a:t>The Strassen algorithm</a:t>
+            </a:r>
+            <a:endParaRPr lang="en-SA" dirty="0"/>
+          </a:p>
+        </p:txBody>
+      </p:sp>
+      <p:pic>
+        <p:nvPicPr>
+          <p:cNvPr id="16" name="Picture 15">
+            <a:extLst>
+              <a:ext uri="{FF2B5EF4-FFF2-40B4-BE49-F238E27FC236}">
+                <a16:creationId xmlns:a16="http://schemas.microsoft.com/office/drawing/2014/main" id="{52A5A535-A24A-4668-D138-CD1AE4B450EB}"/>
+              </a:ext>
+            </a:extLst>
+          </p:cNvPr>
+          <p:cNvPicPr>
+            <a:picLocks noChangeAspect="1"/>
+          </p:cNvPicPr>
+          <p:nvPr/>
+        </p:nvPicPr>
+        <p:blipFill>
+          <a:blip r:embed="rId4"/>
+          <a:stretch>
+            <a:fillRect/>
+          </a:stretch>
+        </p:blipFill>
+        <p:spPr>
+          <a:xfrm>
+            <a:off x="4988819" y="3354804"/>
+            <a:ext cx="6849438" cy="803476"/>
+          </a:xfrm>
+          <a:prstGeom prst="rect">
+            <a:avLst/>
+          </a:prstGeom>
+        </p:spPr>
+      </p:pic>
+      <p:sp>
+        <p:nvSpPr>
+          <p:cNvPr id="18" name="TextBox 17">
+            <a:extLst>
+              <a:ext uri="{FF2B5EF4-FFF2-40B4-BE49-F238E27FC236}">
+                <a16:creationId xmlns:a16="http://schemas.microsoft.com/office/drawing/2014/main" id="{DF99EBF3-802F-C328-E7A1-46E3E6E3E2C0}"/>
+              </a:ext>
+            </a:extLst>
+          </p:cNvPr>
+          <p:cNvSpPr txBox="1"/>
+          <p:nvPr/>
+        </p:nvSpPr>
+        <p:spPr>
+          <a:xfrm>
+            <a:off x="5017372" y="4728812"/>
+            <a:ext cx="6097712" cy="646331"/>
+          </a:xfrm>
+          <a:prstGeom prst="rect">
+            <a:avLst/>
+          </a:prstGeom>
+          <a:noFill/>
+        </p:spPr>
+        <p:txBody>
+          <a:bodyPr wrap="square">
+            <a:spAutoFit/>
+          </a:bodyPr>
+          <a:lstStyle/>
+          <a:p>
+            <a:r>
+              <a:rPr lang="en-US" altLang="zh-CN" dirty="0"/>
+              <a:t>Strassen</a:t>
+            </a:r>
+            <a:r>
+              <a:rPr lang="zh-CN" altLang="en-US" dirty="0"/>
+              <a:t> </a:t>
+            </a:r>
+            <a:r>
+              <a:rPr lang="en-US" altLang="zh-CN" dirty="0"/>
+              <a:t>has</a:t>
+            </a:r>
+            <a:r>
+              <a:rPr lang="zh-CN" altLang="en-US" dirty="0"/>
+              <a:t> </a:t>
+            </a:r>
+            <a:r>
+              <a:rPr lang="en-US" altLang="zh-CN" dirty="0"/>
+              <a:t>only</a:t>
+            </a:r>
+            <a:r>
+              <a:rPr lang="zh-CN" altLang="en-US" dirty="0"/>
+              <a:t> </a:t>
+            </a:r>
+            <a:r>
+              <a:rPr lang="en-US" altLang="zh-CN" dirty="0"/>
+              <a:t>7</a:t>
+            </a:r>
+            <a:r>
+              <a:rPr lang="zh-CN" altLang="en-US" dirty="0"/>
+              <a:t> </a:t>
+            </a:r>
+            <a:r>
+              <a:rPr lang="en-US" altLang="zh-CN" dirty="0"/>
+              <a:t>multiplications</a:t>
+            </a:r>
+            <a:r>
+              <a:rPr lang="en-US" b="0" i="0" dirty="0">
+                <a:solidFill>
+                  <a:srgbClr val="202122"/>
+                </a:solidFill>
+                <a:effectLst/>
+                <a:latin typeface="Arial" panose="020B0604020202020204" pitchFamily="34" charset="0"/>
+              </a:rPr>
+              <a:t> instead of 8</a:t>
+            </a:r>
+          </a:p>
+          <a:p>
+            <a:r>
+              <a:rPr lang="en-US" altLang="zh-CN" dirty="0">
+                <a:solidFill>
+                  <a:srgbClr val="202122"/>
+                </a:solidFill>
+                <a:latin typeface="Arial" panose="020B0604020202020204" pitchFamily="34" charset="0"/>
+              </a:rPr>
+              <a:t>But</a:t>
+            </a:r>
+            <a:r>
+              <a:rPr lang="zh-CN" altLang="en-US" dirty="0">
+                <a:solidFill>
+                  <a:srgbClr val="202122"/>
+                </a:solidFill>
+                <a:latin typeface="Arial" panose="020B0604020202020204" pitchFamily="34" charset="0"/>
+              </a:rPr>
+              <a:t> </a:t>
+            </a:r>
+            <a:r>
+              <a:rPr lang="en-US" altLang="zh-CN" dirty="0">
+                <a:solidFill>
+                  <a:srgbClr val="202122"/>
+                </a:solidFill>
+                <a:latin typeface="Arial" panose="020B0604020202020204" pitchFamily="34" charset="0"/>
+              </a:rPr>
+              <a:t>have</a:t>
+            </a:r>
+            <a:r>
+              <a:rPr lang="zh-CN" altLang="en-US" dirty="0">
+                <a:solidFill>
+                  <a:srgbClr val="202122"/>
+                </a:solidFill>
+                <a:latin typeface="Arial" panose="020B0604020202020204" pitchFamily="34" charset="0"/>
+              </a:rPr>
+              <a:t> </a:t>
+            </a:r>
+            <a:r>
+              <a:rPr lang="en-US" altLang="zh-CN" dirty="0">
+                <a:solidFill>
+                  <a:srgbClr val="202122"/>
+                </a:solidFill>
+                <a:latin typeface="Arial" panose="020B0604020202020204" pitchFamily="34" charset="0"/>
+              </a:rPr>
+              <a:t>18</a:t>
+            </a:r>
+            <a:r>
+              <a:rPr lang="en-SA" b="0" i="0" dirty="0">
+                <a:solidFill>
+                  <a:srgbClr val="202122"/>
+                </a:solidFill>
+                <a:effectLst/>
+                <a:latin typeface="Arial" panose="020B0604020202020204" pitchFamily="34" charset="0"/>
+              </a:rPr>
+              <a:t> </a:t>
+            </a:r>
+            <a:r>
+              <a:rPr lang="en-US" altLang="zh-CN" dirty="0">
+                <a:solidFill>
+                  <a:srgbClr val="202122"/>
+                </a:solidFill>
+                <a:latin typeface="Arial" panose="020B0604020202020204" pitchFamily="34" charset="0"/>
+              </a:rPr>
+              <a:t>matrix</a:t>
+            </a:r>
+            <a:r>
+              <a:rPr lang="zh-CN" altLang="en-US" dirty="0">
+                <a:solidFill>
+                  <a:srgbClr val="202122"/>
+                </a:solidFill>
+                <a:latin typeface="Arial" panose="020B0604020202020204" pitchFamily="34" charset="0"/>
+              </a:rPr>
+              <a:t> </a:t>
+            </a:r>
+            <a:r>
+              <a:rPr lang="en-US" altLang="zh-CN" dirty="0">
+                <a:solidFill>
+                  <a:srgbClr val="202122"/>
+                </a:solidFill>
+                <a:latin typeface="Arial" panose="020B0604020202020204" pitchFamily="34" charset="0"/>
+              </a:rPr>
+              <a:t>additions</a:t>
+            </a:r>
+            <a:endParaRPr lang="en-US" altLang="zh-CN" dirty="0"/>
+          </a:p>
+        </p:txBody>
+      </p:sp>
     </p:spTree>
     <p:extLst>
       <p:ext uri="{BB962C8B-B14F-4D97-AF65-F5344CB8AC3E}">
@@ -4262,7 +8831,7 @@
           <p:cNvPr id="2" name="Title 1">
             <a:extLst>
               <a:ext uri="{FF2B5EF4-FFF2-40B4-BE49-F238E27FC236}">
-                <a16:creationId xmlns:a16="http://schemas.microsoft.com/office/drawing/2014/main" id="{CE167ED6-4D6E-B3EE-F782-289ABF5DF8D7}"/>
+                <a16:creationId xmlns:a16="http://schemas.microsoft.com/office/drawing/2014/main" id="{E09D4987-B04D-CF67-B1AF-EE32B9DBC3A7}"/>
               </a:ext>
             </a:extLst>
           </p:cNvPr>
@@ -4273,20 +8842,27 @@
             <p:ph type="title"/>
           </p:nvPr>
         </p:nvSpPr>
-        <p:spPr/>
+        <p:spPr>
+          <a:xfrm>
+            <a:off x="838200" y="365125"/>
+            <a:ext cx="4304071" cy="1325563"/>
+          </a:xfrm>
+        </p:spPr>
         <p:txBody>
           <a:bodyPr/>
           <a:lstStyle/>
           <a:p>
             <a:r>
-              <a:rPr lang="en-US" b="0" i="0" dirty="0">
-                <a:solidFill>
-                  <a:srgbClr val="000000"/>
-                </a:solidFill>
-                <a:effectLst/>
-                <a:latin typeface="Roboto" panose="02000000000000000000" pitchFamily="2" charset="0"/>
-              </a:rPr>
-              <a:t>A positive startling statement</a:t>
+              <a:rPr lang="en-US" altLang="zh-CN" dirty="0"/>
+              <a:t>Previous</a:t>
+            </a:r>
+            <a:r>
+              <a:rPr lang="zh-CN" altLang="en-US" dirty="0"/>
+              <a:t> </a:t>
+            </a:r>
+            <a:r>
+              <a:rPr lang="en-US" altLang="zh-CN" dirty="0"/>
+              <a:t>works</a:t>
             </a:r>
             <a:endParaRPr lang="en-SA" dirty="0"/>
           </a:p>
@@ -4297,7 +8873,7 @@
           <p:cNvPr id="3" name="Content Placeholder 2">
             <a:extLst>
               <a:ext uri="{FF2B5EF4-FFF2-40B4-BE49-F238E27FC236}">
-                <a16:creationId xmlns:a16="http://schemas.microsoft.com/office/drawing/2014/main" id="{F2167783-A4D2-B36F-C252-A794E77C873E}"/>
+                <a16:creationId xmlns:a16="http://schemas.microsoft.com/office/drawing/2014/main" id="{F0AFFD8E-37FB-2EAB-3975-E222EA017F39}"/>
               </a:ext>
             </a:extLst>
           </p:cNvPr>
@@ -4308,14 +8884,22 @@
             <p:ph idx="1"/>
           </p:nvPr>
         </p:nvSpPr>
-        <p:spPr/>
+        <p:spPr>
+          <a:xfrm>
+            <a:off x="838199" y="1825625"/>
+            <a:ext cx="11039169" cy="2903691"/>
+          </a:xfrm>
+        </p:spPr>
         <p:txBody>
           <a:bodyPr/>
           <a:lstStyle/>
           <a:p>
-            <a:r>
-              <a:rPr lang="en-US" altLang="zh-CN" dirty="0"/>
-              <a:t>L2</a:t>
+            <a:pPr marL="0" indent="0">
+              <a:buNone/>
+            </a:pPr>
+            <a:r>
+              <a:rPr lang="en-US" altLang="zh-CN" dirty="0"/>
+              <a:t>Previous</a:t>
             </a:r>
             <a:r>
               <a:rPr lang="zh-CN" altLang="en-US" dirty="0"/>
@@ -4323,11 +8907,313 @@
             </a:r>
             <a:r>
               <a:rPr lang="en-US" altLang="zh-CN" dirty="0"/>
-              <a:t>can</a:t>
+              <a:t>work</a:t>
             </a:r>
             <a:r>
               <a:rPr lang="zh-CN" altLang="en-US" dirty="0"/>
               <a:t> </a:t>
+            </a:r>
+            <a:r>
+              <a:rPr lang="en-US" altLang="zh-CN" dirty="0"/>
+              <a:t>[1]</a:t>
+            </a:r>
+            <a:r>
+              <a:rPr lang="zh-CN" altLang="en-US" dirty="0"/>
+              <a:t> </a:t>
+            </a:r>
+            <a:r>
+              <a:rPr lang="en-US" dirty="0"/>
+              <a:t>shows Strassen algorithm can benefit in their Convolutional MM</a:t>
+            </a:r>
+            <a:r>
+              <a:rPr lang="en-US" altLang="zh-CN" dirty="0"/>
+              <a:t>.</a:t>
+            </a:r>
+            <a:r>
+              <a:rPr lang="zh-CN" altLang="en-US" dirty="0"/>
+              <a:t> </a:t>
+            </a:r>
+            <a:r>
+              <a:rPr lang="en-US" altLang="zh-CN" dirty="0"/>
+              <a:t>However,</a:t>
+            </a:r>
+            <a:r>
+              <a:rPr lang="zh-CN" altLang="en-US" dirty="0"/>
+              <a:t> </a:t>
+            </a:r>
+            <a:r>
+              <a:rPr lang="en-US" dirty="0"/>
+              <a:t>for the Normal MM, they don‘t consider cache</a:t>
+            </a:r>
+            <a:r>
+              <a:rPr lang="en-US" altLang="zh-CN" dirty="0"/>
+              <a:t>-aware</a:t>
+            </a:r>
+            <a:r>
+              <a:rPr lang="zh-CN" altLang="en-US" dirty="0"/>
+              <a:t> </a:t>
+            </a:r>
+            <a:r>
+              <a:rPr lang="en-US" altLang="zh-CN" dirty="0"/>
+              <a:t>optimization</a:t>
+            </a:r>
+            <a:r>
+              <a:rPr lang="en-US" dirty="0"/>
+              <a:t>.</a:t>
+            </a:r>
+          </a:p>
+          <a:p>
+            <a:pPr marL="0" indent="0">
+              <a:buNone/>
+            </a:pPr>
+            <a:endParaRPr lang="en-US" dirty="0"/>
+          </a:p>
+          <a:p>
+            <a:pPr marL="0" indent="0">
+              <a:buNone/>
+            </a:pPr>
+            <a:r>
+              <a:rPr lang="en-US" altLang="zh-CN" dirty="0"/>
+              <a:t>Previous</a:t>
+            </a:r>
+            <a:r>
+              <a:rPr lang="zh-CN" altLang="en-US" dirty="0"/>
+              <a:t> </a:t>
+            </a:r>
+            <a:r>
+              <a:rPr lang="en-US" altLang="zh-CN" dirty="0"/>
+              <a:t>work</a:t>
+            </a:r>
+            <a:r>
+              <a:rPr lang="zh-CN" altLang="en-US" dirty="0"/>
+              <a:t> </a:t>
+            </a:r>
+            <a:r>
+              <a:rPr lang="en-US" altLang="zh-CN" dirty="0"/>
+              <a:t>[2]</a:t>
+            </a:r>
+            <a:r>
+              <a:rPr lang="zh-CN" altLang="en-US" dirty="0"/>
+              <a:t> </a:t>
+            </a:r>
+            <a:r>
+              <a:rPr lang="en-US" altLang="zh-CN" dirty="0"/>
+              <a:t>claims</a:t>
+            </a:r>
+            <a:r>
+              <a:rPr lang="zh-CN" altLang="en-US" dirty="0"/>
+              <a:t> </a:t>
+            </a:r>
+            <a:r>
+              <a:rPr lang="en-US" dirty="0"/>
+              <a:t>the Strassen algorithm still cannot bring too many benefits</a:t>
+            </a:r>
+            <a:r>
+              <a:rPr lang="en-US" altLang="zh-CN" dirty="0"/>
+              <a:t>.</a:t>
+            </a:r>
+            <a:endParaRPr lang="en-SA" dirty="0"/>
+          </a:p>
+        </p:txBody>
+      </p:sp>
+      <p:sp>
+        <p:nvSpPr>
+          <p:cNvPr id="5" name="TextBox 4">
+            <a:extLst>
+              <a:ext uri="{FF2B5EF4-FFF2-40B4-BE49-F238E27FC236}">
+                <a16:creationId xmlns:a16="http://schemas.microsoft.com/office/drawing/2014/main" id="{6AF2814E-D2D5-B8F1-D2DE-86A32BDD55DC}"/>
+              </a:ext>
+            </a:extLst>
+          </p:cNvPr>
+          <p:cNvSpPr txBox="1"/>
+          <p:nvPr/>
+        </p:nvSpPr>
+        <p:spPr>
+          <a:xfrm>
+            <a:off x="540774" y="5430163"/>
+            <a:ext cx="11110452" cy="1200329"/>
+          </a:xfrm>
+          <a:prstGeom prst="rect">
+            <a:avLst/>
+          </a:prstGeom>
+          <a:noFill/>
+        </p:spPr>
+        <p:txBody>
+          <a:bodyPr wrap="square">
+            <a:spAutoFit/>
+          </a:bodyPr>
+          <a:lstStyle/>
+          <a:p>
+            <a:r>
+              <a:rPr lang="en-US" altLang="zh-CN" b="0" i="0" dirty="0">
+                <a:solidFill>
+                  <a:srgbClr val="222222"/>
+                </a:solidFill>
+                <a:effectLst/>
+                <a:latin typeface="Arial" panose="020B0604020202020204" pitchFamily="34" charset="0"/>
+              </a:rPr>
+              <a:t>[1]</a:t>
+            </a:r>
+            <a:r>
+              <a:rPr lang="zh-CN" altLang="en-US" b="0" i="0" dirty="0">
+                <a:solidFill>
+                  <a:srgbClr val="222222"/>
+                </a:solidFill>
+                <a:effectLst/>
+                <a:latin typeface="Arial" panose="020B0604020202020204" pitchFamily="34" charset="0"/>
+              </a:rPr>
+              <a:t> </a:t>
+            </a:r>
+            <a:r>
+              <a:rPr lang="en-US" b="0" i="0" dirty="0">
+                <a:solidFill>
+                  <a:srgbClr val="222222"/>
+                </a:solidFill>
+                <a:effectLst/>
+                <a:latin typeface="Arial" panose="020B0604020202020204" pitchFamily="34" charset="0"/>
+              </a:rPr>
+              <a:t>Cong, Jason, and </a:t>
+            </a:r>
+            <a:r>
+              <a:rPr lang="en-US" b="0" i="0" dirty="0" err="1">
+                <a:solidFill>
+                  <a:srgbClr val="222222"/>
+                </a:solidFill>
+                <a:effectLst/>
+                <a:latin typeface="Arial" panose="020B0604020202020204" pitchFamily="34" charset="0"/>
+              </a:rPr>
+              <a:t>Bingjun</a:t>
+            </a:r>
+            <a:r>
+              <a:rPr lang="en-US" b="0" i="0" dirty="0">
+                <a:solidFill>
+                  <a:srgbClr val="222222"/>
+                </a:solidFill>
+                <a:effectLst/>
+                <a:latin typeface="Arial" panose="020B0604020202020204" pitchFamily="34" charset="0"/>
+              </a:rPr>
+              <a:t> Xiao. "Minimizing computation in convolutional neural networks." </a:t>
+            </a:r>
+            <a:r>
+              <a:rPr lang="en-US" b="0" i="1" dirty="0">
+                <a:solidFill>
+                  <a:srgbClr val="222222"/>
+                </a:solidFill>
+                <a:effectLst/>
+                <a:latin typeface="Arial" panose="020B0604020202020204" pitchFamily="34" charset="0"/>
+              </a:rPr>
+              <a:t>International conference on artificial neural networks</a:t>
+            </a:r>
+            <a:r>
+              <a:rPr lang="en-US" b="0" i="0" dirty="0">
+                <a:solidFill>
+                  <a:srgbClr val="222222"/>
+                </a:solidFill>
+                <a:effectLst/>
+                <a:latin typeface="Arial" panose="020B0604020202020204" pitchFamily="34" charset="0"/>
+              </a:rPr>
+              <a:t>. Cham: Springer International Publishing, 2014.</a:t>
+            </a:r>
+          </a:p>
+          <a:p>
+            <a:r>
+              <a:rPr lang="en-US" altLang="zh-CN" dirty="0">
+                <a:solidFill>
+                  <a:srgbClr val="222222"/>
+                </a:solidFill>
+                <a:latin typeface="Arial" panose="020B0604020202020204" pitchFamily="34" charset="0"/>
+              </a:rPr>
+              <a:t>[2]</a:t>
+            </a:r>
+            <a:r>
+              <a:rPr lang="en-US" b="0" i="0" dirty="0">
+                <a:solidFill>
+                  <a:srgbClr val="222222"/>
+                </a:solidFill>
+                <a:effectLst/>
+                <a:latin typeface="Arial" panose="020B0604020202020204" pitchFamily="34" charset="0"/>
+              </a:rPr>
+              <a:t> </a:t>
+            </a:r>
+            <a:r>
+              <a:rPr lang="en-US" b="0" i="0" dirty="0" err="1">
+                <a:solidFill>
+                  <a:srgbClr val="222222"/>
+                </a:solidFill>
+                <a:effectLst/>
+                <a:latin typeface="Arial" panose="020B0604020202020204" pitchFamily="34" charset="0"/>
+              </a:rPr>
+              <a:t>Chellapilla</a:t>
+            </a:r>
+            <a:r>
+              <a:rPr lang="en-US" b="0" i="0" dirty="0">
+                <a:solidFill>
+                  <a:srgbClr val="222222"/>
+                </a:solidFill>
+                <a:effectLst/>
+                <a:latin typeface="Arial" panose="020B0604020202020204" pitchFamily="34" charset="0"/>
+              </a:rPr>
+              <a:t>, Kumar, </a:t>
+            </a:r>
+            <a:r>
+              <a:rPr lang="en-US" b="0" i="0" dirty="0" err="1">
+                <a:solidFill>
+                  <a:srgbClr val="222222"/>
+                </a:solidFill>
+                <a:effectLst/>
+                <a:latin typeface="Arial" panose="020B0604020202020204" pitchFamily="34" charset="0"/>
+              </a:rPr>
+              <a:t>Sidd</a:t>
+            </a:r>
+            <a:r>
+              <a:rPr lang="en-US" b="0" i="0" dirty="0">
+                <a:solidFill>
+                  <a:srgbClr val="222222"/>
+                </a:solidFill>
+                <a:effectLst/>
+                <a:latin typeface="Arial" panose="020B0604020202020204" pitchFamily="34" charset="0"/>
+              </a:rPr>
+              <a:t> Puri, and Patrice Simard. "High performance convolutional neural networks for document processing." </a:t>
+            </a:r>
+            <a:r>
+              <a:rPr lang="en-US" b="0" i="1" dirty="0">
+                <a:solidFill>
+                  <a:srgbClr val="222222"/>
+                </a:solidFill>
+                <a:effectLst/>
+                <a:latin typeface="Arial" panose="020B0604020202020204" pitchFamily="34" charset="0"/>
+              </a:rPr>
+              <a:t>Tenth international workshop on frontiers in handwriting recognition</a:t>
+            </a:r>
+            <a:r>
+              <a:rPr lang="en-US" b="0" i="0" dirty="0">
+                <a:solidFill>
+                  <a:srgbClr val="222222"/>
+                </a:solidFill>
+                <a:effectLst/>
+                <a:latin typeface="Arial" panose="020B0604020202020204" pitchFamily="34" charset="0"/>
+              </a:rPr>
+              <a:t>. </a:t>
+            </a:r>
+            <a:r>
+              <a:rPr lang="en-US" b="0" i="0" dirty="0" err="1">
+                <a:solidFill>
+                  <a:srgbClr val="222222"/>
+                </a:solidFill>
+                <a:effectLst/>
+                <a:latin typeface="Arial" panose="020B0604020202020204" pitchFamily="34" charset="0"/>
+              </a:rPr>
+              <a:t>Suvisoft</a:t>
+            </a:r>
+            <a:r>
+              <a:rPr lang="en-US" b="0" i="0" dirty="0">
+                <a:solidFill>
+                  <a:srgbClr val="222222"/>
+                </a:solidFill>
+                <a:effectLst/>
+                <a:latin typeface="Arial" panose="020B0604020202020204" pitchFamily="34" charset="0"/>
+              </a:rPr>
+              <a:t>, 2006.</a:t>
             </a:r>
             <a:endParaRPr lang="en-SA" dirty="0"/>
           </a:p>
@@ -4336,7 +9222,7 @@
     </p:spTree>
     <p:extLst>
       <p:ext uri="{BB962C8B-B14F-4D97-AF65-F5344CB8AC3E}">
-        <p14:creationId xmlns:p14="http://schemas.microsoft.com/office/powerpoint/2010/main" val="11906146"/>
+        <p14:creationId xmlns:p14="http://schemas.microsoft.com/office/powerpoint/2010/main" val="240646982"/>
       </p:ext>
     </p:extLst>
   </p:cSld>
@@ -4368,7 +9254,7 @@
           <p:cNvPr id="2" name="Title 1">
             <a:extLst>
               <a:ext uri="{FF2B5EF4-FFF2-40B4-BE49-F238E27FC236}">
-                <a16:creationId xmlns:a16="http://schemas.microsoft.com/office/drawing/2014/main" id="{8D762F97-92C6-5340-31FA-03D3AA1BE112}"/>
+                <a16:creationId xmlns:a16="http://schemas.microsoft.com/office/drawing/2014/main" id="{6AFA9D73-74F8-34C3-092C-5E2C05ECD44A}"/>
               </a:ext>
             </a:extLst>
           </p:cNvPr>
@@ -4385,8 +9271,14 @@
           <a:lstStyle/>
           <a:p>
             <a:r>
-              <a:rPr lang="en-US" altLang="zh-CN" dirty="0"/>
-              <a:t>Evaluation</a:t>
+              <a:rPr lang="en-US" altLang="zh-CN" b="0" i="0" dirty="0">
+                <a:solidFill>
+                  <a:srgbClr val="000000"/>
+                </a:solidFill>
+                <a:effectLst/>
+                <a:latin typeface="Roboto" panose="02000000000000000000" pitchFamily="2" charset="0"/>
+              </a:rPr>
+              <a:t>Motivation</a:t>
             </a:r>
             <a:endParaRPr lang="en-SA" dirty="0"/>
           </a:p>
@@ -4394,10 +9286,10 @@
       </p:sp>
       <p:sp>
         <p:nvSpPr>
-          <p:cNvPr id="3" name="Content Placeholder 2">
-            <a:extLst>
-              <a:ext uri="{FF2B5EF4-FFF2-40B4-BE49-F238E27FC236}">
-                <a16:creationId xmlns:a16="http://schemas.microsoft.com/office/drawing/2014/main" id="{5A53CC43-4A1D-AAF5-CE61-3B5ED85551DC}"/>
+          <p:cNvPr id="4" name="Content Placeholder 3">
+            <a:extLst>
+              <a:ext uri="{FF2B5EF4-FFF2-40B4-BE49-F238E27FC236}">
+                <a16:creationId xmlns:a16="http://schemas.microsoft.com/office/drawing/2014/main" id="{6F743BF8-069C-7C77-93A0-35FE18C86EC3}"/>
               </a:ext>
             </a:extLst>
           </p:cNvPr>
@@ -4408,23 +9300,309 @@
             <p:ph idx="1"/>
           </p:nvPr>
         </p:nvSpPr>
-        <p:spPr/>
+        <p:spPr>
+          <a:xfrm>
+            <a:off x="838200" y="1861858"/>
+            <a:ext cx="10515600" cy="1425772"/>
+          </a:xfrm>
+        </p:spPr>
         <p:txBody>
           <a:bodyPr/>
           <a:lstStyle/>
           <a:p>
-            <a:r>
-              <a:rPr lang="en-US" dirty="0"/>
-              <a:t>All the experiment results mentioned below, are executed on 2021’s 16’ MacBook equipped with Apple M1 Pro Chip. The cache line size should be 128 bytes.</a:t>
-            </a:r>
-            <a:endParaRPr lang="en-SA" dirty="0"/>
-          </a:p>
-        </p:txBody>
-      </p:sp>
+            <a:pPr marL="0" indent="0">
+              <a:buNone/>
+            </a:pPr>
+            <a:r>
+              <a:rPr lang="en-US" altLang="zh-CN" dirty="0">
+                <a:solidFill>
+                  <a:srgbClr val="202122"/>
+                </a:solidFill>
+                <a:latin typeface="Arial" panose="020B0604020202020204" pitchFamily="34" charset="0"/>
+              </a:rPr>
+              <a:t>Strassen</a:t>
+            </a:r>
+            <a:r>
+              <a:rPr lang="zh-CN" altLang="en-US" dirty="0">
+                <a:solidFill>
+                  <a:srgbClr val="202122"/>
+                </a:solidFill>
+                <a:latin typeface="Arial" panose="020B0604020202020204" pitchFamily="34" charset="0"/>
+              </a:rPr>
+              <a:t> </a:t>
+            </a:r>
+            <a:r>
+              <a:rPr lang="en-US" altLang="zh-CN" dirty="0">
+                <a:solidFill>
+                  <a:srgbClr val="202122"/>
+                </a:solidFill>
+                <a:latin typeface="Arial" panose="020B0604020202020204" pitchFamily="34" charset="0"/>
+              </a:rPr>
+              <a:t>is</a:t>
+            </a:r>
+            <a:r>
+              <a:rPr lang="zh-CN" altLang="en-US" dirty="0">
+                <a:solidFill>
+                  <a:srgbClr val="202122"/>
+                </a:solidFill>
+                <a:latin typeface="Arial" panose="020B0604020202020204" pitchFamily="34" charset="0"/>
+              </a:rPr>
+              <a:t> </a:t>
+            </a:r>
+            <a:r>
+              <a:rPr lang="en-US" b="0" i="0" dirty="0">
+                <a:solidFill>
+                  <a:srgbClr val="202122"/>
+                </a:solidFill>
+                <a:effectLst/>
+                <a:latin typeface="Arial" panose="020B0604020202020204" pitchFamily="34" charset="0"/>
+              </a:rPr>
+              <a:t>faster than the standard matrix multiplication algorithm for large matrices</a:t>
+            </a:r>
+            <a:r>
+              <a:rPr lang="en-US" altLang="zh-CN" b="0" i="0" dirty="0">
+                <a:solidFill>
+                  <a:srgbClr val="202122"/>
+                </a:solidFill>
+                <a:effectLst/>
+                <a:latin typeface="Arial" panose="020B0604020202020204" pitchFamily="34" charset="0"/>
+              </a:rPr>
+              <a:t>.</a:t>
+            </a:r>
+          </a:p>
+        </p:txBody>
+      </p:sp>
+      <p:pic>
+        <p:nvPicPr>
+          <p:cNvPr id="6" name="Picture 5">
+            <a:extLst>
+              <a:ext uri="{FF2B5EF4-FFF2-40B4-BE49-F238E27FC236}">
+                <a16:creationId xmlns:a16="http://schemas.microsoft.com/office/drawing/2014/main" id="{5AFB0F31-4889-1DFB-AB60-F1F70C54FAA9}"/>
+              </a:ext>
+            </a:extLst>
+          </p:cNvPr>
+          <p:cNvPicPr>
+            <a:picLocks noChangeAspect="1"/>
+          </p:cNvPicPr>
+          <p:nvPr/>
+        </p:nvPicPr>
+        <p:blipFill rotWithShape="1">
+          <a:blip r:embed="rId2"/>
+          <a:srcRect r="935" b="14091"/>
+          <a:stretch/>
+        </p:blipFill>
+        <p:spPr>
+          <a:xfrm>
+            <a:off x="3732116" y="3095678"/>
+            <a:ext cx="5858616" cy="446268"/>
+          </a:xfrm>
+          <a:prstGeom prst="rect">
+            <a:avLst/>
+          </a:prstGeom>
+        </p:spPr>
+      </p:pic>
+      <p:sp>
+        <p:nvSpPr>
+          <p:cNvPr id="8" name="TextBox 7">
+            <a:extLst>
+              <a:ext uri="{FF2B5EF4-FFF2-40B4-BE49-F238E27FC236}">
+                <a16:creationId xmlns:a16="http://schemas.microsoft.com/office/drawing/2014/main" id="{D8C3C1F3-DFD8-C552-327E-498F36123DB5}"/>
+              </a:ext>
+            </a:extLst>
+          </p:cNvPr>
+          <p:cNvSpPr txBox="1"/>
+          <p:nvPr/>
+        </p:nvSpPr>
+        <p:spPr>
+          <a:xfrm>
+            <a:off x="964253" y="3095678"/>
+            <a:ext cx="2767863" cy="369332"/>
+          </a:xfrm>
+          <a:prstGeom prst="rect">
+            <a:avLst/>
+          </a:prstGeom>
+          <a:noFill/>
+        </p:spPr>
+        <p:txBody>
+          <a:bodyPr wrap="square">
+            <a:spAutoFit/>
+          </a:bodyPr>
+          <a:lstStyle/>
+          <a:p>
+            <a:pPr marL="0" indent="0">
+              <a:buNone/>
+            </a:pPr>
+            <a:r>
+              <a:rPr lang="en-US" altLang="zh-CN" b="0" i="0" dirty="0">
+                <a:solidFill>
+                  <a:srgbClr val="202122"/>
+                </a:solidFill>
+                <a:effectLst/>
+                <a:latin typeface="Arial" panose="020B0604020202020204" pitchFamily="34" charset="0"/>
+              </a:rPr>
+              <a:t>Computation</a:t>
+            </a:r>
+            <a:r>
+              <a:rPr lang="zh-CN" altLang="en-US" b="0" i="0" dirty="0">
+                <a:solidFill>
+                  <a:srgbClr val="202122"/>
+                </a:solidFill>
+                <a:effectLst/>
+                <a:latin typeface="Arial" panose="020B0604020202020204" pitchFamily="34" charset="0"/>
+              </a:rPr>
+              <a:t> </a:t>
+            </a:r>
+            <a:r>
+              <a:rPr lang="en-US" altLang="zh-CN" b="0" i="0" dirty="0">
+                <a:solidFill>
+                  <a:srgbClr val="202122"/>
+                </a:solidFill>
+                <a:effectLst/>
+                <a:latin typeface="Arial" panose="020B0604020202020204" pitchFamily="34" charset="0"/>
+              </a:rPr>
+              <a:t>complexity:</a:t>
+            </a:r>
+          </a:p>
+        </p:txBody>
+      </p:sp>
+      <p:sp>
+        <p:nvSpPr>
+          <p:cNvPr id="10" name="TextBox 9">
+            <a:extLst>
+              <a:ext uri="{FF2B5EF4-FFF2-40B4-BE49-F238E27FC236}">
+                <a16:creationId xmlns:a16="http://schemas.microsoft.com/office/drawing/2014/main" id="{4933C93B-CD91-357D-1DE1-B86C388F44E5}"/>
+              </a:ext>
+            </a:extLst>
+          </p:cNvPr>
+          <p:cNvSpPr txBox="1"/>
+          <p:nvPr/>
+        </p:nvSpPr>
+        <p:spPr>
+          <a:xfrm>
+            <a:off x="964253" y="4095247"/>
+            <a:ext cx="9328354" cy="2246769"/>
+          </a:xfrm>
+          <a:prstGeom prst="rect">
+            <a:avLst/>
+          </a:prstGeom>
+          <a:noFill/>
+        </p:spPr>
+        <p:txBody>
+          <a:bodyPr wrap="square">
+            <a:spAutoFit/>
+          </a:bodyPr>
+          <a:lstStyle/>
+          <a:p>
+            <a:r>
+              <a:rPr lang="en-US" altLang="zh-CN" sz="2800" dirty="0"/>
+              <a:t>Problem:</a:t>
+            </a:r>
+            <a:r>
+              <a:rPr lang="zh-CN" altLang="en-US" sz="2800" dirty="0"/>
+              <a:t> </a:t>
+            </a:r>
+            <a:endParaRPr lang="en-US" altLang="zh-CN" sz="2800" dirty="0"/>
+          </a:p>
+          <a:p>
+            <a:endParaRPr lang="en-US" sz="2800" dirty="0"/>
+          </a:p>
+          <a:p>
+            <a:r>
+              <a:rPr lang="en-US" altLang="zh-CN" sz="2800" dirty="0"/>
+              <a:t>E</a:t>
+            </a:r>
+            <a:r>
+              <a:rPr lang="en-US" sz="2800" dirty="0"/>
+              <a:t>xtra </a:t>
+            </a:r>
+            <a:r>
+              <a:rPr lang="en-US" altLang="zh-CN" sz="2800" dirty="0"/>
+              <a:t>space</a:t>
+            </a:r>
+            <a:r>
+              <a:rPr lang="zh-CN" altLang="en-US" sz="2800" dirty="0"/>
+              <a:t> </a:t>
+            </a:r>
+            <a:r>
+              <a:rPr lang="en-US" altLang="zh-CN" sz="2800" dirty="0"/>
+              <a:t>to</a:t>
+            </a:r>
+            <a:r>
+              <a:rPr lang="zh-CN" altLang="en-US" sz="2800" dirty="0"/>
+              <a:t> </a:t>
+            </a:r>
+            <a:r>
+              <a:rPr lang="en-US" altLang="zh-CN" sz="2800" dirty="0"/>
+              <a:t>save</a:t>
+            </a:r>
+            <a:r>
+              <a:rPr lang="zh-CN" altLang="en-US" sz="2800" dirty="0"/>
+              <a:t> </a:t>
+            </a:r>
+            <a:r>
+              <a:rPr lang="en-US" sz="2800" dirty="0"/>
+              <a:t>temporary</a:t>
+            </a:r>
+            <a:r>
+              <a:rPr lang="zh-CN" altLang="en-US" sz="2800" dirty="0"/>
+              <a:t> </a:t>
+            </a:r>
+            <a:r>
+              <a:rPr lang="en-US" altLang="zh-CN" sz="2800" dirty="0"/>
+              <a:t>matrix</a:t>
+            </a:r>
+          </a:p>
+          <a:p>
+            <a:pPr marL="342900" indent="-342900">
+              <a:buAutoNum type="arabicPeriod"/>
+            </a:pPr>
+            <a:endParaRPr lang="en-US" sz="2800" b="0" i="0" u="none" strike="noStrike" dirty="0">
+              <a:solidFill>
+                <a:srgbClr val="3E3E3E"/>
+              </a:solidFill>
+              <a:effectLst/>
+              <a:latin typeface="Helvetica" pitchFamily="2" charset="0"/>
+            </a:endParaRPr>
+          </a:p>
+          <a:p>
+            <a:endParaRPr lang="en-SA" sz="2800" dirty="0"/>
+          </a:p>
+        </p:txBody>
+      </p:sp>
+      <p:pic>
+        <p:nvPicPr>
+          <p:cNvPr id="11" name="Picture 10">
+            <a:extLst>
+              <a:ext uri="{FF2B5EF4-FFF2-40B4-BE49-F238E27FC236}">
+                <a16:creationId xmlns:a16="http://schemas.microsoft.com/office/drawing/2014/main" id="{E36AA8A2-272A-62AC-5B6F-B6938DAA341C}"/>
+              </a:ext>
+            </a:extLst>
+          </p:cNvPr>
+          <p:cNvPicPr>
+            <a:picLocks noChangeAspect="1"/>
+          </p:cNvPicPr>
+          <p:nvPr/>
+        </p:nvPicPr>
+        <p:blipFill>
+          <a:blip r:embed="rId3"/>
+          <a:stretch>
+            <a:fillRect/>
+          </a:stretch>
+        </p:blipFill>
+        <p:spPr>
+          <a:xfrm>
+            <a:off x="7207863" y="3840931"/>
+            <a:ext cx="3525188" cy="2404276"/>
+          </a:xfrm>
+          <a:prstGeom prst="rect">
+            <a:avLst/>
+          </a:prstGeom>
+        </p:spPr>
+      </p:pic>
     </p:spTree>
     <p:extLst>
       <p:ext uri="{BB962C8B-B14F-4D97-AF65-F5344CB8AC3E}">
-        <p14:creationId xmlns:p14="http://schemas.microsoft.com/office/powerpoint/2010/main" val="3011298179"/>
+        <p14:creationId xmlns:p14="http://schemas.microsoft.com/office/powerpoint/2010/main" val="1133655270"/>
       </p:ext>
     </p:extLst>
   </p:cSld>
@@ -4453,10 +9631,45 @@
       </p:grpSpPr>
       <p:sp>
         <p:nvSpPr>
-          <p:cNvPr id="6" name="Content Placeholder 2">
-            <a:extLst>
-              <a:ext uri="{FF2B5EF4-FFF2-40B4-BE49-F238E27FC236}">
-                <a16:creationId xmlns:a16="http://schemas.microsoft.com/office/drawing/2014/main" id="{74E3F1A3-25A7-D43F-A2D2-A1398D148138}"/>
+          <p:cNvPr id="2" name="Title 1">
+            <a:extLst>
+              <a:ext uri="{FF2B5EF4-FFF2-40B4-BE49-F238E27FC236}">
+                <a16:creationId xmlns:a16="http://schemas.microsoft.com/office/drawing/2014/main" id="{CE167ED6-4D6E-B3EE-F782-289ABF5DF8D7}"/>
+              </a:ext>
+            </a:extLst>
+          </p:cNvPr>
+          <p:cNvSpPr>
+            <a:spLocks noGrp="1"/>
+          </p:cNvSpPr>
+          <p:nvPr>
+            <p:ph type="title"/>
+          </p:nvPr>
+        </p:nvSpPr>
+        <p:spPr/>
+        <p:txBody>
+          <a:bodyPr/>
+          <a:lstStyle/>
+          <a:p>
+            <a:r>
+              <a:rPr lang="en-US" b="0" i="0" dirty="0">
+                <a:solidFill>
+                  <a:srgbClr val="000000"/>
+                </a:solidFill>
+                <a:effectLst/>
+                <a:latin typeface="Roboto" panose="02000000000000000000" pitchFamily="2" charset="0"/>
+              </a:rPr>
+              <a:t>A positive startling statement</a:t>
+            </a:r>
+            <a:endParaRPr lang="en-SA" dirty="0"/>
+          </a:p>
+        </p:txBody>
+      </p:sp>
+      <p:sp>
+        <p:nvSpPr>
+          <p:cNvPr id="3" name="Content Placeholder 2">
+            <a:extLst>
+              <a:ext uri="{FF2B5EF4-FFF2-40B4-BE49-F238E27FC236}">
+                <a16:creationId xmlns:a16="http://schemas.microsoft.com/office/drawing/2014/main" id="{F2167783-A4D2-B36F-C252-A794E77C873E}"/>
               </a:ext>
             </a:extLst>
           </p:cNvPr>
@@ -4467,22 +9680,92 @@
             <p:ph idx="1"/>
           </p:nvPr>
         </p:nvSpPr>
-        <p:spPr>
-          <a:xfrm>
-            <a:off x="336940" y="1209735"/>
-            <a:ext cx="7974558" cy="966639"/>
-          </a:xfrm>
-        </p:spPr>
+        <p:spPr/>
         <p:txBody>
           <a:bodyPr>
-            <a:normAutofit fontScale="62500" lnSpcReduction="20000"/>
+            <a:normAutofit/>
           </a:bodyPr>
           <a:lstStyle/>
           <a:p>
             <a:pPr marL="0" indent="0">
               <a:buNone/>
             </a:pPr>
-            <a:endParaRPr lang="en-US" altLang="zh-CN" dirty="0"/>
+            <a:r>
+              <a:rPr lang="en-US" altLang="zh-CN" dirty="0"/>
+              <a:t>We</a:t>
+            </a:r>
+            <a:r>
+              <a:rPr lang="zh-CN" altLang="en-US" dirty="0"/>
+              <a:t> </a:t>
+            </a:r>
+            <a:r>
+              <a:rPr lang="en-US" altLang="zh-CN" dirty="0"/>
+              <a:t>could</a:t>
+            </a:r>
+            <a:r>
+              <a:rPr lang="zh-CN" altLang="en-US" dirty="0"/>
+              <a:t> </a:t>
+            </a:r>
+            <a:r>
+              <a:rPr lang="en-US" altLang="zh-CN" dirty="0"/>
+              <a:t>optimize</a:t>
+            </a:r>
+            <a:r>
+              <a:rPr lang="zh-CN" altLang="en-US" dirty="0"/>
+              <a:t> </a:t>
+            </a:r>
+            <a:r>
+              <a:rPr lang="en-US" altLang="zh-CN" dirty="0"/>
+              <a:t>Strassen</a:t>
+            </a:r>
+            <a:r>
+              <a:rPr lang="zh-CN" altLang="en-US" dirty="0"/>
+              <a:t> </a:t>
+            </a:r>
+            <a:r>
+              <a:rPr lang="en-US" altLang="zh-CN" dirty="0"/>
+              <a:t>algorithm</a:t>
+            </a:r>
+            <a:r>
+              <a:rPr lang="zh-CN" altLang="en-US" dirty="0"/>
+              <a:t> </a:t>
+            </a:r>
+            <a:r>
+              <a:rPr lang="en-US" altLang="zh-CN" dirty="0"/>
+              <a:t>in</a:t>
+            </a:r>
+            <a:r>
+              <a:rPr lang="zh-CN" altLang="en-US" dirty="0"/>
+              <a:t> </a:t>
+            </a:r>
+            <a:r>
+              <a:rPr lang="en-US" altLang="zh-CN" dirty="0"/>
+              <a:t>a</a:t>
+            </a:r>
+            <a:r>
+              <a:rPr lang="zh-CN" altLang="en-US" dirty="0"/>
+              <a:t> </a:t>
+            </a:r>
+            <a:r>
+              <a:rPr lang="en-US" altLang="zh-CN" dirty="0"/>
+              <a:t>cache</a:t>
+            </a:r>
+            <a:r>
+              <a:rPr lang="zh-CN" altLang="en-US" dirty="0"/>
+              <a:t> </a:t>
+            </a:r>
+            <a:r>
+              <a:rPr lang="en-US" altLang="zh-CN" dirty="0"/>
+              <a:t>friendly</a:t>
+            </a:r>
+            <a:r>
+              <a:rPr lang="zh-CN" altLang="en-US" dirty="0"/>
+              <a:t> </a:t>
+            </a:r>
+            <a:r>
+              <a:rPr lang="en-US" altLang="zh-CN" dirty="0"/>
+              <a:t>way</a:t>
+            </a:r>
           </a:p>
           <a:p>
             <a:pPr marL="0" indent="0">
@@ -4490,7 +9773,7 @@
             </a:pPr>
             <a:r>
               <a:rPr lang="en-US" altLang="zh-CN" dirty="0"/>
-              <a:t>We</a:t>
+              <a:t>Theoretically,</a:t>
             </a:r>
             <a:r>
               <a:rPr lang="zh-CN" altLang="en-US" dirty="0"/>
@@ -4498,7 +9781,7 @@
             </a:r>
             <a:r>
               <a:rPr lang="en-US" altLang="zh-CN" dirty="0"/>
-              <a:t>find</a:t>
+              <a:t>it</a:t>
             </a:r>
             <a:r>
               <a:rPr lang="zh-CN" altLang="en-US" dirty="0"/>
@@ -4506,7 +9789,7 @@
             </a:r>
             <a:r>
               <a:rPr lang="en-US" altLang="zh-CN" dirty="0"/>
-              <a:t>l1</a:t>
+              <a:t>only</a:t>
             </a:r>
             <a:r>
               <a:rPr lang="zh-CN" altLang="en-US" dirty="0"/>
@@ -4514,23 +9797,23 @@
             </a:r>
             <a:r>
               <a:rPr lang="en-US" altLang="zh-CN" dirty="0"/>
-              <a:t>=</a:t>
+              <a:t>takes</a:t>
             </a:r>
             <a:r>
               <a:rPr lang="zh-CN" altLang="en-US" dirty="0"/>
-              <a:t> </a:t>
-            </a:r>
-            <a:r>
-              <a:rPr lang="en-US" altLang="zh-CN" dirty="0"/>
-              <a:t>4K</a:t>
+              <a:t>  </a:t>
+            </a:r>
+            <a:r>
+              <a:rPr lang="en-US" altLang="zh-CN" dirty="0"/>
+              <a:t>1024^2.8/(1024^3)=</a:t>
             </a:r>
             <a:r>
               <a:rPr lang="zh-CN" altLang="en-US" dirty="0"/>
-              <a:t> </a:t>
-            </a:r>
-            <a:r>
-              <a:rPr lang="en-US" altLang="zh-CN" dirty="0"/>
-              <a:t>(float</a:t>
+              <a:t>  </a:t>
+            </a:r>
+            <a:r>
+              <a:rPr lang="en-SA" dirty="0"/>
+              <a:t>25.00%</a:t>
             </a:r>
             <a:r>
               <a:rPr lang="zh-CN" altLang="en-US" dirty="0"/>
@@ -4538,7 +9821,7 @@
             </a:r>
             <a:r>
               <a:rPr lang="en-US" altLang="zh-CN" dirty="0"/>
-              <a:t>number)</a:t>
+              <a:t>time.</a:t>
             </a:r>
             <a:r>
               <a:rPr lang="zh-CN" altLang="en-US" dirty="0"/>
@@ -4546,7 +9829,7 @@
             </a:r>
             <a:r>
               <a:rPr lang="en-US" altLang="zh-CN" dirty="0"/>
-              <a:t>is</a:t>
+              <a:t>4x</a:t>
             </a:r>
             <a:r>
               <a:rPr lang="zh-CN" altLang="en-US" dirty="0"/>
@@ -4554,7 +9837,7 @@
             </a:r>
             <a:r>
               <a:rPr lang="en-US" altLang="zh-CN" dirty="0"/>
-              <a:t>the</a:t>
+              <a:t>speed</a:t>
             </a:r>
             <a:r>
               <a:rPr lang="zh-CN" altLang="en-US" dirty="0"/>
@@ -4562,151 +9845,221 @@
             </a:r>
             <a:r>
               <a:rPr lang="en-US" altLang="zh-CN" dirty="0"/>
-              <a:t>optimal.</a:t>
+              <a:t>up</a:t>
+            </a:r>
+          </a:p>
+          <a:p>
+            <a:r>
+              <a:rPr lang="en-US" altLang="zh-CN" dirty="0"/>
+              <a:t>Our</a:t>
             </a:r>
             <a:r>
               <a:rPr lang="zh-CN" altLang="en-US" dirty="0"/>
               <a:t> </a:t>
             </a:r>
-            <a:endParaRPr lang="en-US" altLang="zh-CN" b="0" i="0" dirty="0">
-              <a:solidFill>
-                <a:srgbClr val="0D0D0D"/>
-              </a:solidFill>
-              <a:effectLst/>
-              <a:latin typeface="Söhne"/>
-            </a:endParaRPr>
-          </a:p>
-          <a:p>
-            <a:pPr marL="0" indent="0">
-              <a:buNone/>
-            </a:pPr>
-            <a:r>
-              <a:rPr lang="en-US" altLang="zh-CN" b="0" i="0" dirty="0">
-                <a:solidFill>
-                  <a:srgbClr val="0D0D0D"/>
-                </a:solidFill>
-                <a:effectLst/>
-                <a:latin typeface="Söhne"/>
-              </a:rPr>
-              <a:t>=&gt;</a:t>
-            </a:r>
-            <a:r>
-              <a:rPr lang="zh-CN" altLang="en-US" b="0" i="0" dirty="0">
-                <a:solidFill>
-                  <a:srgbClr val="0D0D0D"/>
-                </a:solidFill>
-                <a:effectLst/>
-                <a:latin typeface="Söhne"/>
-              </a:rPr>
-              <a:t> </a:t>
-            </a:r>
-            <a:r>
-              <a:rPr lang="en-US" b="0" i="0" dirty="0">
-                <a:solidFill>
-                  <a:srgbClr val="0D0D0D"/>
-                </a:solidFill>
-                <a:effectLst/>
-                <a:latin typeface="Söhne"/>
-              </a:rPr>
-              <a:t>64 * 64 matrix can fit entirely in L1.</a:t>
-            </a:r>
-          </a:p>
-        </p:txBody>
-      </p:sp>
-      <p:sp>
-        <p:nvSpPr>
-          <p:cNvPr id="10" name="Title 1">
-            <a:extLst>
-              <a:ext uri="{FF2B5EF4-FFF2-40B4-BE49-F238E27FC236}">
-                <a16:creationId xmlns:a16="http://schemas.microsoft.com/office/drawing/2014/main" id="{D793BF9F-D3AF-B2AC-B8B5-65FD1CEF2413}"/>
-              </a:ext>
-            </a:extLst>
-          </p:cNvPr>
-          <p:cNvSpPr txBox="1">
-            <a:spLocks/>
-          </p:cNvSpPr>
-          <p:nvPr/>
-        </p:nvSpPr>
-        <p:spPr>
-          <a:xfrm>
-            <a:off x="838200" y="90236"/>
-            <a:ext cx="10515600" cy="1325563"/>
-          </a:xfrm>
-          <a:prstGeom prst="rect">
-            <a:avLst/>
-          </a:prstGeom>
-        </p:spPr>
-        <p:txBody>
-          <a:bodyPr vert="horz" lIns="91440" tIns="45720" rIns="91440" bIns="45720" rtlCol="0" anchor="ctr">
-            <a:normAutofit/>
-          </a:bodyPr>
-          <a:lstStyle>
-            <a:lvl1pPr algn="l" defTabSz="914400" rtl="0" eaLnBrk="1" latinLnBrk="0" hangingPunct="1">
-              <a:lnSpc>
-                <a:spcPct val="90000"/>
-              </a:lnSpc>
-              <a:spcBef>
-                <a:spcPct val="0"/>
-              </a:spcBef>
-              <a:buNone/>
-              <a:defRPr sz="4400" kern="1200">
-                <a:solidFill>
-                  <a:schemeClr val="tx1"/>
-                </a:solidFill>
-                <a:latin typeface="+mj-lt"/>
-                <a:ea typeface="+mj-ea"/>
-                <a:cs typeface="+mj-cs"/>
-              </a:defRPr>
-            </a:lvl1pPr>
-          </a:lstStyle>
-          <a:p>
-            <a:r>
-              <a:rPr lang="en-US" altLang="zh-CN" dirty="0">
-                <a:solidFill>
-                  <a:srgbClr val="000000"/>
-                </a:solidFill>
-                <a:latin typeface="Roboto" panose="02000000000000000000" pitchFamily="2" charset="0"/>
-              </a:rPr>
-              <a:t>Results</a:t>
-            </a:r>
+            <a:r>
+              <a:rPr lang="en-US" altLang="zh-CN" dirty="0"/>
+              <a:t>naïve</a:t>
+            </a:r>
+            <a:r>
+              <a:rPr lang="zh-CN" altLang="en-US" dirty="0"/>
+              <a:t> </a:t>
+            </a:r>
+            <a:r>
+              <a:rPr lang="en-US" altLang="zh-CN" dirty="0"/>
+              <a:t>Strassen</a:t>
+            </a:r>
+            <a:r>
+              <a:rPr lang="zh-CN" altLang="en-US" dirty="0"/>
+              <a:t> </a:t>
+            </a:r>
+            <a:r>
+              <a:rPr lang="en-US" altLang="zh-CN" dirty="0"/>
+              <a:t>method</a:t>
+            </a:r>
+            <a:r>
+              <a:rPr lang="zh-CN" altLang="en-US" dirty="0"/>
+              <a:t> </a:t>
+            </a:r>
+            <a:r>
+              <a:rPr lang="en-US" altLang="zh-CN" dirty="0"/>
+              <a:t>can</a:t>
+            </a:r>
+            <a:r>
+              <a:rPr lang="zh-CN" altLang="en-US" dirty="0"/>
+              <a:t> </a:t>
+            </a:r>
+            <a:r>
+              <a:rPr lang="en-US" altLang="zh-CN" dirty="0"/>
+              <a:t>reach</a:t>
+            </a:r>
+            <a:r>
+              <a:rPr lang="zh-CN" altLang="en-US" dirty="0"/>
+              <a:t> </a:t>
+            </a:r>
+            <a:r>
+              <a:rPr lang="en-US" altLang="zh-CN" dirty="0"/>
+              <a:t>3.47x</a:t>
+            </a:r>
+            <a:r>
+              <a:rPr lang="zh-CN" altLang="en-US" dirty="0"/>
+              <a:t> </a:t>
+            </a:r>
+            <a:r>
+              <a:rPr lang="en-US" altLang="zh-CN" dirty="0"/>
+              <a:t>speed</a:t>
+            </a:r>
+            <a:r>
+              <a:rPr lang="zh-CN" altLang="en-US" dirty="0"/>
+              <a:t> </a:t>
+            </a:r>
+            <a:r>
+              <a:rPr lang="en-US" altLang="zh-CN" dirty="0"/>
+              <a:t>up</a:t>
+            </a:r>
+          </a:p>
+          <a:p>
+            <a:r>
+              <a:rPr lang="en-US" altLang="zh-CN" dirty="0"/>
+              <a:t>Reorder</a:t>
+            </a:r>
+            <a:r>
+              <a:rPr lang="zh-CN" altLang="en-US" dirty="0"/>
+              <a:t> </a:t>
+            </a:r>
+            <a:r>
+              <a:rPr lang="en-US" altLang="zh-CN" dirty="0"/>
+              <a:t>layout</a:t>
+            </a:r>
+            <a:r>
+              <a:rPr lang="zh-CN" altLang="en-US" dirty="0"/>
+              <a:t> </a:t>
+            </a:r>
+            <a:r>
+              <a:rPr lang="en-US" altLang="zh-CN" dirty="0"/>
+              <a:t>for</a:t>
+            </a:r>
+            <a:r>
+              <a:rPr lang="zh-CN" altLang="en-US" dirty="0"/>
+              <a:t> </a:t>
+            </a:r>
+            <a:r>
+              <a:rPr lang="en-US" altLang="zh-CN" dirty="0"/>
+              <a:t>Strassen</a:t>
+            </a:r>
+            <a:r>
+              <a:rPr lang="zh-CN" altLang="en-US" dirty="0"/>
+              <a:t> </a:t>
+            </a:r>
+            <a:r>
+              <a:rPr lang="en-US" altLang="zh-CN" dirty="0"/>
+              <a:t>can</a:t>
+            </a:r>
+            <a:r>
+              <a:rPr lang="zh-CN" altLang="en-US" dirty="0"/>
+              <a:t> </a:t>
+            </a:r>
+            <a:r>
+              <a:rPr lang="en-US" altLang="zh-CN" dirty="0"/>
+              <a:t>reach</a:t>
+            </a:r>
+            <a:r>
+              <a:rPr lang="zh-CN" altLang="en-US" dirty="0"/>
+              <a:t> </a:t>
+            </a:r>
+            <a:r>
+              <a:rPr lang="en-US" altLang="zh-CN" dirty="0"/>
+              <a:t>6.95x</a:t>
+            </a:r>
+            <a:r>
+              <a:rPr lang="zh-CN" altLang="en-US" dirty="0"/>
+              <a:t> </a:t>
+            </a:r>
+            <a:r>
+              <a:rPr lang="en-US" altLang="zh-CN" dirty="0"/>
+              <a:t>speed</a:t>
+            </a:r>
+            <a:r>
+              <a:rPr lang="zh-CN" altLang="en-US" dirty="0"/>
+              <a:t> </a:t>
+            </a:r>
+            <a:r>
+              <a:rPr lang="en-US" altLang="zh-CN" dirty="0"/>
+              <a:t>up</a:t>
+            </a:r>
+          </a:p>
+          <a:p>
+            <a:r>
+              <a:rPr lang="en-US" dirty="0"/>
+              <a:t>Tiling + Strassen</a:t>
+            </a:r>
+            <a:r>
+              <a:rPr lang="zh-CN" altLang="en-US" dirty="0"/>
+              <a:t> </a:t>
+            </a:r>
+            <a:r>
+              <a:rPr lang="en-US" dirty="0"/>
+              <a:t>+vectorize</a:t>
+            </a:r>
+            <a:r>
+              <a:rPr lang="zh-CN" altLang="en-US" dirty="0"/>
+              <a:t> </a:t>
+            </a:r>
+            <a:r>
+              <a:rPr lang="en-US" altLang="zh-CN" dirty="0"/>
+              <a:t>can</a:t>
+            </a:r>
+            <a:r>
+              <a:rPr lang="zh-CN" altLang="en-US" dirty="0"/>
+              <a:t> </a:t>
+            </a:r>
+            <a:r>
+              <a:rPr lang="en-US" altLang="zh-CN" dirty="0"/>
+              <a:t>reach</a:t>
+            </a:r>
+            <a:r>
+              <a:rPr lang="zh-CN" altLang="en-US" dirty="0"/>
+              <a:t> </a:t>
+            </a:r>
+            <a:r>
+              <a:rPr lang="en-US" altLang="zh-CN" dirty="0"/>
+              <a:t>11.08x</a:t>
+            </a:r>
+            <a:r>
+              <a:rPr lang="zh-CN" altLang="en-US" dirty="0"/>
+              <a:t> </a:t>
+            </a:r>
+            <a:r>
+              <a:rPr lang="en-US" altLang="zh-CN" dirty="0"/>
+              <a:t>speed</a:t>
+            </a:r>
+            <a:r>
+              <a:rPr lang="zh-CN" altLang="en-US" dirty="0"/>
+              <a:t> </a:t>
+            </a:r>
+            <a:r>
+              <a:rPr lang="en-US" altLang="zh-CN" dirty="0"/>
+              <a:t>up</a:t>
+            </a:r>
+          </a:p>
+          <a:p>
+            <a:endParaRPr lang="en-US" altLang="zh-CN" dirty="0"/>
+          </a:p>
+          <a:p>
+            <a:endParaRPr lang="en-US" altLang="zh-CN" dirty="0"/>
+          </a:p>
+          <a:p>
+            <a:endParaRPr lang="en-US" altLang="zh-CN" dirty="0"/>
+          </a:p>
+          <a:p>
             <a:endParaRPr lang="en-SA" dirty="0"/>
           </a:p>
         </p:txBody>
       </p:sp>
-      <p:pic>
-        <p:nvPicPr>
-          <p:cNvPr id="15" name="Picture 14">
-            <a:extLst>
-              <a:ext uri="{FF2B5EF4-FFF2-40B4-BE49-F238E27FC236}">
-                <a16:creationId xmlns:a16="http://schemas.microsoft.com/office/drawing/2014/main" id="{523CE753-30A2-AD53-4BEF-3B53778640EA}"/>
-              </a:ext>
-            </a:extLst>
-          </p:cNvPr>
-          <p:cNvPicPr>
-            <a:picLocks noChangeAspect="1"/>
-          </p:cNvPicPr>
-          <p:nvPr/>
-        </p:nvPicPr>
-        <p:blipFill>
-          <a:blip r:embed="rId3"/>
-          <a:stretch>
-            <a:fillRect/>
-          </a:stretch>
-        </p:blipFill>
-        <p:spPr>
-          <a:xfrm>
-            <a:off x="217299" y="3585466"/>
-            <a:ext cx="11607806" cy="1962350"/>
-          </a:xfrm>
-          <a:prstGeom prst="rect">
-            <a:avLst/>
-          </a:prstGeom>
-        </p:spPr>
-      </p:pic>
     </p:spTree>
     <p:extLst>
       <p:ext uri="{BB962C8B-B14F-4D97-AF65-F5344CB8AC3E}">
-        <p14:creationId xmlns:p14="http://schemas.microsoft.com/office/powerpoint/2010/main" val="4266237961"/>
+        <p14:creationId xmlns:p14="http://schemas.microsoft.com/office/powerpoint/2010/main" val="11906146"/>
       </p:ext>
     </p:extLst>
   </p:cSld>
@@ -4735,1032 +10088,47 @@
       </p:grpSpPr>
       <p:sp>
         <p:nvSpPr>
-          <p:cNvPr id="6" name="TextBox 5">
-            <a:extLst>
-              <a:ext uri="{FF2B5EF4-FFF2-40B4-BE49-F238E27FC236}">
-                <a16:creationId xmlns:a16="http://schemas.microsoft.com/office/drawing/2014/main" id="{CF46703B-0905-4AA3-E25C-3923F9E8F398}"/>
-              </a:ext>
-            </a:extLst>
-          </p:cNvPr>
-          <p:cNvSpPr txBox="1"/>
-          <p:nvPr/>
-        </p:nvSpPr>
-        <p:spPr>
-          <a:xfrm>
-            <a:off x="5613070" y="3010715"/>
-            <a:ext cx="4359871" cy="1754326"/>
-          </a:xfrm>
-          <a:prstGeom prst="rect">
-            <a:avLst/>
-          </a:prstGeom>
-          <a:noFill/>
-        </p:spPr>
-        <p:txBody>
-          <a:bodyPr wrap="square">
-            <a:spAutoFit/>
-          </a:bodyPr>
+          <p:cNvPr id="2" name="Title 1">
+            <a:extLst>
+              <a:ext uri="{FF2B5EF4-FFF2-40B4-BE49-F238E27FC236}">
+                <a16:creationId xmlns:a16="http://schemas.microsoft.com/office/drawing/2014/main" id="{8D762F97-92C6-5340-31FA-03D3AA1BE112}"/>
+              </a:ext>
+            </a:extLst>
+          </p:cNvPr>
+          <p:cNvSpPr>
+            <a:spLocks noGrp="1"/>
+          </p:cNvSpPr>
+          <p:nvPr>
+            <p:ph type="title"/>
+          </p:nvPr>
+        </p:nvSpPr>
+        <p:spPr/>
+        <p:txBody>
+          <a:bodyPr/>
           <a:lstStyle/>
           <a:p>
-            <a:pPr marL="0" indent="0">
-              <a:buNone/>
-            </a:pPr>
-            <a:r>
-              <a:rPr lang="en-US" altLang="zh-CN" b="0" i="0" dirty="0">
-                <a:solidFill>
-                  <a:srgbClr val="0D0D0D"/>
-                </a:solidFill>
-                <a:effectLst/>
-                <a:latin typeface="Söhne"/>
-              </a:rPr>
-              <a:t>Setting:</a:t>
-            </a:r>
-          </a:p>
-          <a:p>
-            <a:pPr marL="0" indent="0">
-              <a:buNone/>
-            </a:pPr>
-            <a:endParaRPr lang="en-US" altLang="zh-CN" b="0" i="0" dirty="0">
-              <a:solidFill>
-                <a:srgbClr val="0D0D0D"/>
-              </a:solidFill>
-              <a:effectLst/>
-              <a:latin typeface="Söhne"/>
-            </a:endParaRPr>
-          </a:p>
-          <a:p>
-            <a:pPr marL="0" indent="0">
-              <a:buNone/>
-            </a:pPr>
-            <a:r>
-              <a:rPr lang="en-US" altLang="zh-CN" b="0" i="0" dirty="0">
-                <a:solidFill>
-                  <a:srgbClr val="0D0D0D"/>
-                </a:solidFill>
-                <a:effectLst/>
-                <a:latin typeface="Söhne"/>
-              </a:rPr>
-              <a:t>Single</a:t>
-            </a:r>
-            <a:r>
-              <a:rPr lang="zh-CN" altLang="en-US" b="0" i="0" dirty="0">
-                <a:solidFill>
-                  <a:srgbClr val="0D0D0D"/>
-                </a:solidFill>
-                <a:effectLst/>
-                <a:latin typeface="Söhne"/>
-              </a:rPr>
-              <a:t> </a:t>
-            </a:r>
-            <a:r>
-              <a:rPr lang="en-US" altLang="zh-CN" dirty="0">
-                <a:solidFill>
-                  <a:srgbClr val="0D0D0D"/>
-                </a:solidFill>
-                <a:latin typeface="Söhne"/>
-              </a:rPr>
-              <a:t>thread</a:t>
-            </a:r>
-          </a:p>
-          <a:p>
-            <a:r>
-              <a:rPr lang="en-US" altLang="zh-CN" dirty="0">
-                <a:solidFill>
-                  <a:srgbClr val="0D0D0D"/>
-                </a:solidFill>
-                <a:latin typeface="Söhne"/>
-              </a:rPr>
-              <a:t>L1</a:t>
-            </a:r>
-            <a:r>
-              <a:rPr lang="zh-CN" altLang="en-US" dirty="0">
-                <a:solidFill>
-                  <a:srgbClr val="0D0D0D"/>
-                </a:solidFill>
-                <a:latin typeface="Söhne"/>
-              </a:rPr>
-              <a:t> </a:t>
-            </a:r>
-            <a:r>
-              <a:rPr lang="en-US" altLang="zh-CN" dirty="0">
-                <a:solidFill>
-                  <a:srgbClr val="0D0D0D"/>
-                </a:solidFill>
-                <a:latin typeface="Söhne"/>
-              </a:rPr>
-              <a:t>block</a:t>
-            </a:r>
-            <a:r>
-              <a:rPr lang="zh-CN" altLang="en-US" dirty="0">
-                <a:solidFill>
-                  <a:srgbClr val="0D0D0D"/>
-                </a:solidFill>
-                <a:latin typeface="Söhne"/>
-              </a:rPr>
-              <a:t> </a:t>
-            </a:r>
-            <a:r>
-              <a:rPr lang="en-US" altLang="zh-CN" dirty="0">
-                <a:solidFill>
-                  <a:srgbClr val="0D0D0D"/>
-                </a:solidFill>
-                <a:latin typeface="Söhne"/>
-              </a:rPr>
-              <a:t>size</a:t>
-            </a:r>
-            <a:r>
-              <a:rPr lang="zh-CN" altLang="en-US" dirty="0">
-                <a:solidFill>
-                  <a:srgbClr val="0D0D0D"/>
-                </a:solidFill>
-                <a:latin typeface="Söhne"/>
-              </a:rPr>
-              <a:t>  </a:t>
-            </a:r>
-            <a:r>
-              <a:rPr lang="en-US" altLang="zh-CN" dirty="0">
-                <a:solidFill>
-                  <a:srgbClr val="0D0D0D"/>
-                </a:solidFill>
-                <a:latin typeface="Söhne"/>
-              </a:rPr>
-              <a:t>=</a:t>
-            </a:r>
-            <a:r>
-              <a:rPr lang="zh-CN" altLang="en-US" dirty="0">
-                <a:solidFill>
-                  <a:srgbClr val="0D0D0D"/>
-                </a:solidFill>
-                <a:latin typeface="Söhne"/>
-              </a:rPr>
-              <a:t> </a:t>
-            </a:r>
-            <a:r>
-              <a:rPr lang="en-SA" dirty="0">
-                <a:solidFill>
-                  <a:srgbClr val="0D0D0D"/>
-                </a:solidFill>
-                <a:latin typeface="Söhne"/>
-              </a:rPr>
-              <a:t>64</a:t>
-            </a:r>
-          </a:p>
-          <a:p>
-            <a:pPr marL="0" indent="0">
-              <a:buNone/>
-            </a:pPr>
-            <a:r>
-              <a:rPr lang="en-US" altLang="zh-CN" dirty="0">
-                <a:solidFill>
-                  <a:srgbClr val="0D0D0D"/>
-                </a:solidFill>
-                <a:latin typeface="Söhne"/>
-              </a:rPr>
-              <a:t>L2</a:t>
-            </a:r>
-            <a:r>
-              <a:rPr lang="zh-CN" altLang="en-US" dirty="0">
-                <a:solidFill>
-                  <a:srgbClr val="0D0D0D"/>
-                </a:solidFill>
-                <a:latin typeface="Söhne"/>
-              </a:rPr>
-              <a:t> </a:t>
-            </a:r>
-            <a:r>
-              <a:rPr lang="en-US" altLang="zh-CN" dirty="0">
-                <a:solidFill>
-                  <a:srgbClr val="0D0D0D"/>
-                </a:solidFill>
-                <a:latin typeface="Söhne"/>
-              </a:rPr>
-              <a:t>block</a:t>
-            </a:r>
-            <a:r>
-              <a:rPr lang="zh-CN" altLang="en-US" dirty="0">
-                <a:solidFill>
-                  <a:srgbClr val="0D0D0D"/>
-                </a:solidFill>
-                <a:latin typeface="Söhne"/>
-              </a:rPr>
-              <a:t> </a:t>
-            </a:r>
-            <a:r>
-              <a:rPr lang="en-US" altLang="zh-CN" dirty="0">
-                <a:solidFill>
-                  <a:srgbClr val="0D0D0D"/>
-                </a:solidFill>
-                <a:latin typeface="Söhne"/>
-              </a:rPr>
-              <a:t>size</a:t>
-            </a:r>
-            <a:r>
-              <a:rPr lang="zh-CN" altLang="en-US" dirty="0">
-                <a:solidFill>
-                  <a:srgbClr val="0D0D0D"/>
-                </a:solidFill>
-                <a:latin typeface="Söhne"/>
-              </a:rPr>
-              <a:t> </a:t>
-            </a:r>
-            <a:r>
-              <a:rPr lang="en-US" altLang="zh-CN" dirty="0">
-                <a:solidFill>
-                  <a:srgbClr val="0D0D0D"/>
-                </a:solidFill>
-                <a:latin typeface="Söhne"/>
-              </a:rPr>
-              <a:t>=</a:t>
-            </a:r>
-            <a:r>
-              <a:rPr lang="zh-CN" altLang="en-US" dirty="0">
-                <a:solidFill>
-                  <a:srgbClr val="0D0D0D"/>
-                </a:solidFill>
-                <a:latin typeface="Söhne"/>
-              </a:rPr>
-              <a:t> </a:t>
-            </a:r>
-            <a:r>
-              <a:rPr lang="en-US" altLang="zh-CN" dirty="0">
-                <a:solidFill>
-                  <a:srgbClr val="0D0D0D"/>
-                </a:solidFill>
-                <a:latin typeface="Söhne"/>
-              </a:rPr>
-              <a:t>256</a:t>
-            </a:r>
-          </a:p>
-          <a:p>
-            <a:pPr marL="0" indent="0">
-              <a:buNone/>
-            </a:pPr>
-            <a:r>
-              <a:rPr lang="en-US" altLang="zh-CN" dirty="0">
-                <a:solidFill>
-                  <a:srgbClr val="0D0D0D"/>
-                </a:solidFill>
-                <a:latin typeface="Söhne"/>
-              </a:rPr>
-              <a:t>Matrix</a:t>
-            </a:r>
-            <a:r>
-              <a:rPr lang="zh-CN" altLang="en-US" dirty="0">
-                <a:solidFill>
-                  <a:srgbClr val="0D0D0D"/>
-                </a:solidFill>
-                <a:latin typeface="Söhne"/>
-              </a:rPr>
-              <a:t> </a:t>
-            </a:r>
-            <a:r>
-              <a:rPr lang="en-US" altLang="zh-CN" dirty="0">
-                <a:solidFill>
-                  <a:srgbClr val="0D0D0D"/>
-                </a:solidFill>
-                <a:latin typeface="Söhne"/>
-              </a:rPr>
-              <a:t>size</a:t>
-            </a:r>
-            <a:r>
-              <a:rPr lang="zh-CN" altLang="en-US" dirty="0">
-                <a:solidFill>
-                  <a:srgbClr val="0D0D0D"/>
-                </a:solidFill>
-                <a:latin typeface="Söhne"/>
-              </a:rPr>
-              <a:t> </a:t>
-            </a:r>
-            <a:r>
-              <a:rPr lang="en-US" altLang="zh-CN" dirty="0">
-                <a:solidFill>
-                  <a:srgbClr val="0D0D0D"/>
-                </a:solidFill>
-                <a:latin typeface="Söhne"/>
-              </a:rPr>
-              <a:t>=</a:t>
-            </a:r>
-            <a:r>
-              <a:rPr lang="zh-CN" altLang="en-US" dirty="0">
-                <a:solidFill>
-                  <a:srgbClr val="0D0D0D"/>
-                </a:solidFill>
-                <a:latin typeface="Söhne"/>
-              </a:rPr>
-              <a:t> </a:t>
-            </a:r>
-            <a:r>
-              <a:rPr lang="en-US" altLang="zh-CN" dirty="0">
-                <a:solidFill>
-                  <a:srgbClr val="0D0D0D"/>
-                </a:solidFill>
-                <a:latin typeface="Söhne"/>
-              </a:rPr>
-              <a:t>1024</a:t>
-            </a:r>
-            <a:r>
-              <a:rPr lang="zh-CN" altLang="en-US" dirty="0">
-                <a:solidFill>
-                  <a:srgbClr val="0D0D0D"/>
-                </a:solidFill>
-                <a:latin typeface="Söhne"/>
-              </a:rPr>
-              <a:t> </a:t>
-            </a:r>
-            <a:r>
-              <a:rPr lang="en-US" altLang="zh-CN" dirty="0">
-                <a:solidFill>
-                  <a:srgbClr val="0D0D0D"/>
-                </a:solidFill>
-                <a:latin typeface="Söhne"/>
-              </a:rPr>
-              <a:t>x</a:t>
-            </a:r>
-            <a:r>
-              <a:rPr lang="zh-CN" altLang="en-US" dirty="0">
-                <a:solidFill>
-                  <a:srgbClr val="0D0D0D"/>
-                </a:solidFill>
-                <a:latin typeface="Söhne"/>
-              </a:rPr>
-              <a:t> </a:t>
-            </a:r>
-            <a:r>
-              <a:rPr lang="en-US" altLang="zh-CN" dirty="0">
-                <a:solidFill>
-                  <a:srgbClr val="0D0D0D"/>
-                </a:solidFill>
-                <a:latin typeface="Söhne"/>
-              </a:rPr>
-              <a:t>1024</a:t>
-            </a:r>
-            <a:r>
-              <a:rPr lang="zh-CN" altLang="en-US" dirty="0">
-                <a:solidFill>
-                  <a:srgbClr val="0D0D0D"/>
-                </a:solidFill>
-                <a:latin typeface="Söhne"/>
-              </a:rPr>
-              <a:t> </a:t>
+            <a:r>
+              <a:rPr lang="en-US" altLang="zh-CN" dirty="0"/>
+              <a:t>Evaluation</a:t>
+            </a:r>
+            <a:r>
+              <a:rPr lang="zh-CN" altLang="en-US" dirty="0"/>
+              <a:t> </a:t>
+            </a:r>
+            <a:r>
+              <a:rPr lang="en-US" altLang="zh-CN" dirty="0"/>
+              <a:t>Setting</a:t>
             </a:r>
             <a:endParaRPr lang="en-SA" dirty="0"/>
           </a:p>
         </p:txBody>
       </p:sp>
-      <p:graphicFrame>
-        <p:nvGraphicFramePr>
-          <p:cNvPr id="10" name="Table 9">
-            <a:extLst>
-              <a:ext uri="{FF2B5EF4-FFF2-40B4-BE49-F238E27FC236}">
-                <a16:creationId xmlns:a16="http://schemas.microsoft.com/office/drawing/2014/main" id="{A5019AE4-9BD8-F4D8-CF15-AF4BFD1F0ADB}"/>
-              </a:ext>
-            </a:extLst>
-          </p:cNvPr>
-          <p:cNvGraphicFramePr>
-            <a:graphicFrameLocks noGrp="1"/>
-          </p:cNvGraphicFramePr>
-          <p:nvPr>
-            <p:extLst>
-              <p:ext uri="{D42A27DB-BD31-4B8C-83A1-F6EECF244321}">
-                <p14:modId xmlns:p14="http://schemas.microsoft.com/office/powerpoint/2010/main" val="2915688514"/>
-              </p:ext>
-            </p:extLst>
-          </p:nvPr>
-        </p:nvGraphicFramePr>
-        <p:xfrm>
-          <a:off x="5550225" y="1129031"/>
-          <a:ext cx="6277422" cy="1422400"/>
-        </p:xfrm>
-        <a:graphic>
-          <a:graphicData uri="http://schemas.openxmlformats.org/drawingml/2006/table">
-            <a:tbl>
-              <a:tblPr>
-                <a:tableStyleId>{5C22544A-7EE6-4342-B048-85BDC9FD1C3A}</a:tableStyleId>
-              </a:tblPr>
-              <a:tblGrid>
-                <a:gridCol w="2092474">
-                  <a:extLst>
-                    <a:ext uri="{9D8B030D-6E8A-4147-A177-3AD203B41FA5}">
-                      <a16:colId xmlns:a16="http://schemas.microsoft.com/office/drawing/2014/main" val="755193678"/>
-                    </a:ext>
-                  </a:extLst>
-                </a:gridCol>
-                <a:gridCol w="2092474">
-                  <a:extLst>
-                    <a:ext uri="{9D8B030D-6E8A-4147-A177-3AD203B41FA5}">
-                      <a16:colId xmlns:a16="http://schemas.microsoft.com/office/drawing/2014/main" val="2573169732"/>
-                    </a:ext>
-                  </a:extLst>
-                </a:gridCol>
-                <a:gridCol w="2092474">
-                  <a:extLst>
-                    <a:ext uri="{9D8B030D-6E8A-4147-A177-3AD203B41FA5}">
-                      <a16:colId xmlns:a16="http://schemas.microsoft.com/office/drawing/2014/main" val="2708279994"/>
-                    </a:ext>
-                  </a:extLst>
-                </a:gridCol>
-              </a:tblGrid>
-              <a:tr h="203200">
-                <a:tc>
-                  <a:txBody>
-                    <a:bodyPr/>
-                    <a:lstStyle/>
-                    <a:p>
-                      <a:pPr algn="l" fontAlgn="b"/>
-                      <a:r>
-                        <a:rPr lang="en-US" sz="1200" u="none" strike="noStrike" dirty="0">
-                          <a:effectLst/>
-                        </a:rPr>
-                        <a:t>method</a:t>
-                      </a:r>
-                      <a:endParaRPr lang="en-US" sz="1200" b="0" i="0" u="none" strike="noStrike" dirty="0">
-                        <a:solidFill>
-                          <a:srgbClr val="000000"/>
-                        </a:solidFill>
-                        <a:effectLst/>
-                        <a:latin typeface="Calibri" panose="020F0502020204030204" pitchFamily="34" charset="0"/>
-                      </a:endParaRPr>
-                    </a:p>
-                  </a:txBody>
-                  <a:tcPr marL="9525" marR="9525" marT="9525" marB="0" anchor="b"/>
-                </a:tc>
-                <a:tc>
-                  <a:txBody>
-                    <a:bodyPr/>
-                    <a:lstStyle/>
-                    <a:p>
-                      <a:pPr algn="l" fontAlgn="b"/>
-                      <a:r>
-                        <a:rPr lang="en-US" sz="1200" u="none" strike="noStrike" dirty="0">
-                          <a:effectLst/>
-                        </a:rPr>
-                        <a:t>run time(s)</a:t>
-                      </a:r>
-                      <a:endParaRPr lang="en-US" sz="1200" b="0" i="0" u="none" strike="noStrike" dirty="0">
-                        <a:solidFill>
-                          <a:srgbClr val="000000"/>
-                        </a:solidFill>
-                        <a:effectLst/>
-                        <a:latin typeface="Calibri" panose="020F0502020204030204" pitchFamily="34" charset="0"/>
-                      </a:endParaRPr>
-                    </a:p>
-                  </a:txBody>
-                  <a:tcPr marL="9525" marR="9525" marT="9525" marB="0" anchor="b"/>
-                </a:tc>
-                <a:tc>
-                  <a:txBody>
-                    <a:bodyPr/>
-                    <a:lstStyle/>
-                    <a:p>
-                      <a:pPr algn="l" fontAlgn="b"/>
-                      <a:r>
-                        <a:rPr lang="en-US" sz="1200" u="none" strike="noStrike" dirty="0">
-                          <a:effectLst/>
-                        </a:rPr>
-                        <a:t>speed up</a:t>
-                      </a:r>
-                      <a:endParaRPr lang="en-US" sz="1200" b="0" i="0" u="none" strike="noStrike" dirty="0">
-                        <a:solidFill>
-                          <a:srgbClr val="000000"/>
-                        </a:solidFill>
-                        <a:effectLst/>
-                        <a:latin typeface="Calibri" panose="020F0502020204030204" pitchFamily="34" charset="0"/>
-                      </a:endParaRPr>
-                    </a:p>
-                  </a:txBody>
-                  <a:tcPr marL="9525" marR="9525" marT="9525" marB="0" anchor="b"/>
-                </a:tc>
-                <a:extLst>
-                  <a:ext uri="{0D108BD9-81ED-4DB2-BD59-A6C34878D82A}">
-                    <a16:rowId xmlns:a16="http://schemas.microsoft.com/office/drawing/2014/main" val="3478114163"/>
-                  </a:ext>
-                </a:extLst>
-              </a:tr>
-              <a:tr h="203200">
-                <a:tc>
-                  <a:txBody>
-                    <a:bodyPr/>
-                    <a:lstStyle/>
-                    <a:p>
-                      <a:pPr algn="l" fontAlgn="b"/>
-                      <a:r>
-                        <a:rPr lang="en-US" sz="1200" u="none" strike="noStrike">
-                          <a:effectLst/>
-                        </a:rPr>
-                        <a:t>vanilla</a:t>
-                      </a:r>
-                      <a:endParaRPr lang="en-US" sz="1200" b="0" i="0" u="none" strike="noStrike">
-                        <a:solidFill>
-                          <a:srgbClr val="000000"/>
-                        </a:solidFill>
-                        <a:effectLst/>
-                        <a:latin typeface="Calibri" panose="020F0502020204030204" pitchFamily="34" charset="0"/>
-                      </a:endParaRPr>
-                    </a:p>
-                  </a:txBody>
-                  <a:tcPr marL="9525" marR="9525" marT="9525" marB="0" anchor="b"/>
-                </a:tc>
-                <a:tc>
-                  <a:txBody>
-                    <a:bodyPr/>
-                    <a:lstStyle/>
-                    <a:p>
-                      <a:pPr algn="r" fontAlgn="b"/>
-                      <a:r>
-                        <a:rPr lang="en-SA" sz="1200" u="none" strike="noStrike">
-                          <a:effectLst/>
-                        </a:rPr>
-                        <a:t>1.32</a:t>
-                      </a:r>
-                      <a:endParaRPr lang="en-SA" sz="1200" b="0" i="0" u="none" strike="noStrike">
-                        <a:solidFill>
-                          <a:srgbClr val="000000"/>
-                        </a:solidFill>
-                        <a:effectLst/>
-                        <a:latin typeface="Calibri" panose="020F0502020204030204" pitchFamily="34" charset="0"/>
-                      </a:endParaRPr>
-                    </a:p>
-                  </a:txBody>
-                  <a:tcPr marL="9525" marR="9525" marT="9525" marB="0" anchor="b"/>
-                </a:tc>
-                <a:tc>
-                  <a:txBody>
-                    <a:bodyPr/>
-                    <a:lstStyle/>
-                    <a:p>
-                      <a:pPr algn="r" fontAlgn="b"/>
-                      <a:r>
-                        <a:rPr lang="en-SA" sz="1200" u="none" strike="noStrike">
-                          <a:effectLst/>
-                        </a:rPr>
-                        <a:t>1.00</a:t>
-                      </a:r>
-                      <a:endParaRPr lang="en-SA" sz="1200" b="0" i="0" u="none" strike="noStrike">
-                        <a:solidFill>
-                          <a:srgbClr val="000000"/>
-                        </a:solidFill>
-                        <a:effectLst/>
-                        <a:latin typeface="Calibri" panose="020F0502020204030204" pitchFamily="34" charset="0"/>
-                      </a:endParaRPr>
-                    </a:p>
-                  </a:txBody>
-                  <a:tcPr marL="9525" marR="9525" marT="9525" marB="0" anchor="b"/>
-                </a:tc>
-                <a:extLst>
-                  <a:ext uri="{0D108BD9-81ED-4DB2-BD59-A6C34878D82A}">
-                    <a16:rowId xmlns:a16="http://schemas.microsoft.com/office/drawing/2014/main" val="3066401575"/>
-                  </a:ext>
-                </a:extLst>
-              </a:tr>
-              <a:tr h="203200">
-                <a:tc>
-                  <a:txBody>
-                    <a:bodyPr/>
-                    <a:lstStyle/>
-                    <a:p>
-                      <a:pPr algn="l" fontAlgn="b"/>
-                      <a:r>
-                        <a:rPr lang="en-US" sz="1200" u="none" strike="noStrike" dirty="0">
-                          <a:effectLst/>
-                        </a:rPr>
-                        <a:t>array packing</a:t>
-                      </a:r>
-                      <a:endParaRPr lang="en-US" sz="1200" b="0" i="0" u="none" strike="noStrike" dirty="0">
-                        <a:solidFill>
-                          <a:srgbClr val="000000"/>
-                        </a:solidFill>
-                        <a:effectLst/>
-                        <a:latin typeface="Calibri" panose="020F0502020204030204" pitchFamily="34" charset="0"/>
-                      </a:endParaRPr>
-                    </a:p>
-                  </a:txBody>
-                  <a:tcPr marL="9525" marR="9525" marT="9525" marB="0" anchor="b"/>
-                </a:tc>
-                <a:tc>
-                  <a:txBody>
-                    <a:bodyPr/>
-                    <a:lstStyle/>
-                    <a:p>
-                      <a:pPr algn="r" fontAlgn="b"/>
-                      <a:r>
-                        <a:rPr lang="en-SA" sz="1200" u="none" strike="noStrike">
-                          <a:effectLst/>
-                        </a:rPr>
-                        <a:t>1.28</a:t>
-                      </a:r>
-                      <a:endParaRPr lang="en-SA" sz="1200" b="0" i="0" u="none" strike="noStrike">
-                        <a:solidFill>
-                          <a:srgbClr val="000000"/>
-                        </a:solidFill>
-                        <a:effectLst/>
-                        <a:latin typeface="Calibri" panose="020F0502020204030204" pitchFamily="34" charset="0"/>
-                      </a:endParaRPr>
-                    </a:p>
-                  </a:txBody>
-                  <a:tcPr marL="9525" marR="9525" marT="9525" marB="0" anchor="b"/>
-                </a:tc>
-                <a:tc>
-                  <a:txBody>
-                    <a:bodyPr/>
-                    <a:lstStyle/>
-                    <a:p>
-                      <a:pPr algn="r" fontAlgn="b"/>
-                      <a:r>
-                        <a:rPr lang="en-SA" sz="1200" u="none" strike="noStrike">
-                          <a:effectLst/>
-                        </a:rPr>
-                        <a:t>1.03</a:t>
-                      </a:r>
-                      <a:endParaRPr lang="en-SA" sz="1200" b="0" i="0" u="none" strike="noStrike">
-                        <a:solidFill>
-                          <a:srgbClr val="000000"/>
-                        </a:solidFill>
-                        <a:effectLst/>
-                        <a:latin typeface="Calibri" panose="020F0502020204030204" pitchFamily="34" charset="0"/>
-                      </a:endParaRPr>
-                    </a:p>
-                  </a:txBody>
-                  <a:tcPr marL="9525" marR="9525" marT="9525" marB="0" anchor="b"/>
-                </a:tc>
-                <a:extLst>
-                  <a:ext uri="{0D108BD9-81ED-4DB2-BD59-A6C34878D82A}">
-                    <a16:rowId xmlns:a16="http://schemas.microsoft.com/office/drawing/2014/main" val="1830911713"/>
-                  </a:ext>
-                </a:extLst>
-              </a:tr>
-              <a:tr h="203200">
-                <a:tc>
-                  <a:txBody>
-                    <a:bodyPr/>
-                    <a:lstStyle/>
-                    <a:p>
-                      <a:pPr algn="l" fontAlgn="b"/>
-                      <a:r>
-                        <a:rPr lang="en-US" sz="1200" u="none" strike="noStrike">
-                          <a:effectLst/>
-                        </a:rPr>
-                        <a:t>tiling l1</a:t>
-                      </a:r>
-                      <a:endParaRPr lang="en-US" sz="1200" b="0" i="0" u="none" strike="noStrike">
-                        <a:solidFill>
-                          <a:srgbClr val="000000"/>
-                        </a:solidFill>
-                        <a:effectLst/>
-                        <a:latin typeface="Calibri" panose="020F0502020204030204" pitchFamily="34" charset="0"/>
-                      </a:endParaRPr>
-                    </a:p>
-                  </a:txBody>
-                  <a:tcPr marL="9525" marR="9525" marT="9525" marB="0" anchor="b"/>
-                </a:tc>
-                <a:tc>
-                  <a:txBody>
-                    <a:bodyPr/>
-                    <a:lstStyle/>
-                    <a:p>
-                      <a:pPr algn="r" fontAlgn="b"/>
-                      <a:r>
-                        <a:rPr lang="en-SA" sz="1200" u="none" strike="noStrike">
-                          <a:effectLst/>
-                        </a:rPr>
-                        <a:t>0.99</a:t>
-                      </a:r>
-                      <a:endParaRPr lang="en-SA" sz="1200" b="0" i="0" u="none" strike="noStrike">
-                        <a:solidFill>
-                          <a:srgbClr val="000000"/>
-                        </a:solidFill>
-                        <a:effectLst/>
-                        <a:latin typeface="Calibri" panose="020F0502020204030204" pitchFamily="34" charset="0"/>
-                      </a:endParaRPr>
-                    </a:p>
-                  </a:txBody>
-                  <a:tcPr marL="9525" marR="9525" marT="9525" marB="0" anchor="b"/>
-                </a:tc>
-                <a:tc>
-                  <a:txBody>
-                    <a:bodyPr/>
-                    <a:lstStyle/>
-                    <a:p>
-                      <a:pPr algn="r" fontAlgn="b"/>
-                      <a:r>
-                        <a:rPr lang="en-SA" sz="1200" u="none" strike="noStrike" dirty="0">
-                          <a:effectLst/>
-                        </a:rPr>
-                        <a:t>1.33</a:t>
-                      </a:r>
-                      <a:endParaRPr lang="en-SA" sz="1200" b="0" i="0" u="none" strike="noStrike" dirty="0">
-                        <a:solidFill>
-                          <a:srgbClr val="000000"/>
-                        </a:solidFill>
-                        <a:effectLst/>
-                        <a:latin typeface="Calibri" panose="020F0502020204030204" pitchFamily="34" charset="0"/>
-                      </a:endParaRPr>
-                    </a:p>
-                  </a:txBody>
-                  <a:tcPr marL="9525" marR="9525" marT="9525" marB="0" anchor="b"/>
-                </a:tc>
-                <a:extLst>
-                  <a:ext uri="{0D108BD9-81ED-4DB2-BD59-A6C34878D82A}">
-                    <a16:rowId xmlns:a16="http://schemas.microsoft.com/office/drawing/2014/main" val="1663351088"/>
-                  </a:ext>
-                </a:extLst>
-              </a:tr>
-              <a:tr h="203200">
-                <a:tc>
-                  <a:txBody>
-                    <a:bodyPr/>
-                    <a:lstStyle/>
-                    <a:p>
-                      <a:pPr algn="l" fontAlgn="b"/>
-                      <a:r>
-                        <a:rPr lang="en-US" sz="1200" u="none" strike="noStrike">
-                          <a:effectLst/>
-                        </a:rPr>
-                        <a:t>tiling l1+l2</a:t>
-                      </a:r>
-                      <a:endParaRPr lang="en-US" sz="1200" b="0" i="0" u="none" strike="noStrike">
-                        <a:solidFill>
-                          <a:srgbClr val="000000"/>
-                        </a:solidFill>
-                        <a:effectLst/>
-                        <a:latin typeface="Calibri" panose="020F0502020204030204" pitchFamily="34" charset="0"/>
-                      </a:endParaRPr>
-                    </a:p>
-                  </a:txBody>
-                  <a:tcPr marL="9525" marR="9525" marT="9525" marB="0" anchor="b"/>
-                </a:tc>
-                <a:tc>
-                  <a:txBody>
-                    <a:bodyPr/>
-                    <a:lstStyle/>
-                    <a:p>
-                      <a:pPr algn="r" fontAlgn="b"/>
-                      <a:r>
-                        <a:rPr lang="en-SA" sz="1200" u="none" strike="noStrike">
-                          <a:effectLst/>
-                        </a:rPr>
-                        <a:t>0.61</a:t>
-                      </a:r>
-                      <a:endParaRPr lang="en-SA" sz="1200" b="0" i="0" u="none" strike="noStrike">
-                        <a:solidFill>
-                          <a:srgbClr val="000000"/>
-                        </a:solidFill>
-                        <a:effectLst/>
-                        <a:latin typeface="Calibri" panose="020F0502020204030204" pitchFamily="34" charset="0"/>
-                      </a:endParaRPr>
-                    </a:p>
-                  </a:txBody>
-                  <a:tcPr marL="9525" marR="9525" marT="9525" marB="0" anchor="b"/>
-                </a:tc>
-                <a:tc>
-                  <a:txBody>
-                    <a:bodyPr/>
-                    <a:lstStyle/>
-                    <a:p>
-                      <a:pPr algn="r" fontAlgn="b"/>
-                      <a:r>
-                        <a:rPr lang="en-SA" sz="1200" u="none" strike="noStrike">
-                          <a:effectLst/>
-                        </a:rPr>
-                        <a:t>2.16</a:t>
-                      </a:r>
-                      <a:endParaRPr lang="en-SA" sz="1200" b="0" i="0" u="none" strike="noStrike">
-                        <a:solidFill>
-                          <a:srgbClr val="000000"/>
-                        </a:solidFill>
-                        <a:effectLst/>
-                        <a:latin typeface="Calibri" panose="020F0502020204030204" pitchFamily="34" charset="0"/>
-                      </a:endParaRPr>
-                    </a:p>
-                  </a:txBody>
-                  <a:tcPr marL="9525" marR="9525" marT="9525" marB="0" anchor="b"/>
-                </a:tc>
-                <a:extLst>
-                  <a:ext uri="{0D108BD9-81ED-4DB2-BD59-A6C34878D82A}">
-                    <a16:rowId xmlns:a16="http://schemas.microsoft.com/office/drawing/2014/main" val="1929009402"/>
-                  </a:ext>
-                </a:extLst>
-              </a:tr>
-              <a:tr h="203200">
-                <a:tc>
-                  <a:txBody>
-                    <a:bodyPr/>
-                    <a:lstStyle/>
-                    <a:p>
-                      <a:pPr algn="l" fontAlgn="b"/>
-                      <a:r>
-                        <a:rPr lang="en-US" sz="1200" u="none" strike="noStrike" dirty="0">
-                          <a:effectLst/>
-                        </a:rPr>
-                        <a:t>tiling l1+l2 + vectorize</a:t>
-                      </a:r>
-                      <a:endParaRPr lang="en-US" sz="1200" b="0" i="0" u="none" strike="noStrike" dirty="0">
-                        <a:solidFill>
-                          <a:srgbClr val="000000"/>
-                        </a:solidFill>
-                        <a:effectLst/>
-                        <a:latin typeface="Calibri" panose="020F0502020204030204" pitchFamily="34" charset="0"/>
-                      </a:endParaRPr>
-                    </a:p>
-                  </a:txBody>
-                  <a:tcPr marL="9525" marR="9525" marT="9525" marB="0" anchor="b"/>
-                </a:tc>
-                <a:tc>
-                  <a:txBody>
-                    <a:bodyPr/>
-                    <a:lstStyle/>
-                    <a:p>
-                      <a:pPr algn="r" fontAlgn="b"/>
-                      <a:r>
-                        <a:rPr lang="en-SA" sz="1200" u="none" strike="noStrike">
-                          <a:effectLst/>
-                        </a:rPr>
-                        <a:t>0.04</a:t>
-                      </a:r>
-                      <a:endParaRPr lang="en-SA" sz="1200" b="0" i="0" u="none" strike="noStrike">
-                        <a:solidFill>
-                          <a:srgbClr val="000000"/>
-                        </a:solidFill>
-                        <a:effectLst/>
-                        <a:latin typeface="Calibri" panose="020F0502020204030204" pitchFamily="34" charset="0"/>
-                      </a:endParaRPr>
-                    </a:p>
-                  </a:txBody>
-                  <a:tcPr marL="9525" marR="9525" marT="9525" marB="0" anchor="b"/>
-                </a:tc>
-                <a:tc>
-                  <a:txBody>
-                    <a:bodyPr/>
-                    <a:lstStyle/>
-                    <a:p>
-                      <a:pPr algn="r" fontAlgn="b"/>
-                      <a:r>
-                        <a:rPr lang="en-SA" sz="1200" u="none" strike="noStrike">
-                          <a:effectLst/>
-                        </a:rPr>
-                        <a:t>33.00</a:t>
-                      </a:r>
-                      <a:endParaRPr lang="en-SA" sz="1200" b="0" i="0" u="none" strike="noStrike">
-                        <a:solidFill>
-                          <a:srgbClr val="000000"/>
-                        </a:solidFill>
-                        <a:effectLst/>
-                        <a:latin typeface="Calibri" panose="020F0502020204030204" pitchFamily="34" charset="0"/>
-                      </a:endParaRPr>
-                    </a:p>
-                  </a:txBody>
-                  <a:tcPr marL="9525" marR="9525" marT="9525" marB="0" anchor="b"/>
-                </a:tc>
-                <a:extLst>
-                  <a:ext uri="{0D108BD9-81ED-4DB2-BD59-A6C34878D82A}">
-                    <a16:rowId xmlns:a16="http://schemas.microsoft.com/office/drawing/2014/main" val="1710713800"/>
-                  </a:ext>
-                </a:extLst>
-              </a:tr>
-              <a:tr h="203200">
-                <a:tc>
-                  <a:txBody>
-                    <a:bodyPr/>
-                    <a:lstStyle/>
-                    <a:p>
-                      <a:pPr algn="l" fontAlgn="b"/>
-                      <a:r>
-                        <a:rPr lang="en-US" sz="1200" u="none" strike="noStrike">
-                          <a:effectLst/>
-                        </a:rPr>
-                        <a:t>tiling l1+l2 + vectorize + parallel</a:t>
-                      </a:r>
-                      <a:endParaRPr lang="en-US" sz="1200" b="0" i="0" u="none" strike="noStrike">
-                        <a:solidFill>
-                          <a:srgbClr val="000000"/>
-                        </a:solidFill>
-                        <a:effectLst/>
-                        <a:latin typeface="Calibri" panose="020F0502020204030204" pitchFamily="34" charset="0"/>
-                      </a:endParaRPr>
-                    </a:p>
-                  </a:txBody>
-                  <a:tcPr marL="9525" marR="9525" marT="9525" marB="0" anchor="b"/>
-                </a:tc>
-                <a:tc>
-                  <a:txBody>
-                    <a:bodyPr/>
-                    <a:lstStyle/>
-                    <a:p>
-                      <a:pPr algn="r" fontAlgn="b"/>
-                      <a:r>
-                        <a:rPr lang="en-SA" sz="1200" u="none" strike="noStrike">
-                          <a:effectLst/>
-                        </a:rPr>
-                        <a:t>0.04</a:t>
-                      </a:r>
-                      <a:endParaRPr lang="en-SA" sz="1200" b="0" i="0" u="none" strike="noStrike">
-                        <a:solidFill>
-                          <a:srgbClr val="000000"/>
-                        </a:solidFill>
-                        <a:effectLst/>
-                        <a:latin typeface="Calibri" panose="020F0502020204030204" pitchFamily="34" charset="0"/>
-                      </a:endParaRPr>
-                    </a:p>
-                  </a:txBody>
-                  <a:tcPr marL="9525" marR="9525" marT="9525" marB="0" anchor="b"/>
-                </a:tc>
-                <a:tc>
-                  <a:txBody>
-                    <a:bodyPr/>
-                    <a:lstStyle/>
-                    <a:p>
-                      <a:pPr algn="r" fontAlgn="b"/>
-                      <a:r>
-                        <a:rPr lang="en-SA" sz="1200" u="none" strike="noStrike" dirty="0">
-                          <a:effectLst/>
-                        </a:rPr>
-                        <a:t>33.00</a:t>
-                      </a:r>
-                      <a:endParaRPr lang="en-SA" sz="1200" b="0" i="0" u="none" strike="noStrike" dirty="0">
-                        <a:solidFill>
-                          <a:srgbClr val="000000"/>
-                        </a:solidFill>
-                        <a:effectLst/>
-                        <a:latin typeface="Calibri" panose="020F0502020204030204" pitchFamily="34" charset="0"/>
-                      </a:endParaRPr>
-                    </a:p>
-                  </a:txBody>
-                  <a:tcPr marL="9525" marR="9525" marT="9525" marB="0" anchor="b"/>
-                </a:tc>
-                <a:extLst>
-                  <a:ext uri="{0D108BD9-81ED-4DB2-BD59-A6C34878D82A}">
-                    <a16:rowId xmlns:a16="http://schemas.microsoft.com/office/drawing/2014/main" val="3339601312"/>
-                  </a:ext>
-                </a:extLst>
-              </a:tr>
-            </a:tbl>
-          </a:graphicData>
-        </a:graphic>
-      </p:graphicFrame>
-      <p:sp>
-        <p:nvSpPr>
-          <p:cNvPr id="13" name="Title 1">
-            <a:extLst>
-              <a:ext uri="{FF2B5EF4-FFF2-40B4-BE49-F238E27FC236}">
-                <a16:creationId xmlns:a16="http://schemas.microsoft.com/office/drawing/2014/main" id="{016A459F-A87B-ECFD-F0AC-1250D1037193}"/>
-              </a:ext>
-            </a:extLst>
-          </p:cNvPr>
-          <p:cNvSpPr txBox="1">
-            <a:spLocks/>
-          </p:cNvSpPr>
-          <p:nvPr/>
-        </p:nvSpPr>
-        <p:spPr>
-          <a:xfrm>
-            <a:off x="838200" y="466250"/>
-            <a:ext cx="10515600" cy="1325563"/>
-          </a:xfrm>
-          <a:prstGeom prst="rect">
-            <a:avLst/>
-          </a:prstGeom>
-        </p:spPr>
-        <p:txBody>
-          <a:bodyPr vert="horz" lIns="91440" tIns="45720" rIns="91440" bIns="45720" rtlCol="0" anchor="ctr">
-            <a:normAutofit/>
-          </a:bodyPr>
-          <a:lstStyle>
-            <a:lvl1pPr algn="l" defTabSz="914400" rtl="0" eaLnBrk="1" latinLnBrk="0" hangingPunct="1">
-              <a:lnSpc>
-                <a:spcPct val="90000"/>
-              </a:lnSpc>
-              <a:spcBef>
-                <a:spcPct val="0"/>
-              </a:spcBef>
-              <a:buNone/>
-              <a:defRPr sz="4400" kern="1200">
-                <a:solidFill>
-                  <a:schemeClr val="tx1"/>
-                </a:solidFill>
-                <a:latin typeface="+mj-lt"/>
-                <a:ea typeface="+mj-ea"/>
-                <a:cs typeface="+mj-cs"/>
-              </a:defRPr>
-            </a:lvl1pPr>
-          </a:lstStyle>
-          <a:p>
-            <a:r>
-              <a:rPr lang="en-US" altLang="zh-CN" dirty="0">
-                <a:solidFill>
-                  <a:srgbClr val="000000"/>
-                </a:solidFill>
-                <a:latin typeface="Roboto" panose="02000000000000000000" pitchFamily="2" charset="0"/>
-              </a:rPr>
-              <a:t>Results</a:t>
-            </a:r>
-            <a:endParaRPr lang="en-SA" dirty="0"/>
-          </a:p>
-        </p:txBody>
-      </p:sp>
-      <p:sp>
-        <p:nvSpPr>
-          <p:cNvPr id="14" name="Content Placeholder 2">
-            <a:extLst>
-              <a:ext uri="{FF2B5EF4-FFF2-40B4-BE49-F238E27FC236}">
-                <a16:creationId xmlns:a16="http://schemas.microsoft.com/office/drawing/2014/main" id="{D0F9C347-BAE1-038C-9FC7-2B1C2ACFE0EA}"/>
+      <p:sp>
+        <p:nvSpPr>
+          <p:cNvPr id="3" name="Content Placeholder 2">
+            <a:extLst>
+              <a:ext uri="{FF2B5EF4-FFF2-40B4-BE49-F238E27FC236}">
+                <a16:creationId xmlns:a16="http://schemas.microsoft.com/office/drawing/2014/main" id="{5A53CC43-4A1D-AAF5-CE61-3B5ED85551DC}"/>
               </a:ext>
             </a:extLst>
           </p:cNvPr>
@@ -5771,96 +10139,186 @@
             <p:ph idx="1"/>
           </p:nvPr>
         </p:nvSpPr>
-        <p:spPr>
-          <a:xfrm>
-            <a:off x="169585" y="1680347"/>
-            <a:ext cx="5238572" cy="4351338"/>
-          </a:xfrm>
-        </p:spPr>
+        <p:spPr/>
         <p:txBody>
           <a:bodyPr/>
           <a:lstStyle/>
           <a:p>
-            <a:pPr marL="0" indent="0">
-              <a:buNone/>
-            </a:pPr>
-            <a:r>
-              <a:rPr lang="en-US" altLang="zh-CN" dirty="0"/>
+            <a:r>
+              <a:rPr lang="en-US" dirty="0"/>
+              <a:t>All the experiment results mentioned below, are executed on 2021’s 16’ MacBook equipped with Apple M1 Pro Chip. The cache line size should be </a:t>
+            </a:r>
+            <a:r>
+              <a:rPr lang="en-US"/>
+              <a:t>128 bytes</a:t>
+            </a:r>
+            <a:endParaRPr lang="en-US" dirty="0"/>
+          </a:p>
+          <a:p>
+            <a:r>
+              <a:rPr lang="en-US" b="0" i="0" u="none" strike="noStrike" dirty="0">
+                <a:solidFill>
+                  <a:srgbClr val="333333"/>
+                </a:solidFill>
+                <a:effectLst/>
+                <a:latin typeface="Open Sans" panose="020B0606030504020204" pitchFamily="34" charset="0"/>
+              </a:rPr>
+              <a:t>M1 Pro has 256-bit</a:t>
+            </a:r>
+            <a:r>
+              <a:rPr lang="zh-CN" altLang="en-US" b="0" i="0" u="none" strike="noStrike" dirty="0">
+                <a:solidFill>
+                  <a:srgbClr val="333333"/>
+                </a:solidFill>
+                <a:effectLst/>
+                <a:latin typeface="Open Sans" panose="020B0606030504020204" pitchFamily="34" charset="0"/>
+              </a:rPr>
+              <a:t> </a:t>
+            </a:r>
+            <a:r>
+              <a:rPr lang="en-US" altLang="zh-CN" b="0" i="0" u="none" strike="noStrike" dirty="0">
+                <a:solidFill>
+                  <a:srgbClr val="333333"/>
+                </a:solidFill>
+                <a:effectLst/>
+                <a:latin typeface="Open Sans" panose="020B0606030504020204" pitchFamily="34" charset="0"/>
+              </a:rPr>
+              <a:t>LPDDR</a:t>
+            </a:r>
+            <a:r>
+              <a:rPr lang="en-US" b="0" i="0" u="none" strike="noStrike" dirty="0">
+                <a:solidFill>
+                  <a:srgbClr val="333333"/>
+                </a:solidFill>
+                <a:effectLst/>
+                <a:latin typeface="Open Sans" panose="020B0606030504020204" pitchFamily="34" charset="0"/>
+              </a:rPr>
+              <a:t>5-6400 SDRAM memory, 204GB/s bandwidth </a:t>
+            </a:r>
+          </a:p>
+          <a:p>
+            <a:r>
+              <a:rPr lang="en-US" b="0" i="0" u="none" strike="noStrike" dirty="0">
+                <a:solidFill>
+                  <a:srgbClr val="333333"/>
+                </a:solidFill>
+                <a:effectLst/>
+                <a:latin typeface="Open Sans" panose="020B0606030504020204" pitchFamily="34" charset="0"/>
+              </a:rPr>
               <a:t>L2</a:t>
             </a:r>
             <a:r>
-              <a:rPr lang="zh-CN" altLang="en-US" dirty="0"/>
-              <a:t> </a:t>
-            </a:r>
-            <a:r>
-              <a:rPr lang="en-US" altLang="zh-CN" dirty="0"/>
-              <a:t>tiling</a:t>
-            </a:r>
-            <a:r>
-              <a:rPr lang="zh-CN" altLang="en-US" dirty="0"/>
-              <a:t> </a:t>
-            </a:r>
-            <a:r>
-              <a:rPr lang="en-US" altLang="zh-CN" dirty="0"/>
-              <a:t>can</a:t>
-            </a:r>
-            <a:r>
-              <a:rPr lang="zh-CN" altLang="en-US" dirty="0"/>
-              <a:t> </a:t>
-            </a:r>
-            <a:r>
-              <a:rPr lang="en-US" altLang="zh-CN" dirty="0"/>
-              <a:t>further</a:t>
-            </a:r>
-            <a:r>
-              <a:rPr lang="zh-CN" altLang="en-US" dirty="0"/>
-              <a:t> </a:t>
-            </a:r>
-            <a:r>
-              <a:rPr lang="en-US" altLang="zh-CN" dirty="0"/>
-              <a:t>speed</a:t>
-            </a:r>
-            <a:r>
-              <a:rPr lang="zh-CN" altLang="en-US" dirty="0"/>
-              <a:t> </a:t>
-            </a:r>
-            <a:r>
-              <a:rPr lang="en-US" altLang="zh-CN" dirty="0"/>
-              <a:t>up</a:t>
-            </a:r>
-            <a:r>
-              <a:rPr lang="zh-CN" altLang="en-US" dirty="0"/>
-              <a:t> </a:t>
-            </a:r>
-            <a:r>
-              <a:rPr lang="en-US" altLang="zh-CN" dirty="0"/>
-              <a:t>to</a:t>
-            </a:r>
-            <a:r>
-              <a:rPr lang="zh-CN" altLang="en-US" dirty="0"/>
-              <a:t> </a:t>
-            </a:r>
-            <a:r>
-              <a:rPr lang="en-US" altLang="zh-CN" dirty="0"/>
-              <a:t>1.62x</a:t>
-            </a:r>
-          </a:p>
-          <a:p>
-            <a:pPr marL="0" indent="0">
-              <a:buNone/>
-            </a:pPr>
-            <a:endParaRPr lang="en-US" dirty="0"/>
-          </a:p>
-          <a:p>
-            <a:pPr marL="0" indent="0">
-              <a:buNone/>
-            </a:pPr>
-            <a:endParaRPr lang="en-US" dirty="0"/>
-          </a:p>
-          <a:p>
-            <a:pPr marL="0" indent="0">
-              <a:buNone/>
-            </a:pPr>
+              <a:rPr lang="zh-CN" altLang="en-US" b="0" i="0" u="none" strike="noStrike" dirty="0">
+                <a:solidFill>
+                  <a:srgbClr val="333333"/>
+                </a:solidFill>
+                <a:effectLst/>
+                <a:latin typeface="Open Sans" panose="020B0606030504020204" pitchFamily="34" charset="0"/>
+              </a:rPr>
+              <a:t> </a:t>
+            </a:r>
+            <a:r>
+              <a:rPr lang="en-US" altLang="zh-CN" b="0" i="0" u="none" strike="noStrike" dirty="0">
+                <a:solidFill>
+                  <a:srgbClr val="333333"/>
+                </a:solidFill>
+                <a:effectLst/>
+                <a:latin typeface="Open Sans" panose="020B0606030504020204" pitchFamily="34" charset="0"/>
+              </a:rPr>
+              <a:t>cache</a:t>
+            </a:r>
+            <a:r>
+              <a:rPr lang="zh-CN" altLang="en-US" b="0" i="0" u="none" strike="noStrike" dirty="0">
+                <a:solidFill>
+                  <a:srgbClr val="333333"/>
+                </a:solidFill>
+                <a:effectLst/>
+                <a:latin typeface="Open Sans" panose="020B0606030504020204" pitchFamily="34" charset="0"/>
+              </a:rPr>
+              <a:t> </a:t>
+            </a:r>
+            <a:r>
+              <a:rPr lang="en-US" altLang="zh-CN" b="0" i="0" u="none" strike="noStrike" dirty="0">
+                <a:solidFill>
+                  <a:srgbClr val="333333"/>
+                </a:solidFill>
+                <a:effectLst/>
+                <a:latin typeface="Open Sans" panose="020B0606030504020204" pitchFamily="34" charset="0"/>
+              </a:rPr>
+              <a:t>bandwidth</a:t>
+            </a:r>
+            <a:r>
+              <a:rPr lang="zh-CN" altLang="en-US" b="0" i="0" u="none" strike="noStrike" dirty="0">
+                <a:solidFill>
+                  <a:srgbClr val="333333"/>
+                </a:solidFill>
+                <a:effectLst/>
+                <a:latin typeface="Open Sans" panose="020B0606030504020204" pitchFamily="34" charset="0"/>
+              </a:rPr>
+              <a:t> </a:t>
+            </a:r>
+            <a:r>
+              <a:rPr lang="en-US" altLang="zh-CN" b="0" i="0" u="none" strike="noStrike" dirty="0">
+                <a:solidFill>
+                  <a:srgbClr val="333333"/>
+                </a:solidFill>
+                <a:effectLst/>
+                <a:latin typeface="Open Sans" panose="020B0606030504020204" pitchFamily="34" charset="0"/>
+              </a:rPr>
+              <a:t>=</a:t>
+            </a:r>
+            <a:r>
+              <a:rPr lang="en-US" b="0" i="0" u="none" strike="noStrike" dirty="0">
+                <a:solidFill>
+                  <a:srgbClr val="333333"/>
+                </a:solidFill>
+                <a:effectLst/>
+                <a:latin typeface="Open Sans" panose="020B0606030504020204" pitchFamily="34" charset="0"/>
+              </a:rPr>
+              <a:t> 400 GB/s</a:t>
+            </a:r>
+          </a:p>
+          <a:p>
+            <a:r>
+              <a:rPr lang="en-US" b="0" i="0" dirty="0">
+                <a:solidFill>
+                  <a:srgbClr val="0D0D0D"/>
+                </a:solidFill>
+                <a:effectLst/>
+                <a:latin typeface="Söhne"/>
+              </a:rPr>
+              <a:t>Unable to find the</a:t>
+            </a:r>
+            <a:r>
+              <a:rPr lang="zh-CN" altLang="en-US" b="0" i="0" dirty="0">
+                <a:solidFill>
+                  <a:srgbClr val="0D0D0D"/>
+                </a:solidFill>
+                <a:effectLst/>
+                <a:latin typeface="Söhne"/>
+              </a:rPr>
+              <a:t> </a:t>
+            </a:r>
+            <a:r>
+              <a:rPr lang="en-US" altLang="zh-CN" b="0" i="0" dirty="0">
+                <a:solidFill>
+                  <a:srgbClr val="0D0D0D"/>
+                </a:solidFill>
+                <a:effectLst/>
+                <a:latin typeface="Söhne"/>
+              </a:rPr>
+              <a:t>specific</a:t>
+            </a:r>
+            <a:r>
+              <a:rPr lang="en-US" b="0" i="0" dirty="0">
+                <a:solidFill>
+                  <a:srgbClr val="0D0D0D"/>
+                </a:solidFill>
+                <a:effectLst/>
+                <a:latin typeface="Söhne"/>
+              </a:rPr>
+              <a:t> bandwidth of the L1 cache</a:t>
+            </a:r>
             <a:endParaRPr lang="en-SA" dirty="0"/>
           </a:p>
         </p:txBody>
@@ -5868,7 +10326,7 @@
     </p:spTree>
     <p:extLst>
       <p:ext uri="{BB962C8B-B14F-4D97-AF65-F5344CB8AC3E}">
-        <p14:creationId xmlns:p14="http://schemas.microsoft.com/office/powerpoint/2010/main" val="4082840161"/>
+        <p14:creationId xmlns:p14="http://schemas.microsoft.com/office/powerpoint/2010/main" val="3011298179"/>
       </p:ext>
     </p:extLst>
   </p:cSld>
@@ -5895,190 +10353,71 @@
           <a:chExt cx="0" cy="0"/>
         </a:xfrm>
       </p:grpSpPr>
-      <p:sp>
-        <p:nvSpPr>
-          <p:cNvPr id="3" name="Content Placeholder 2">
-            <a:extLst>
-              <a:ext uri="{FF2B5EF4-FFF2-40B4-BE49-F238E27FC236}">
-                <a16:creationId xmlns:a16="http://schemas.microsoft.com/office/drawing/2014/main" id="{1D320CE3-0F9F-8115-BE41-2D95E221437E}"/>
-              </a:ext>
-            </a:extLst>
-          </p:cNvPr>
-          <p:cNvSpPr>
-            <a:spLocks noGrp="1"/>
-          </p:cNvSpPr>
+      <p:pic>
+        <p:nvPicPr>
+          <p:cNvPr id="5" name="Content Placeholder 4">
+            <a:extLst>
+              <a:ext uri="{FF2B5EF4-FFF2-40B4-BE49-F238E27FC236}">
+                <a16:creationId xmlns:a16="http://schemas.microsoft.com/office/drawing/2014/main" id="{16E67E46-BBD2-BB10-4CB7-C58CC700B769}"/>
+              </a:ext>
+            </a:extLst>
+          </p:cNvPr>
+          <p:cNvPicPr>
+            <a:picLocks noGrp="1" noChangeAspect="1"/>
+          </p:cNvPicPr>
           <p:nvPr>
             <p:ph idx="1"/>
           </p:nvPr>
-        </p:nvSpPr>
+        </p:nvPicPr>
+        <p:blipFill>
+          <a:blip r:embed="rId2"/>
+          <a:stretch>
+            <a:fillRect/>
+          </a:stretch>
+        </p:blipFill>
         <p:spPr>
           <a:xfrm>
-            <a:off x="675830" y="1731622"/>
-            <a:ext cx="10515600" cy="4351338"/>
+            <a:off x="740082" y="2266310"/>
+            <a:ext cx="4635500" cy="3175000"/>
           </a:xfrm>
         </p:spPr>
-        <p:txBody>
-          <a:bodyPr/>
-          <a:lstStyle/>
-          <a:p>
-            <a:r>
-              <a:rPr lang="en-US" altLang="zh-CN" dirty="0" err="1"/>
-              <a:t>Theroically</a:t>
-            </a:r>
-            <a:r>
-              <a:rPr lang="zh-CN" altLang="en-US" dirty="0"/>
-              <a:t> </a:t>
-            </a:r>
-            <a:r>
-              <a:rPr lang="en-US" altLang="zh-CN" dirty="0"/>
-              <a:t>,</a:t>
-            </a:r>
-            <a:r>
-              <a:rPr lang="zh-CN" altLang="en-US" dirty="0"/>
-              <a:t> </a:t>
-            </a:r>
-            <a:r>
-              <a:rPr lang="en-US" altLang="zh-CN" dirty="0"/>
-              <a:t>it</a:t>
-            </a:r>
-            <a:r>
-              <a:rPr lang="zh-CN" altLang="en-US" dirty="0"/>
-              <a:t> </a:t>
-            </a:r>
-            <a:r>
-              <a:rPr lang="en-US" altLang="zh-CN" dirty="0"/>
-              <a:t>only</a:t>
-            </a:r>
-            <a:r>
-              <a:rPr lang="zh-CN" altLang="en-US" dirty="0"/>
-              <a:t> </a:t>
-            </a:r>
-            <a:r>
-              <a:rPr lang="en-US" altLang="zh-CN" dirty="0"/>
-              <a:t>have</a:t>
-            </a:r>
-            <a:r>
-              <a:rPr lang="zh-CN" altLang="en-US" dirty="0"/>
-              <a:t>  </a:t>
-            </a:r>
-            <a:r>
-              <a:rPr lang="en-US" altLang="zh-CN" dirty="0"/>
-              <a:t>1024^2.8/(1024^3)=</a:t>
-            </a:r>
-            <a:r>
-              <a:rPr lang="zh-CN" altLang="en-US" dirty="0"/>
-              <a:t>  </a:t>
-            </a:r>
-            <a:r>
-              <a:rPr lang="en-SA" dirty="0"/>
-              <a:t>25.00%</a:t>
-            </a:r>
-            <a:r>
-              <a:rPr lang="zh-CN" altLang="en-US" dirty="0"/>
-              <a:t> </a:t>
-            </a:r>
-            <a:r>
-              <a:rPr lang="en-US" altLang="zh-CN" dirty="0"/>
-              <a:t>time.</a:t>
-            </a:r>
-            <a:r>
-              <a:rPr lang="zh-CN" altLang="en-US" dirty="0"/>
-              <a:t> </a:t>
-            </a:r>
-            <a:r>
-              <a:rPr lang="en-US" altLang="zh-CN" dirty="0"/>
-              <a:t>4x</a:t>
-            </a:r>
-            <a:r>
-              <a:rPr lang="zh-CN" altLang="en-US" dirty="0"/>
-              <a:t> </a:t>
-            </a:r>
-            <a:r>
-              <a:rPr lang="en-US" altLang="zh-CN" dirty="0"/>
-              <a:t>speed</a:t>
-            </a:r>
-            <a:r>
-              <a:rPr lang="zh-CN" altLang="en-US" dirty="0"/>
-              <a:t> </a:t>
-            </a:r>
-            <a:r>
-              <a:rPr lang="en-US" altLang="zh-CN" dirty="0"/>
-              <a:t>up</a:t>
-            </a:r>
-          </a:p>
-          <a:p>
-            <a:r>
-              <a:rPr lang="en-US" altLang="zh-CN" dirty="0"/>
-              <a:t>Our</a:t>
-            </a:r>
-            <a:r>
-              <a:rPr lang="zh-CN" altLang="en-US" dirty="0"/>
-              <a:t> </a:t>
-            </a:r>
-            <a:r>
-              <a:rPr lang="en-US" altLang="zh-CN" dirty="0"/>
-              <a:t>naïve</a:t>
-            </a:r>
-            <a:r>
-              <a:rPr lang="zh-CN" altLang="en-US" dirty="0"/>
-              <a:t> </a:t>
-            </a:r>
-            <a:r>
-              <a:rPr lang="en-US" altLang="zh-CN" dirty="0"/>
-              <a:t>Strassen</a:t>
-            </a:r>
-            <a:r>
-              <a:rPr lang="zh-CN" altLang="en-US" dirty="0"/>
-              <a:t> </a:t>
-            </a:r>
-            <a:r>
-              <a:rPr lang="en-US" altLang="zh-CN" dirty="0"/>
-              <a:t>method</a:t>
-            </a:r>
-            <a:r>
-              <a:rPr lang="zh-CN" altLang="en-US" dirty="0"/>
-              <a:t> </a:t>
-            </a:r>
-            <a:r>
-              <a:rPr lang="en-US" altLang="zh-CN" dirty="0"/>
-              <a:t>can</a:t>
-            </a:r>
-            <a:r>
-              <a:rPr lang="zh-CN" altLang="en-US" dirty="0"/>
-              <a:t> </a:t>
-            </a:r>
-            <a:r>
-              <a:rPr lang="en-US" altLang="zh-CN" dirty="0"/>
-              <a:t>reach</a:t>
-            </a:r>
-            <a:r>
-              <a:rPr lang="zh-CN" altLang="en-US" dirty="0"/>
-              <a:t> </a:t>
-            </a:r>
-            <a:r>
-              <a:rPr lang="en-US" altLang="zh-CN" dirty="0"/>
-              <a:t>3.47x</a:t>
-            </a:r>
-            <a:r>
-              <a:rPr lang="zh-CN" altLang="en-US" dirty="0"/>
-              <a:t> </a:t>
-            </a:r>
-            <a:r>
-              <a:rPr lang="en-US" altLang="zh-CN" dirty="0"/>
-              <a:t>speed.</a:t>
-            </a:r>
-          </a:p>
-          <a:p>
-            <a:endParaRPr lang="en-US" altLang="zh-CN" dirty="0"/>
-          </a:p>
-        </p:txBody>
-      </p:sp>
-      <p:sp>
-        <p:nvSpPr>
-          <p:cNvPr id="4" name="Title 1">
-            <a:extLst>
-              <a:ext uri="{FF2B5EF4-FFF2-40B4-BE49-F238E27FC236}">
-                <a16:creationId xmlns:a16="http://schemas.microsoft.com/office/drawing/2014/main" id="{F8AE6426-E875-F3B5-5246-7E86AC883371}"/>
+      </p:pic>
+      <p:pic>
+        <p:nvPicPr>
+          <p:cNvPr id="7" name="Picture 6">
+            <a:extLst>
+              <a:ext uri="{FF2B5EF4-FFF2-40B4-BE49-F238E27FC236}">
+                <a16:creationId xmlns:a16="http://schemas.microsoft.com/office/drawing/2014/main" id="{A7E6EBAE-9BEE-5C72-6B5F-904E64EFAC82}"/>
+              </a:ext>
+            </a:extLst>
+          </p:cNvPr>
+          <p:cNvPicPr>
+            <a:picLocks noChangeAspect="1"/>
+          </p:cNvPicPr>
+          <p:nvPr/>
+        </p:nvPicPr>
+        <p:blipFill>
+          <a:blip r:embed="rId3"/>
+          <a:stretch>
+            <a:fillRect/>
+          </a:stretch>
+        </p:blipFill>
+        <p:spPr>
+          <a:xfrm>
+            <a:off x="5824998" y="2721692"/>
+            <a:ext cx="4533900" cy="1866900"/>
+          </a:xfrm>
+          <a:prstGeom prst="rect">
+            <a:avLst/>
+          </a:prstGeom>
+        </p:spPr>
+      </p:pic>
+      <p:sp>
+        <p:nvSpPr>
+          <p:cNvPr id="8" name="Title 1">
+            <a:extLst>
+              <a:ext uri="{FF2B5EF4-FFF2-40B4-BE49-F238E27FC236}">
+                <a16:creationId xmlns:a16="http://schemas.microsoft.com/office/drawing/2014/main" id="{562ED839-5FAF-B3DC-91DF-F495E9729363}"/>
               </a:ext>
             </a:extLst>
           </p:cNvPr>
@@ -6089,7 +10428,7 @@
         </p:nvSpPr>
         <p:spPr>
           <a:xfrm>
-            <a:off x="838200" y="466250"/>
+            <a:off x="990600" y="517525"/>
             <a:ext cx="10515600" cy="1325563"/>
           </a:xfrm>
           <a:prstGeom prst="rect">
@@ -6121,22 +10460,308 @@
           </a:lstStyle>
           <a:p>
             <a:r>
+              <a:rPr lang="en-US" altLang="zh-CN"/>
+              <a:t>Evaluation</a:t>
+            </a:r>
+            <a:r>
+              <a:rPr lang="zh-CN" altLang="en-US"/>
+              <a:t> </a:t>
+            </a:r>
+            <a:r>
+              <a:rPr lang="en-US" altLang="zh-CN"/>
+              <a:t>Setting</a:t>
+            </a:r>
+            <a:endParaRPr lang="en-SA" dirty="0"/>
+          </a:p>
+        </p:txBody>
+      </p:sp>
+      <p:sp>
+        <p:nvSpPr>
+          <p:cNvPr id="10" name="TextBox 9">
+            <a:extLst>
+              <a:ext uri="{FF2B5EF4-FFF2-40B4-BE49-F238E27FC236}">
+                <a16:creationId xmlns:a16="http://schemas.microsoft.com/office/drawing/2014/main" id="{1B8C1E5A-E7FF-588D-6B38-370E7C859934}"/>
+              </a:ext>
+            </a:extLst>
+          </p:cNvPr>
+          <p:cNvSpPr txBox="1"/>
+          <p:nvPr/>
+        </p:nvSpPr>
+        <p:spPr>
+          <a:xfrm>
+            <a:off x="6096000" y="5345134"/>
+            <a:ext cx="6096000" cy="369332"/>
+          </a:xfrm>
+          <a:prstGeom prst="rect">
+            <a:avLst/>
+          </a:prstGeom>
+          <a:noFill/>
+        </p:spPr>
+        <p:txBody>
+          <a:bodyPr wrap="square">
+            <a:spAutoFit/>
+          </a:bodyPr>
+          <a:lstStyle/>
+          <a:p>
+            <a:r>
+              <a:rPr lang="en-US" b="0" i="0" u="none" strike="noStrike" dirty="0">
+                <a:solidFill>
+                  <a:srgbClr val="333333"/>
+                </a:solidFill>
+                <a:effectLst/>
+                <a:latin typeface="Open Sans" panose="020B0606030504020204" pitchFamily="34" charset="0"/>
+              </a:rPr>
+              <a:t>L2</a:t>
+            </a:r>
+            <a:r>
+              <a:rPr lang="zh-CN" altLang="en-US" b="0" i="0" u="none" strike="noStrike" dirty="0">
+                <a:solidFill>
+                  <a:srgbClr val="333333"/>
+                </a:solidFill>
+                <a:effectLst/>
+                <a:latin typeface="Open Sans" panose="020B0606030504020204" pitchFamily="34" charset="0"/>
+              </a:rPr>
+              <a:t> </a:t>
+            </a:r>
+            <a:r>
+              <a:rPr lang="en-US" altLang="zh-CN" b="0" i="0" u="none" strike="noStrike" dirty="0">
+                <a:solidFill>
+                  <a:srgbClr val="333333"/>
+                </a:solidFill>
+                <a:effectLst/>
+                <a:latin typeface="Open Sans" panose="020B0606030504020204" pitchFamily="34" charset="0"/>
+              </a:rPr>
+              <a:t>cache</a:t>
+            </a:r>
+            <a:r>
+              <a:rPr lang="zh-CN" altLang="en-US" b="0" i="0" u="none" strike="noStrike" dirty="0">
+                <a:solidFill>
+                  <a:srgbClr val="333333"/>
+                </a:solidFill>
+                <a:effectLst/>
+                <a:latin typeface="Open Sans" panose="020B0606030504020204" pitchFamily="34" charset="0"/>
+              </a:rPr>
+              <a:t> </a:t>
+            </a:r>
+            <a:r>
               <a:rPr lang="en-US" altLang="zh-CN" dirty="0">
                 <a:solidFill>
-                  <a:srgbClr val="000000"/>
-                </a:solidFill>
-                <a:latin typeface="Roboto" panose="02000000000000000000" pitchFamily="2" charset="0"/>
-              </a:rPr>
-              <a:t>Results</a:t>
-            </a:r>
-            <a:endParaRPr lang="en-SA" dirty="0"/>
+                  <a:srgbClr val="333333"/>
+                </a:solidFill>
+                <a:latin typeface="Open Sans" panose="020B0606030504020204" pitchFamily="34" charset="0"/>
+              </a:rPr>
+              <a:t>size</a:t>
+            </a:r>
+            <a:r>
+              <a:rPr lang="zh-CN" altLang="en-US" b="0" i="0" u="none" strike="noStrike" dirty="0">
+                <a:solidFill>
+                  <a:srgbClr val="333333"/>
+                </a:solidFill>
+                <a:effectLst/>
+                <a:latin typeface="Open Sans" panose="020B0606030504020204" pitchFamily="34" charset="0"/>
+              </a:rPr>
+              <a:t> </a:t>
+            </a:r>
+            <a:r>
+              <a:rPr lang="en-US" altLang="zh-CN" b="0" i="0" u="none" strike="noStrike" dirty="0">
+                <a:solidFill>
+                  <a:srgbClr val="333333"/>
+                </a:solidFill>
+                <a:effectLst/>
+                <a:latin typeface="Open Sans" panose="020B0606030504020204" pitchFamily="34" charset="0"/>
+              </a:rPr>
+              <a:t>=</a:t>
+            </a:r>
+            <a:r>
+              <a:rPr lang="en-US" b="0" i="0" u="none" strike="noStrike" dirty="0">
+                <a:solidFill>
+                  <a:srgbClr val="333333"/>
+                </a:solidFill>
+                <a:effectLst/>
+                <a:latin typeface="Open Sans" panose="020B0606030504020204" pitchFamily="34" charset="0"/>
+              </a:rPr>
+              <a:t> 4</a:t>
+            </a:r>
+            <a:r>
+              <a:rPr lang="en-US" altLang="zh-CN" b="0" i="0" u="none" strike="noStrike" dirty="0">
+                <a:solidFill>
+                  <a:srgbClr val="333333"/>
+                </a:solidFill>
+                <a:effectLst/>
+                <a:latin typeface="Open Sans" panose="020B0606030504020204" pitchFamily="34" charset="0"/>
+              </a:rPr>
+              <a:t>MB</a:t>
+            </a:r>
+            <a:endParaRPr lang="en-US" b="0" i="0" u="none" strike="noStrike" dirty="0">
+              <a:solidFill>
+                <a:srgbClr val="333333"/>
+              </a:solidFill>
+              <a:effectLst/>
+              <a:latin typeface="Open Sans" panose="020B0606030504020204" pitchFamily="34" charset="0"/>
+            </a:endParaRPr>
+          </a:p>
+        </p:txBody>
+      </p:sp>
+      <p:sp>
+        <p:nvSpPr>
+          <p:cNvPr id="11" name="TextBox 10">
+            <a:extLst>
+              <a:ext uri="{FF2B5EF4-FFF2-40B4-BE49-F238E27FC236}">
+                <a16:creationId xmlns:a16="http://schemas.microsoft.com/office/drawing/2014/main" id="{8692B393-D606-BDFC-9184-5B282D5E6EFA}"/>
+              </a:ext>
+            </a:extLst>
+          </p:cNvPr>
+          <p:cNvSpPr txBox="1"/>
+          <p:nvPr/>
+        </p:nvSpPr>
+        <p:spPr>
+          <a:xfrm>
+            <a:off x="892277" y="5714466"/>
+            <a:ext cx="6096000" cy="369332"/>
+          </a:xfrm>
+          <a:prstGeom prst="rect">
+            <a:avLst/>
+          </a:prstGeom>
+          <a:noFill/>
+        </p:spPr>
+        <p:txBody>
+          <a:bodyPr wrap="square">
+            <a:spAutoFit/>
+          </a:bodyPr>
+          <a:lstStyle/>
+          <a:p>
+            <a:r>
+              <a:rPr lang="en-US" b="0" i="0" u="none" strike="noStrike" dirty="0">
+                <a:solidFill>
+                  <a:srgbClr val="333333"/>
+                </a:solidFill>
+                <a:effectLst/>
+                <a:latin typeface="Open Sans" panose="020B0606030504020204" pitchFamily="34" charset="0"/>
+              </a:rPr>
+              <a:t>L</a:t>
+            </a:r>
+            <a:r>
+              <a:rPr lang="en-US" altLang="zh-CN" b="0" i="0" u="none" strike="noStrike" dirty="0">
+                <a:solidFill>
+                  <a:srgbClr val="333333"/>
+                </a:solidFill>
+                <a:effectLst/>
+                <a:latin typeface="Open Sans" panose="020B0606030504020204" pitchFamily="34" charset="0"/>
+              </a:rPr>
+              <a:t>1</a:t>
+            </a:r>
+            <a:r>
+              <a:rPr lang="zh-CN" altLang="en-US" b="0" i="0" u="none" strike="noStrike" dirty="0">
+                <a:solidFill>
+                  <a:srgbClr val="333333"/>
+                </a:solidFill>
+                <a:effectLst/>
+                <a:latin typeface="Open Sans" panose="020B0606030504020204" pitchFamily="34" charset="0"/>
+              </a:rPr>
+              <a:t> </a:t>
+            </a:r>
+            <a:r>
+              <a:rPr lang="en-US" altLang="zh-CN" b="0" i="0" u="none" strike="noStrike" dirty="0">
+                <a:solidFill>
+                  <a:srgbClr val="333333"/>
+                </a:solidFill>
+                <a:effectLst/>
+                <a:latin typeface="Open Sans" panose="020B0606030504020204" pitchFamily="34" charset="0"/>
+              </a:rPr>
+              <a:t>dcache</a:t>
+            </a:r>
+            <a:r>
+              <a:rPr lang="zh-CN" altLang="en-US" b="0" i="0" u="none" strike="noStrike" dirty="0">
+                <a:solidFill>
+                  <a:srgbClr val="333333"/>
+                </a:solidFill>
+                <a:effectLst/>
+                <a:latin typeface="Open Sans" panose="020B0606030504020204" pitchFamily="34" charset="0"/>
+              </a:rPr>
+              <a:t> </a:t>
+            </a:r>
+            <a:r>
+              <a:rPr lang="en-US" altLang="zh-CN" dirty="0">
+                <a:solidFill>
+                  <a:srgbClr val="333333"/>
+                </a:solidFill>
+                <a:latin typeface="Open Sans" panose="020B0606030504020204" pitchFamily="34" charset="0"/>
+              </a:rPr>
+              <a:t>size</a:t>
+            </a:r>
+            <a:r>
+              <a:rPr lang="zh-CN" altLang="en-US" b="0" i="0" u="none" strike="noStrike" dirty="0">
+                <a:solidFill>
+                  <a:srgbClr val="333333"/>
+                </a:solidFill>
+                <a:effectLst/>
+                <a:latin typeface="Open Sans" panose="020B0606030504020204" pitchFamily="34" charset="0"/>
+              </a:rPr>
+              <a:t> </a:t>
+            </a:r>
+            <a:r>
+              <a:rPr lang="en-US" altLang="zh-CN" b="0" i="0" u="none" strike="noStrike" dirty="0">
+                <a:solidFill>
+                  <a:srgbClr val="333333"/>
+                </a:solidFill>
+                <a:effectLst/>
+                <a:latin typeface="Open Sans" panose="020B0606030504020204" pitchFamily="34" charset="0"/>
+              </a:rPr>
+              <a:t>=</a:t>
+            </a:r>
+            <a:r>
+              <a:rPr lang="en-US" b="0" i="0" u="none" strike="noStrike" dirty="0">
+                <a:solidFill>
+                  <a:srgbClr val="333333"/>
+                </a:solidFill>
+                <a:effectLst/>
+                <a:latin typeface="Open Sans" panose="020B0606030504020204" pitchFamily="34" charset="0"/>
+              </a:rPr>
+              <a:t> </a:t>
+            </a:r>
+            <a:r>
+              <a:rPr lang="en-US" altLang="zh-CN" b="0" i="0" u="none" strike="noStrike" dirty="0">
+                <a:solidFill>
+                  <a:srgbClr val="333333"/>
+                </a:solidFill>
+                <a:effectLst/>
+                <a:latin typeface="Open Sans" panose="020B0606030504020204" pitchFamily="34" charset="0"/>
+              </a:rPr>
+              <a:t>128KB/</a:t>
+            </a:r>
+            <a:r>
+              <a:rPr lang="zh-CN" altLang="en-US" b="0" i="0" u="none" strike="noStrike" dirty="0">
+                <a:solidFill>
+                  <a:srgbClr val="333333"/>
+                </a:solidFill>
+                <a:effectLst/>
+                <a:latin typeface="Open Sans" panose="020B0606030504020204" pitchFamily="34" charset="0"/>
+              </a:rPr>
+              <a:t> </a:t>
+            </a:r>
+            <a:r>
+              <a:rPr lang="en-US" altLang="zh-CN" dirty="0">
+                <a:solidFill>
+                  <a:srgbClr val="333333"/>
+                </a:solidFill>
+                <a:latin typeface="Open Sans" panose="020B0606030504020204" pitchFamily="34" charset="0"/>
+              </a:rPr>
+              <a:t>64KB</a:t>
+            </a:r>
+            <a:endParaRPr lang="en-US" b="0" i="0" u="none" strike="noStrike" dirty="0">
+              <a:solidFill>
+                <a:srgbClr val="333333"/>
+              </a:solidFill>
+              <a:effectLst/>
+              <a:latin typeface="Open Sans" panose="020B0606030504020204" pitchFamily="34" charset="0"/>
+            </a:endParaRPr>
           </a:p>
         </p:txBody>
       </p:sp>
     </p:spTree>
     <p:extLst>
       <p:ext uri="{BB962C8B-B14F-4D97-AF65-F5344CB8AC3E}">
-        <p14:creationId xmlns:p14="http://schemas.microsoft.com/office/powerpoint/2010/main" val="2713344379"/>
+        <p14:creationId xmlns:p14="http://schemas.microsoft.com/office/powerpoint/2010/main" val="779196663"/>
       </p:ext>
     </p:extLst>
   </p:cSld>
@@ -6165,39 +10790,10 @@
       </p:grpSpPr>
       <p:sp>
         <p:nvSpPr>
-          <p:cNvPr id="2" name="Title 1">
-            <a:extLst>
-              <a:ext uri="{FF2B5EF4-FFF2-40B4-BE49-F238E27FC236}">
-                <a16:creationId xmlns:a16="http://schemas.microsoft.com/office/drawing/2014/main" id="{A6447FB9-3509-0451-115A-88465F44BAA0}"/>
-              </a:ext>
-            </a:extLst>
-          </p:cNvPr>
-          <p:cNvSpPr>
-            <a:spLocks noGrp="1"/>
-          </p:cNvSpPr>
-          <p:nvPr>
-            <p:ph type="title"/>
-          </p:nvPr>
-        </p:nvSpPr>
-        <p:spPr/>
-        <p:txBody>
-          <a:bodyPr/>
-          <a:lstStyle/>
-          <a:p>
-            <a:r>
-              <a:rPr lang="en-US" altLang="zh-CN" dirty="0"/>
-              <a:t>Progress</a:t>
-            </a:r>
-            <a:endParaRPr lang="en-SA" dirty="0"/>
-          </a:p>
-        </p:txBody>
-      </p:sp>
-      <p:sp>
-        <p:nvSpPr>
-          <p:cNvPr id="3" name="Content Placeholder 2">
-            <a:extLst>
-              <a:ext uri="{FF2B5EF4-FFF2-40B4-BE49-F238E27FC236}">
-                <a16:creationId xmlns:a16="http://schemas.microsoft.com/office/drawing/2014/main" id="{31D1F1D5-78C5-4736-6F03-072E50D8B93F}"/>
+          <p:cNvPr id="6" name="Content Placeholder 2">
+            <a:extLst>
+              <a:ext uri="{FF2B5EF4-FFF2-40B4-BE49-F238E27FC236}">
+                <a16:creationId xmlns:a16="http://schemas.microsoft.com/office/drawing/2014/main" id="{74E3F1A3-25A7-D43F-A2D2-A1398D148138}"/>
               </a:ext>
             </a:extLst>
           </p:cNvPr>
@@ -6210,13 +10806,13 @@
         </p:nvSpPr>
         <p:spPr>
           <a:xfrm>
-            <a:off x="402364" y="1423972"/>
-            <a:ext cx="11715572" cy="5434028"/>
+            <a:off x="292096" y="1415798"/>
+            <a:ext cx="11990991" cy="2153312"/>
           </a:xfrm>
         </p:spPr>
         <p:txBody>
           <a:bodyPr>
-            <a:normAutofit/>
+            <a:normAutofit fontScale="85000" lnSpcReduction="10000"/>
           </a:bodyPr>
           <a:lstStyle/>
           <a:p>
@@ -6224,50 +10820,121 @@
               <a:buNone/>
             </a:pPr>
             <a:r>
-              <a:rPr lang="en-US" dirty="0"/>
-              <a:t>1.  </a:t>
-            </a:r>
-            <a:r>
-              <a:rPr lang="en-US" altLang="zh-CN" dirty="0"/>
-              <a:t>I</a:t>
-            </a:r>
-            <a:r>
-              <a:rPr lang="en-US" dirty="0"/>
-              <a:t>mplement a benchmark to measure the effect of memory access footprint. align the inner loop with the size of the L1 cache</a:t>
-            </a:r>
-            <a:r>
-              <a:rPr lang="en-US" altLang="zh-CN" dirty="0"/>
-              <a:t>,</a:t>
+              <a:rPr lang="en-US" altLang="zh-CN" dirty="0"/>
+              <a:t>However,</a:t>
             </a:r>
             <a:r>
               <a:rPr lang="zh-CN" altLang="en-US" dirty="0"/>
               <a:t> </a:t>
             </a:r>
             <a:r>
-              <a:rPr lang="en-US" dirty="0"/>
-              <a:t>and align the outer loop with</a:t>
+              <a:rPr lang="en-US" altLang="zh-CN" dirty="0"/>
+              <a:t>we</a:t>
             </a:r>
             <a:r>
               <a:rPr lang="zh-CN" altLang="en-US" dirty="0"/>
               <a:t> </a:t>
             </a:r>
             <a:r>
-              <a:rPr lang="en-US" dirty="0"/>
-              <a:t>the size of the L2 cache</a:t>
+              <a:rPr lang="en-US" altLang="zh-CN" dirty="0"/>
+              <a:t>can</a:t>
             </a:r>
             <a:r>
               <a:rPr lang="zh-CN" altLang="en-US" dirty="0"/>
-              <a:t> √</a:t>
-            </a:r>
-            <a:endParaRPr lang="ja-JP" altLang="en-US"/>
+              <a:t> </a:t>
+            </a:r>
+            <a:r>
+              <a:rPr lang="en-US" altLang="zh-CN" dirty="0"/>
+              <a:t>not</a:t>
+            </a:r>
+            <a:r>
+              <a:rPr lang="zh-CN" altLang="en-US" dirty="0"/>
+              <a:t> </a:t>
+            </a:r>
+            <a:r>
+              <a:rPr lang="en-US" altLang="zh-CN" dirty="0"/>
+              <a:t>occupy</a:t>
+            </a:r>
+            <a:r>
+              <a:rPr lang="zh-CN" altLang="en-US" dirty="0"/>
+              <a:t> </a:t>
+            </a:r>
+            <a:r>
+              <a:rPr lang="en-US" altLang="zh-CN" dirty="0"/>
+              <a:t>64KB</a:t>
+            </a:r>
+            <a:r>
+              <a:rPr lang="zh-CN" altLang="en-US" dirty="0"/>
+              <a:t> </a:t>
+            </a:r>
+            <a:r>
+              <a:rPr lang="en-US" altLang="zh-CN" dirty="0"/>
+              <a:t>space</a:t>
+            </a:r>
+            <a:r>
+              <a:rPr lang="zh-CN" altLang="en-US" dirty="0"/>
+              <a:t> </a:t>
+            </a:r>
+            <a:r>
+              <a:rPr lang="en-US" altLang="zh-CN" dirty="0"/>
+              <a:t>in</a:t>
+            </a:r>
+            <a:r>
+              <a:rPr lang="zh-CN" altLang="en-US" dirty="0"/>
+              <a:t> </a:t>
+            </a:r>
+            <a:r>
+              <a:rPr lang="en-US" altLang="zh-CN" dirty="0"/>
+              <a:t>l1</a:t>
+            </a:r>
+            <a:r>
+              <a:rPr lang="zh-CN" altLang="en-US" dirty="0"/>
+              <a:t> </a:t>
+            </a:r>
+            <a:r>
+              <a:rPr lang="en-US" altLang="zh-CN" dirty="0"/>
+              <a:t>cache.</a:t>
+            </a:r>
+            <a:r>
+              <a:rPr lang="zh-CN" altLang="en-US" dirty="0"/>
+              <a:t> </a:t>
+            </a:r>
+            <a:r>
+              <a:rPr lang="en-US" altLang="zh-CN" dirty="0"/>
+              <a:t>It</a:t>
+            </a:r>
+            <a:r>
+              <a:rPr lang="zh-CN" altLang="en-US" dirty="0"/>
+              <a:t> </a:t>
+            </a:r>
+            <a:r>
+              <a:rPr lang="en-US" altLang="zh-CN" dirty="0"/>
+              <a:t>is</a:t>
+            </a:r>
+            <a:r>
+              <a:rPr lang="zh-CN" altLang="en-US" dirty="0"/>
+              <a:t> </a:t>
+            </a:r>
+            <a:r>
+              <a:rPr lang="en-US" altLang="zh-CN" dirty="0"/>
+              <a:t>not</a:t>
+            </a:r>
+            <a:r>
+              <a:rPr lang="zh-CN" altLang="en-US" dirty="0"/>
+              <a:t> </a:t>
+            </a:r>
+            <a:r>
+              <a:rPr lang="en-US" altLang="zh-CN" dirty="0"/>
+              <a:t>optimal</a:t>
+            </a:r>
           </a:p>
           <a:p>
             <a:pPr marL="0" indent="0">
               <a:buNone/>
             </a:pPr>
             <a:r>
-              <a:rPr lang="en-US" altLang="ja-JP" dirty="0"/>
-              <a:t>2.</a:t>
+              <a:rPr lang="en-US" altLang="zh-CN" dirty="0"/>
+              <a:t>We</a:t>
             </a:r>
             <a:r>
               <a:rPr lang="zh-CN" altLang="en-US" dirty="0"/>
@@ -6275,55 +10942,155 @@
             </a:r>
             <a:r>
               <a:rPr lang="en-US" altLang="zh-CN" dirty="0"/>
-              <a:t>I</a:t>
+              <a:t>i</a:t>
             </a:r>
             <a:r>
               <a:rPr lang="en-US" dirty="0"/>
-              <a:t>mplement MM using the Strassen algorithm to reduce the theoretical FLOPs.</a:t>
-            </a:r>
-            <a:r>
-              <a:rPr lang="zh-CN" altLang="en-US" dirty="0"/>
-              <a:t>√</a:t>
-            </a:r>
-            <a:endParaRPr lang="en-US" dirty="0"/>
+              <a:t>mplement a benchmark to measure the effect of memory access footprint</a:t>
+            </a:r>
+            <a:endParaRPr lang="en-US" altLang="zh-CN" dirty="0"/>
           </a:p>
           <a:p>
             <a:pPr marL="0" indent="0">
               <a:buNone/>
             </a:pPr>
             <a:r>
-              <a:rPr lang="en-US" dirty="0"/>
-              <a:t>3. On the foundation of the Strassen algorithm, we use Strassen to calculate 64x64  matrix block multiplication.</a:t>
+              <a:rPr lang="en-US" altLang="zh-CN" dirty="0"/>
+              <a:t>We</a:t>
             </a:r>
             <a:r>
               <a:rPr lang="zh-CN" altLang="en-US" dirty="0"/>
-              <a:t> √</a:t>
-            </a:r>
-            <a:endParaRPr lang="en-US" altLang="zh-CN" dirty="0"/>
+              <a:t> </a:t>
+            </a:r>
+            <a:r>
+              <a:rPr lang="en-US" altLang="zh-CN" dirty="0"/>
+              <a:t>find</a:t>
+            </a:r>
+            <a:r>
+              <a:rPr lang="zh-CN" altLang="en-US" dirty="0"/>
+              <a:t> </a:t>
+            </a:r>
+            <a:r>
+              <a:rPr lang="en-US" altLang="zh-CN" dirty="0"/>
+              <a:t>when</a:t>
+            </a:r>
+            <a:r>
+              <a:rPr lang="zh-CN" altLang="en-US" dirty="0"/>
+              <a:t> </a:t>
+            </a:r>
+            <a:r>
+              <a:rPr lang="en-US" altLang="zh-CN" dirty="0"/>
+              <a:t>we</a:t>
+            </a:r>
+            <a:r>
+              <a:rPr lang="zh-CN" altLang="en-US" dirty="0"/>
+              <a:t> </a:t>
+            </a:r>
+            <a:r>
+              <a:rPr lang="en-US" altLang="zh-CN" dirty="0"/>
+              <a:t>has</a:t>
+            </a:r>
+            <a:r>
+              <a:rPr lang="zh-CN" altLang="en-US" dirty="0"/>
+              <a:t> </a:t>
+            </a:r>
+            <a:r>
+              <a:rPr lang="en-US" altLang="zh-CN" dirty="0"/>
+              <a:t>4K</a:t>
+            </a:r>
+            <a:r>
+              <a:rPr lang="zh-CN" altLang="en-US" dirty="0"/>
+              <a:t> </a:t>
+            </a:r>
+            <a:r>
+              <a:rPr lang="en-US" altLang="zh-CN" dirty="0"/>
+              <a:t>float</a:t>
+            </a:r>
+            <a:r>
+              <a:rPr lang="zh-CN" altLang="en-US" dirty="0"/>
+              <a:t> </a:t>
+            </a:r>
+            <a:r>
+              <a:rPr lang="en-US" altLang="zh-CN" dirty="0"/>
+              <a:t>number(i.e.</a:t>
+            </a:r>
+            <a:r>
+              <a:rPr lang="zh-CN" altLang="en-US" dirty="0"/>
+              <a:t> </a:t>
+            </a:r>
+            <a:r>
+              <a:rPr lang="en-US" altLang="zh-CN" dirty="0"/>
+              <a:t>16KB)</a:t>
+            </a:r>
+            <a:r>
+              <a:rPr lang="zh-CN" altLang="en-US" dirty="0"/>
+              <a:t> </a:t>
+            </a:r>
+            <a:r>
+              <a:rPr lang="en-US" altLang="zh-CN" dirty="0"/>
+              <a:t>is</a:t>
+            </a:r>
+            <a:r>
+              <a:rPr lang="zh-CN" altLang="en-US" dirty="0"/>
+              <a:t> </a:t>
+            </a:r>
+            <a:r>
+              <a:rPr lang="en-US" altLang="zh-CN" dirty="0"/>
+              <a:t>the</a:t>
+            </a:r>
+            <a:r>
+              <a:rPr lang="zh-CN" altLang="en-US" dirty="0"/>
+              <a:t> </a:t>
+            </a:r>
+            <a:r>
+              <a:rPr lang="en-US" altLang="zh-CN" dirty="0"/>
+              <a:t>optimal.</a:t>
+            </a:r>
+            <a:r>
+              <a:rPr lang="zh-CN" altLang="en-US" dirty="0"/>
+              <a:t> </a:t>
+            </a:r>
+            <a:endParaRPr lang="en-US" altLang="zh-CN" b="0" i="0" dirty="0">
+              <a:solidFill>
+                <a:srgbClr val="0D0D0D"/>
+              </a:solidFill>
+              <a:effectLst/>
+              <a:latin typeface="Söhne"/>
+            </a:endParaRPr>
           </a:p>
           <a:p>
             <a:pPr marL="0" indent="0">
               <a:buNone/>
             </a:pPr>
             <a:r>
-              <a:rPr lang="en-US" altLang="zh-CN" dirty="0"/>
-              <a:t>4.</a:t>
-            </a:r>
-            <a:r>
-              <a:rPr lang="zh-CN" altLang="en-US" dirty="0"/>
-              <a:t> </a:t>
-            </a:r>
-            <a:r>
-              <a:rPr lang="en-US" altLang="zh-CN" dirty="0"/>
-              <a:t>Explore the Winograd algorithm</a:t>
-            </a:r>
-            <a:r>
-              <a:rPr lang="zh-CN" altLang="en-US" dirty="0"/>
-              <a:t> </a:t>
-            </a:r>
-            <a:r>
-              <a:rPr lang="en-US" altLang="zh-CN" dirty="0"/>
-              <a:t>3.27- 4.10</a:t>
+              <a:rPr lang="en-US" altLang="zh-CN" b="0" i="0" dirty="0">
+                <a:solidFill>
+                  <a:srgbClr val="0D0D0D"/>
+                </a:solidFill>
+                <a:effectLst/>
+                <a:latin typeface="Söhne"/>
+              </a:rPr>
+              <a:t>=&gt;</a:t>
+            </a:r>
+            <a:r>
+              <a:rPr lang="zh-CN" altLang="en-US" b="0" i="0" dirty="0">
+                <a:solidFill>
+                  <a:srgbClr val="0D0D0D"/>
+                </a:solidFill>
+                <a:effectLst/>
+                <a:latin typeface="Söhne"/>
+              </a:rPr>
+              <a:t> </a:t>
+            </a:r>
+            <a:r>
+              <a:rPr lang="en-US" b="0" i="0" dirty="0">
+                <a:solidFill>
+                  <a:srgbClr val="0D0D0D"/>
+                </a:solidFill>
+                <a:effectLst/>
+                <a:latin typeface="Söhne"/>
+              </a:rPr>
+              <a:t>64 * 64 matrix can fit entirely in L1.</a:t>
             </a:r>
           </a:p>
           <a:p>
@@ -6331,64 +11098,397 @@
               <a:buNone/>
             </a:pPr>
             <a:r>
-              <a:rPr lang="en-US" altLang="zh-CN" dirty="0"/>
-              <a:t>5.</a:t>
-            </a:r>
-            <a:r>
-              <a:rPr lang="zh-CN" altLang="en-US" dirty="0"/>
-              <a:t> </a:t>
-            </a:r>
-            <a:r>
-              <a:rPr lang="en-US" altLang="zh-CN" dirty="0"/>
-              <a:t>Apply our MM to practical NNs and evaluate its performance.</a:t>
-            </a:r>
-            <a:r>
-              <a:rPr lang="zh-CN" altLang="en-US" dirty="0"/>
-              <a:t> </a:t>
-            </a:r>
-            <a:r>
-              <a:rPr lang="en-US" altLang="zh-CN" dirty="0"/>
-              <a:t>4.10-4.22 </a:t>
-            </a:r>
-          </a:p>
-          <a:p>
-            <a:pPr marL="0" indent="0">
+              <a:rPr lang="en-US" dirty="0">
+                <a:solidFill>
+                  <a:srgbClr val="0D0D0D"/>
+                </a:solidFill>
+                <a:latin typeface="Söhne"/>
+              </a:rPr>
+              <a:t> </a:t>
+            </a:r>
+            <a:r>
+              <a:rPr lang="en-US" altLang="zh-CN" dirty="0">
+                <a:solidFill>
+                  <a:srgbClr val="0D0D0D"/>
+                </a:solidFill>
+                <a:latin typeface="Söhne"/>
+              </a:rPr>
+              <a:t>After</a:t>
+            </a:r>
+            <a:r>
+              <a:rPr lang="zh-CN" altLang="en-US" dirty="0">
+                <a:solidFill>
+                  <a:srgbClr val="0D0D0D"/>
+                </a:solidFill>
+                <a:latin typeface="Söhne"/>
+              </a:rPr>
+              <a:t> </a:t>
+            </a:r>
+            <a:r>
+              <a:rPr lang="en-US" altLang="zh-CN" dirty="0">
+                <a:solidFill>
+                  <a:srgbClr val="0D0D0D"/>
+                </a:solidFill>
+                <a:latin typeface="Söhne"/>
+              </a:rPr>
+              <a:t>footprint</a:t>
+            </a:r>
+            <a:r>
+              <a:rPr lang="zh-CN" altLang="en-US" dirty="0">
+                <a:solidFill>
+                  <a:srgbClr val="0D0D0D"/>
+                </a:solidFill>
+                <a:latin typeface="Söhne"/>
+              </a:rPr>
+              <a:t> </a:t>
+            </a:r>
+            <a:r>
+              <a:rPr lang="en-US" altLang="zh-CN" dirty="0">
+                <a:solidFill>
+                  <a:srgbClr val="0D0D0D"/>
+                </a:solidFill>
+                <a:latin typeface="Söhne"/>
+              </a:rPr>
+              <a:t>&gt;</a:t>
+            </a:r>
+            <a:r>
+              <a:rPr lang="zh-CN" altLang="en-US" dirty="0">
+                <a:solidFill>
+                  <a:srgbClr val="0D0D0D"/>
+                </a:solidFill>
+                <a:latin typeface="Söhne"/>
+              </a:rPr>
+              <a:t> </a:t>
+            </a:r>
+            <a:r>
+              <a:rPr lang="en-US" altLang="zh-CN" dirty="0">
+                <a:solidFill>
+                  <a:srgbClr val="0D0D0D"/>
+                </a:solidFill>
+                <a:latin typeface="Söhne"/>
+              </a:rPr>
+              <a:t>4K,</a:t>
+            </a:r>
+            <a:r>
+              <a:rPr lang="zh-CN" altLang="en-US" dirty="0">
+                <a:solidFill>
+                  <a:srgbClr val="0D0D0D"/>
+                </a:solidFill>
+                <a:latin typeface="Söhne"/>
+              </a:rPr>
+              <a:t> </a:t>
+            </a:r>
+            <a:r>
+              <a:rPr lang="en-US" altLang="zh-CN" dirty="0">
+                <a:solidFill>
+                  <a:srgbClr val="0D0D0D"/>
+                </a:solidFill>
+                <a:latin typeface="Söhne"/>
+              </a:rPr>
+              <a:t>the</a:t>
+            </a:r>
+            <a:r>
+              <a:rPr lang="zh-CN" altLang="en-US" dirty="0">
+                <a:solidFill>
+                  <a:srgbClr val="0D0D0D"/>
+                </a:solidFill>
+                <a:latin typeface="Söhne"/>
+              </a:rPr>
+              <a:t> </a:t>
+            </a:r>
+            <a:r>
+              <a:rPr lang="en-US" altLang="zh-CN" dirty="0">
+                <a:solidFill>
+                  <a:srgbClr val="0D0D0D"/>
+                </a:solidFill>
+                <a:latin typeface="Söhne"/>
+              </a:rPr>
+              <a:t>throughput</a:t>
+            </a:r>
+            <a:r>
+              <a:rPr lang="zh-CN" altLang="en-US" dirty="0">
+                <a:solidFill>
+                  <a:srgbClr val="0D0D0D"/>
+                </a:solidFill>
+                <a:latin typeface="Söhne"/>
+              </a:rPr>
+              <a:t> </a:t>
+            </a:r>
+            <a:r>
+              <a:rPr lang="en-US" altLang="zh-CN" dirty="0">
+                <a:solidFill>
+                  <a:srgbClr val="0D0D0D"/>
+                </a:solidFill>
+                <a:latin typeface="Söhne"/>
+              </a:rPr>
+              <a:t>increase</a:t>
+            </a:r>
+            <a:r>
+              <a:rPr lang="zh-CN" altLang="en-US" dirty="0">
+                <a:solidFill>
+                  <a:srgbClr val="0D0D0D"/>
+                </a:solidFill>
+                <a:latin typeface="Söhne"/>
+              </a:rPr>
+              <a:t> </a:t>
+            </a:r>
+            <a:r>
+              <a:rPr lang="en-US" altLang="zh-CN" dirty="0">
+                <a:solidFill>
+                  <a:srgbClr val="0D0D0D"/>
+                </a:solidFill>
+                <a:latin typeface="Söhne"/>
+              </a:rPr>
+              <a:t>rate</a:t>
+            </a:r>
+            <a:r>
+              <a:rPr lang="zh-CN" altLang="en-US" dirty="0">
+                <a:solidFill>
+                  <a:srgbClr val="0D0D0D"/>
+                </a:solidFill>
+                <a:latin typeface="Söhne"/>
+              </a:rPr>
+              <a:t> </a:t>
+            </a:r>
+            <a:r>
+              <a:rPr lang="en-US" altLang="zh-CN" dirty="0">
+                <a:solidFill>
+                  <a:srgbClr val="0D0D0D"/>
+                </a:solidFill>
+                <a:latin typeface="Söhne"/>
+              </a:rPr>
+              <a:t>slow</a:t>
+            </a:r>
+            <a:r>
+              <a:rPr lang="zh-CN" altLang="en-US" dirty="0">
+                <a:solidFill>
+                  <a:srgbClr val="0D0D0D"/>
+                </a:solidFill>
+                <a:latin typeface="Söhne"/>
+              </a:rPr>
+              <a:t> </a:t>
+            </a:r>
+            <a:r>
+              <a:rPr lang="en-US" altLang="zh-CN" dirty="0">
+                <a:solidFill>
+                  <a:srgbClr val="0D0D0D"/>
+                </a:solidFill>
+                <a:latin typeface="Söhne"/>
+              </a:rPr>
+              <a:t>down,</a:t>
+            </a:r>
+            <a:r>
+              <a:rPr lang="zh-CN" altLang="en-US" dirty="0">
+                <a:solidFill>
+                  <a:srgbClr val="0D0D0D"/>
+                </a:solidFill>
+                <a:latin typeface="Söhne"/>
+              </a:rPr>
+              <a:t> </a:t>
+            </a:r>
+            <a:r>
+              <a:rPr lang="en-US" altLang="zh-CN" dirty="0">
+                <a:solidFill>
+                  <a:srgbClr val="0D0D0D"/>
+                </a:solidFill>
+                <a:latin typeface="Söhne"/>
+              </a:rPr>
+              <a:t>because</a:t>
+            </a:r>
+            <a:r>
+              <a:rPr lang="zh-CN" altLang="en-US" dirty="0">
+                <a:solidFill>
+                  <a:srgbClr val="0D0D0D"/>
+                </a:solidFill>
+                <a:latin typeface="Söhne"/>
+              </a:rPr>
+              <a:t> </a:t>
+            </a:r>
+            <a:r>
+              <a:rPr lang="en-US" altLang="zh-CN" dirty="0">
+                <a:solidFill>
+                  <a:srgbClr val="0D0D0D"/>
+                </a:solidFill>
+                <a:latin typeface="Söhne"/>
+              </a:rPr>
+              <a:t>data</a:t>
+            </a:r>
+            <a:r>
+              <a:rPr lang="zh-CN" altLang="en-US" dirty="0">
+                <a:solidFill>
+                  <a:srgbClr val="0D0D0D"/>
+                </a:solidFill>
+                <a:latin typeface="Söhne"/>
+              </a:rPr>
+              <a:t> </a:t>
+            </a:r>
+            <a:r>
+              <a:rPr lang="en-US" altLang="zh-CN" dirty="0">
+                <a:solidFill>
+                  <a:srgbClr val="0D0D0D"/>
+                </a:solidFill>
+                <a:latin typeface="Söhne"/>
+              </a:rPr>
+              <a:t>swap</a:t>
+            </a:r>
+            <a:r>
+              <a:rPr lang="zh-CN" altLang="en-US" dirty="0">
+                <a:solidFill>
+                  <a:srgbClr val="0D0D0D"/>
+                </a:solidFill>
+                <a:latin typeface="Söhne"/>
+              </a:rPr>
+              <a:t> </a:t>
+            </a:r>
+            <a:r>
+              <a:rPr lang="en-US" altLang="zh-CN" dirty="0">
+                <a:solidFill>
+                  <a:srgbClr val="0D0D0D"/>
+                </a:solidFill>
+                <a:latin typeface="Söhne"/>
+              </a:rPr>
+              <a:t>out</a:t>
+            </a:r>
+            <a:r>
+              <a:rPr lang="zh-CN" altLang="en-US" dirty="0">
+                <a:solidFill>
+                  <a:srgbClr val="0D0D0D"/>
+                </a:solidFill>
+                <a:latin typeface="Söhne"/>
+              </a:rPr>
+              <a:t> </a:t>
+            </a:r>
+            <a:r>
+              <a:rPr lang="en-US" altLang="zh-CN" dirty="0">
+                <a:solidFill>
+                  <a:srgbClr val="0D0D0D"/>
+                </a:solidFill>
+                <a:latin typeface="Söhne"/>
+              </a:rPr>
+              <a:t>l1</a:t>
+            </a:r>
+            <a:r>
+              <a:rPr lang="zh-CN" altLang="en-US" dirty="0">
+                <a:solidFill>
+                  <a:srgbClr val="0D0D0D"/>
+                </a:solidFill>
+                <a:latin typeface="Söhne"/>
+              </a:rPr>
+              <a:t> </a:t>
+            </a:r>
+            <a:r>
+              <a:rPr lang="en-US" altLang="zh-CN" dirty="0">
+                <a:solidFill>
+                  <a:srgbClr val="0D0D0D"/>
+                </a:solidFill>
+                <a:latin typeface="Söhne"/>
+              </a:rPr>
+              <a:t>cache.</a:t>
+            </a:r>
+            <a:endParaRPr lang="en-US" b="0" i="0" u="none" strike="noStrike" dirty="0">
+              <a:solidFill>
+                <a:srgbClr val="202124"/>
+              </a:solidFill>
+              <a:effectLst/>
+              <a:latin typeface="Helvetica" pitchFamily="2" charset="0"/>
+            </a:endParaRPr>
+          </a:p>
+        </p:txBody>
+      </p:sp>
+      <p:sp>
+        <p:nvSpPr>
+          <p:cNvPr id="10" name="Title 1">
+            <a:extLst>
+              <a:ext uri="{FF2B5EF4-FFF2-40B4-BE49-F238E27FC236}">
+                <a16:creationId xmlns:a16="http://schemas.microsoft.com/office/drawing/2014/main" id="{D793BF9F-D3AF-B2AC-B8B5-65FD1CEF2413}"/>
+              </a:ext>
+            </a:extLst>
+          </p:cNvPr>
+          <p:cNvSpPr txBox="1">
+            <a:spLocks/>
+          </p:cNvSpPr>
+          <p:nvPr/>
+        </p:nvSpPr>
+        <p:spPr>
+          <a:xfrm>
+            <a:off x="838200" y="90236"/>
+            <a:ext cx="10515600" cy="1325563"/>
+          </a:xfrm>
+          <a:prstGeom prst="rect">
+            <a:avLst/>
+          </a:prstGeom>
+        </p:spPr>
+        <p:txBody>
+          <a:bodyPr vert="horz" lIns="91440" tIns="45720" rIns="91440" bIns="45720" rtlCol="0" anchor="ctr">
+            <a:normAutofit/>
+          </a:bodyPr>
+          <a:lstStyle>
+            <a:lvl1pPr algn="l" defTabSz="914400" rtl="0" eaLnBrk="1" latinLnBrk="0" hangingPunct="1">
+              <a:lnSpc>
+                <a:spcPct val="90000"/>
+              </a:lnSpc>
+              <a:spcBef>
+                <a:spcPct val="0"/>
+              </a:spcBef>
               <a:buNone/>
-            </a:pPr>
-            <a:r>
-              <a:rPr lang="en-US" altLang="zh-CN" dirty="0"/>
-              <a:t>6.</a:t>
-            </a:r>
-            <a:r>
-              <a:rPr lang="zh-CN" altLang="en-US" dirty="0"/>
-              <a:t> </a:t>
-            </a:r>
-            <a:r>
-              <a:rPr lang="en-US" altLang="zh-CN" dirty="0"/>
-              <a:t>Implement our method on GPU with TVM.</a:t>
-            </a:r>
-            <a:r>
-              <a:rPr lang="zh-CN" altLang="en-US" dirty="0"/>
-              <a:t> </a:t>
-            </a:r>
-            <a:r>
-              <a:rPr lang="en-US" altLang="zh-CN" dirty="0"/>
-              <a:t>4.22 - 5.6</a:t>
-            </a:r>
-            <a:endParaRPr lang="en-US" dirty="0"/>
-          </a:p>
-          <a:p>
-            <a:pPr marL="0" indent="0">
-              <a:buNone/>
-            </a:pPr>
+              <a:defRPr sz="4400" kern="1200">
+                <a:solidFill>
+                  <a:schemeClr val="tx1"/>
+                </a:solidFill>
+                <a:latin typeface="+mj-lt"/>
+                <a:ea typeface="+mj-ea"/>
+                <a:cs typeface="+mj-cs"/>
+              </a:defRPr>
+            </a:lvl1pPr>
+          </a:lstStyle>
+          <a:p>
+            <a:r>
+              <a:rPr lang="en-US" altLang="zh-CN" dirty="0">
+                <a:solidFill>
+                  <a:srgbClr val="000000"/>
+                </a:solidFill>
+                <a:latin typeface="Roboto" panose="02000000000000000000" pitchFamily="2" charset="0"/>
+              </a:rPr>
+              <a:t>Results</a:t>
+            </a:r>
             <a:endParaRPr lang="en-SA" dirty="0"/>
           </a:p>
         </p:txBody>
       </p:sp>
+      <p:pic>
+        <p:nvPicPr>
+          <p:cNvPr id="15" name="Picture 14">
+            <a:extLst>
+              <a:ext uri="{FF2B5EF4-FFF2-40B4-BE49-F238E27FC236}">
+                <a16:creationId xmlns:a16="http://schemas.microsoft.com/office/drawing/2014/main" id="{523CE753-30A2-AD53-4BEF-3B53778640EA}"/>
+              </a:ext>
+            </a:extLst>
+          </p:cNvPr>
+          <p:cNvPicPr>
+            <a:picLocks noChangeAspect="1"/>
+          </p:cNvPicPr>
+          <p:nvPr/>
+        </p:nvPicPr>
+        <p:blipFill>
+          <a:blip r:embed="rId3"/>
+          <a:stretch>
+            <a:fillRect/>
+          </a:stretch>
+        </p:blipFill>
+        <p:spPr>
+          <a:xfrm>
+            <a:off x="100504" y="4293333"/>
+            <a:ext cx="11990991" cy="2027129"/>
+          </a:xfrm>
+          <a:prstGeom prst="rect">
+            <a:avLst/>
+          </a:prstGeom>
+        </p:spPr>
+      </p:pic>
     </p:spTree>
     <p:extLst>
       <p:ext uri="{BB962C8B-B14F-4D97-AF65-F5344CB8AC3E}">
-        <p14:creationId xmlns:p14="http://schemas.microsoft.com/office/powerpoint/2010/main" val="1522444265"/>
+        <p14:creationId xmlns:p14="http://schemas.microsoft.com/office/powerpoint/2010/main" val="4266237961"/>
       </p:ext>
     </p:extLst>
   </p:cSld>

--- a/project/midterm.pptx
+++ b/project/midterm.pptx
@@ -211,7 +211,7 @@
           <a:p>
             <a:fld id="{36005775-E9A5-2241-BA7A-4CEF596E1488}" type="datetimeFigureOut">
               <a:rPr lang="en-SA" smtClean="0"/>
-              <a:t>27/03/2024 R</a:t>
+              <a:t>31/03/2024 R</a:t>
             </a:fld>
             <a:endParaRPr lang="en-SA"/>
           </a:p>
@@ -810,7 +810,7 @@
           <a:p>
             <a:fld id="{052B6B9B-EBFC-E245-A972-81CB04DCF662}" type="datetimeFigureOut">
               <a:rPr lang="en-SA" smtClean="0"/>
-              <a:t>27/03/2024 R</a:t>
+              <a:t>31/03/2024 R</a:t>
             </a:fld>
             <a:endParaRPr lang="en-SA"/>
           </a:p>
@@ -1010,7 +1010,7 @@
           <a:p>
             <a:fld id="{052B6B9B-EBFC-E245-A972-81CB04DCF662}" type="datetimeFigureOut">
               <a:rPr lang="en-SA" smtClean="0"/>
-              <a:t>27/03/2024 R</a:t>
+              <a:t>31/03/2024 R</a:t>
             </a:fld>
             <a:endParaRPr lang="en-SA"/>
           </a:p>
@@ -1220,7 +1220,7 @@
           <a:p>
             <a:fld id="{052B6B9B-EBFC-E245-A972-81CB04DCF662}" type="datetimeFigureOut">
               <a:rPr lang="en-SA" smtClean="0"/>
-              <a:t>27/03/2024 R</a:t>
+              <a:t>31/03/2024 R</a:t>
             </a:fld>
             <a:endParaRPr lang="en-SA"/>
           </a:p>
@@ -1420,7 +1420,7 @@
           <a:p>
             <a:fld id="{052B6B9B-EBFC-E245-A972-81CB04DCF662}" type="datetimeFigureOut">
               <a:rPr lang="en-SA" smtClean="0"/>
-              <a:t>27/03/2024 R</a:t>
+              <a:t>31/03/2024 R</a:t>
             </a:fld>
             <a:endParaRPr lang="en-SA"/>
           </a:p>
@@ -1696,7 +1696,7 @@
           <a:p>
             <a:fld id="{052B6B9B-EBFC-E245-A972-81CB04DCF662}" type="datetimeFigureOut">
               <a:rPr lang="en-SA" smtClean="0"/>
-              <a:t>27/03/2024 R</a:t>
+              <a:t>31/03/2024 R</a:t>
             </a:fld>
             <a:endParaRPr lang="en-SA"/>
           </a:p>
@@ -1964,7 +1964,7 @@
           <a:p>
             <a:fld id="{052B6B9B-EBFC-E245-A972-81CB04DCF662}" type="datetimeFigureOut">
               <a:rPr lang="en-SA" smtClean="0"/>
-              <a:t>27/03/2024 R</a:t>
+              <a:t>31/03/2024 R</a:t>
             </a:fld>
             <a:endParaRPr lang="en-SA"/>
           </a:p>
@@ -2379,7 +2379,7 @@
           <a:p>
             <a:fld id="{052B6B9B-EBFC-E245-A972-81CB04DCF662}" type="datetimeFigureOut">
               <a:rPr lang="en-SA" smtClean="0"/>
-              <a:t>27/03/2024 R</a:t>
+              <a:t>31/03/2024 R</a:t>
             </a:fld>
             <a:endParaRPr lang="en-SA"/>
           </a:p>
@@ -2521,7 +2521,7 @@
           <a:p>
             <a:fld id="{052B6B9B-EBFC-E245-A972-81CB04DCF662}" type="datetimeFigureOut">
               <a:rPr lang="en-SA" smtClean="0"/>
-              <a:t>27/03/2024 R</a:t>
+              <a:t>31/03/2024 R</a:t>
             </a:fld>
             <a:endParaRPr lang="en-SA"/>
           </a:p>
@@ -2634,7 +2634,7 @@
           <a:p>
             <a:fld id="{052B6B9B-EBFC-E245-A972-81CB04DCF662}" type="datetimeFigureOut">
               <a:rPr lang="en-SA" smtClean="0"/>
-              <a:t>27/03/2024 R</a:t>
+              <a:t>31/03/2024 R</a:t>
             </a:fld>
             <a:endParaRPr lang="en-SA"/>
           </a:p>
@@ -2947,7 +2947,7 @@
           <a:p>
             <a:fld id="{052B6B9B-EBFC-E245-A972-81CB04DCF662}" type="datetimeFigureOut">
               <a:rPr lang="en-SA" smtClean="0"/>
-              <a:t>27/03/2024 R</a:t>
+              <a:t>31/03/2024 R</a:t>
             </a:fld>
             <a:endParaRPr lang="en-SA"/>
           </a:p>
@@ -3236,7 +3236,7 @@
           <a:p>
             <a:fld id="{052B6B9B-EBFC-E245-A972-81CB04DCF662}" type="datetimeFigureOut">
               <a:rPr lang="en-SA" smtClean="0"/>
-              <a:t>27/03/2024 R</a:t>
+              <a:t>31/03/2024 R</a:t>
             </a:fld>
             <a:endParaRPr lang="en-SA"/>
           </a:p>
@@ -3479,7 +3479,7 @@
           <a:p>
             <a:fld id="{052B6B9B-EBFC-E245-A972-81CB04DCF662}" type="datetimeFigureOut">
               <a:rPr lang="en-SA" smtClean="0"/>
-              <a:t>27/03/2024 R</a:t>
+              <a:t>31/03/2024 R</a:t>
             </a:fld>
             <a:endParaRPr lang="en-SA"/>
           </a:p>
@@ -4029,7 +4029,7 @@
         <p:spPr>
           <a:xfrm>
             <a:off x="5762118" y="3549740"/>
-            <a:ext cx="4359871" cy="1754326"/>
+            <a:ext cx="4359871" cy="1477328"/>
           </a:xfrm>
           <a:prstGeom prst="rect">
             <a:avLst/>
@@ -4060,47 +4060,12 @@
             <a:pPr marL="0" indent="0">
               <a:buNone/>
             </a:pPr>
-            <a:endParaRPr lang="en-US" altLang="zh-CN" b="0" i="0" dirty="0">
+            <a:endParaRPr lang="en-US" altLang="zh-CN" dirty="0">
               <a:solidFill>
                 <a:srgbClr val="0D0D0D"/>
               </a:solidFill>
-              <a:effectLst/>
               <a:latin typeface="Söhne"/>
             </a:endParaRPr>
-          </a:p>
-          <a:p>
-            <a:pPr marL="0" indent="0">
-              <a:buNone/>
-            </a:pPr>
-            <a:r>
-              <a:rPr lang="en-US" altLang="zh-CN" b="0" i="0" dirty="0">
-                <a:solidFill>
-                  <a:srgbClr val="0D0D0D"/>
-                </a:solidFill>
-                <a:effectLst/>
-                <a:latin typeface="Söhne"/>
-              </a:rPr>
-              <a:t>Single</a:t>
-            </a:r>
-            <a:r>
-              <a:rPr lang="zh-CN" altLang="en-US" b="0" i="0" dirty="0">
-                <a:solidFill>
-                  <a:srgbClr val="0D0D0D"/>
-                </a:solidFill>
-                <a:effectLst/>
-                <a:latin typeface="Söhne"/>
-              </a:rPr>
-              <a:t> </a:t>
-            </a:r>
-            <a:r>
-              <a:rPr lang="en-US" altLang="zh-CN" dirty="0">
-                <a:solidFill>
-                  <a:srgbClr val="0D0D0D"/>
-                </a:solidFill>
-                <a:latin typeface="Söhne"/>
-              </a:rPr>
-              <a:t>thread</a:t>
-            </a:r>
           </a:p>
           <a:p>
             <a:r>
@@ -4402,13 +4367,13 @@
           <p:nvPr>
             <p:extLst>
               <p:ext uri="{D42A27DB-BD31-4B8C-83A1-F6EECF244321}">
-                <p14:modId xmlns:p14="http://schemas.microsoft.com/office/powerpoint/2010/main" val="4029081509"/>
+                <p14:modId xmlns:p14="http://schemas.microsoft.com/office/powerpoint/2010/main" val="3021484013"/>
               </p:ext>
             </p:extLst>
           </p:nvPr>
         </p:nvGraphicFramePr>
         <p:xfrm>
-          <a:off x="4948841" y="978683"/>
+          <a:off x="4931908" y="826315"/>
           <a:ext cx="7030065" cy="1843439"/>
         </p:xfrm>
         <a:graphic>
@@ -4874,12 +4839,12 @@
                     <a:p>
                       <a:pPr algn="r" fontAlgn="b"/>
                       <a:r>
-                        <a:rPr lang="en-SA" sz="1600" u="none" strike="noStrike">
+                        <a:rPr lang="en-SA" sz="1600" u="none" strike="noStrike" dirty="0">
                           <a:effectLst/>
                         </a:rPr>
                         <a:t>33.00</a:t>
                       </a:r>
-                      <a:endParaRPr lang="en-SA" sz="1600" b="0" i="0" u="none" strike="noStrike">
+                      <a:endParaRPr lang="en-SA" sz="1600" b="0" i="0" u="none" strike="noStrike" dirty="0">
                         <a:solidFill>
                           <a:srgbClr val="000000"/>
                         </a:solidFill>
@@ -5576,8 +5541,8 @@
         </p:nvSpPr>
         <p:spPr>
           <a:xfrm>
-            <a:off x="1131683" y="2100404"/>
-            <a:ext cx="398353" cy="398352"/>
+            <a:off x="1131683" y="2100403"/>
+            <a:ext cx="519317" cy="411931"/>
           </a:xfrm>
           <a:prstGeom prst="rect">
             <a:avLst/>
@@ -5801,7 +5766,7 @@
         <p:spPr>
           <a:xfrm>
             <a:off x="5594627" y="1709248"/>
-            <a:ext cx="6096000" cy="2031325"/>
+            <a:ext cx="6096000" cy="1200329"/>
           </a:xfrm>
           <a:prstGeom prst="rect">
             <a:avLst/>
@@ -5822,25 +5787,8 @@
                 <a:effectLst/>
                 <a:latin typeface="Söhne"/>
               </a:rPr>
-              <a:t>Because computing the results of the first quadrant of the matrix requires data from the fourth quadrant, we propose an optimization strategy. </a:t>
-            </a:r>
-          </a:p>
-          <a:p>
-            <a:endParaRPr lang="en-US" dirty="0">
-              <a:solidFill>
-                <a:srgbClr val="0D0D0D"/>
-              </a:solidFill>
-              <a:latin typeface="Söhne"/>
-            </a:endParaRPr>
-          </a:p>
-          <a:p>
-            <a:endParaRPr lang="en-US" b="0" i="0" dirty="0">
-              <a:solidFill>
-                <a:srgbClr val="0D0D0D"/>
-              </a:solidFill>
-              <a:effectLst/>
-              <a:latin typeface="Söhne"/>
-            </a:endParaRPr>
+              <a:t>Because computing the M1 to M7 requires data from the other three quadrants</a:t>
+            </a:r>
           </a:p>
           <a:p>
             <a:r>
@@ -5851,7 +5799,7 @@
                 <a:effectLst/>
                 <a:latin typeface="Söhne"/>
               </a:rPr>
-              <a:t>Based on Strassen's characteristics, we reorder the data to tightly arrange the required data.</a:t>
+              <a:t>Based on this characteristics, we reorder the data to tightly arrange the required data.</a:t>
             </a:r>
             <a:endParaRPr lang="en-SA" dirty="0"/>
           </a:p>
@@ -5897,13 +5845,13 @@
   <p:clrMapOvr>
     <a:masterClrMapping/>
   </p:clrMapOvr>
-  <mc:AlternateContent xmlns:mc="http://schemas.openxmlformats.org/markup-compatibility/2006">
-    <mc:Choice xmlns:p159="http://schemas.microsoft.com/office/powerpoint/2015/09/main" Requires="p159">
+  <mc:AlternateContent xmlns:mc="http://schemas.openxmlformats.org/markup-compatibility/2006" xmlns:p159="http://schemas.microsoft.com/office/powerpoint/2015/09/main">
+    <mc:Choice Requires="p159">
       <p:transition xmlns:p14="http://schemas.microsoft.com/office/powerpoint/2010/main" spd="slow" p14:dur="2000">
         <p159:morph option="byObject"/>
       </p:transition>
     </mc:Choice>
-    <mc:Fallback>
+    <mc:Fallback xmlns="">
       <p:transition spd="slow">
         <p:fade/>
       </p:transition>
@@ -6431,13 +6379,13 @@
   <p:clrMapOvr>
     <a:masterClrMapping/>
   </p:clrMapOvr>
-  <mc:AlternateContent xmlns:mc="http://schemas.openxmlformats.org/markup-compatibility/2006">
-    <mc:Choice xmlns:p159="http://schemas.microsoft.com/office/powerpoint/2015/09/main" Requires="p159">
+  <mc:AlternateContent xmlns:mc="http://schemas.openxmlformats.org/markup-compatibility/2006" xmlns:p159="http://schemas.microsoft.com/office/powerpoint/2015/09/main">
+    <mc:Choice Requires="p159">
       <p:transition xmlns:p14="http://schemas.microsoft.com/office/powerpoint/2010/main" spd="slow" p14:dur="2000">
         <p159:morph option="byObject"/>
       </p:transition>
     </mc:Choice>
-    <mc:Fallback>
+    <mc:Fallback xmlns="">
       <p:transition spd="slow">
         <p:fade/>
       </p:transition>
@@ -8160,132 +8108,6 @@
             <a:pPr marL="0" indent="0">
               <a:buNone/>
             </a:pPr>
-            <a:r>
-              <a:rPr lang="en-US" altLang="zh-CN" dirty="0"/>
-              <a:t>4.</a:t>
-            </a:r>
-            <a:r>
-              <a:rPr lang="zh-CN" altLang="en-US" dirty="0"/>
-              <a:t> </a:t>
-            </a:r>
-            <a:r>
-              <a:rPr lang="en-US" altLang="zh-CN" dirty="0"/>
-              <a:t>Combine</a:t>
-            </a:r>
-            <a:r>
-              <a:rPr lang="zh-CN" altLang="en-US" dirty="0"/>
-              <a:t> </a:t>
-            </a:r>
-            <a:r>
-              <a:rPr lang="en-US" altLang="zh-CN" dirty="0"/>
-              <a:t>existing</a:t>
-            </a:r>
-            <a:r>
-              <a:rPr lang="zh-CN" altLang="en-US" dirty="0"/>
-              <a:t> </a:t>
-            </a:r>
-            <a:r>
-              <a:rPr lang="en-US" altLang="zh-CN" dirty="0"/>
-              <a:t>method</a:t>
-            </a:r>
-            <a:r>
-              <a:rPr lang="zh-CN" altLang="en-US" dirty="0"/>
-              <a:t> </a:t>
-            </a:r>
-            <a:r>
-              <a:rPr lang="en-US" altLang="zh-CN" dirty="0"/>
-              <a:t>to</a:t>
-            </a:r>
-            <a:r>
-              <a:rPr lang="zh-CN" altLang="en-US" dirty="0"/>
-              <a:t> </a:t>
-            </a:r>
-            <a:r>
-              <a:rPr lang="en-US" altLang="zh-CN" dirty="0"/>
-              <a:t>achieve</a:t>
-            </a:r>
-            <a:r>
-              <a:rPr lang="zh-CN" altLang="en-US" dirty="0"/>
-              <a:t> </a:t>
-            </a:r>
-            <a:r>
-              <a:rPr lang="en-US" altLang="zh-CN" dirty="0"/>
-              <a:t>the</a:t>
-            </a:r>
-            <a:r>
-              <a:rPr lang="zh-CN" altLang="en-US" dirty="0"/>
-              <a:t> </a:t>
-            </a:r>
-            <a:r>
-              <a:rPr lang="en-US" altLang="zh-CN" dirty="0"/>
-              <a:t>NumPy</a:t>
-            </a:r>
-            <a:r>
-              <a:rPr lang="zh-CN" altLang="en-US" dirty="0"/>
-              <a:t> </a:t>
-            </a:r>
-            <a:r>
-              <a:rPr lang="en-US" altLang="zh-CN" dirty="0"/>
-              <a:t>performance</a:t>
-            </a:r>
-            <a:r>
-              <a:rPr lang="zh-CN" altLang="en-US" dirty="0"/>
-              <a:t> </a:t>
-            </a:r>
-            <a:r>
-              <a:rPr lang="en-US" altLang="zh-CN" dirty="0"/>
-              <a:t>3.27- 4.10</a:t>
-            </a:r>
-          </a:p>
-          <a:p>
-            <a:pPr marL="0" indent="0">
-              <a:buNone/>
-            </a:pPr>
-            <a:r>
-              <a:rPr lang="en-US" altLang="zh-CN" dirty="0"/>
-              <a:t>5.</a:t>
-            </a:r>
-            <a:r>
-              <a:rPr lang="zh-CN" altLang="en-US" dirty="0"/>
-              <a:t> </a:t>
-            </a:r>
-            <a:r>
-              <a:rPr lang="en-US" altLang="zh-CN" dirty="0"/>
-              <a:t>Apply our MM to practical NNs and evaluate its performance.</a:t>
-            </a:r>
-            <a:r>
-              <a:rPr lang="zh-CN" altLang="en-US" dirty="0"/>
-              <a:t> </a:t>
-            </a:r>
-            <a:r>
-              <a:rPr lang="en-US" altLang="zh-CN" dirty="0"/>
-              <a:t>4.10-4.22 </a:t>
-            </a:r>
-          </a:p>
-          <a:p>
-            <a:pPr marL="0" indent="0">
-              <a:buNone/>
-            </a:pPr>
-            <a:r>
-              <a:rPr lang="en-US" altLang="zh-CN" dirty="0"/>
-              <a:t>6.</a:t>
-            </a:r>
-            <a:r>
-              <a:rPr lang="zh-CN" altLang="en-US" dirty="0"/>
-              <a:t> </a:t>
-            </a:r>
-            <a:r>
-              <a:rPr lang="en-US" altLang="zh-CN" dirty="0"/>
-              <a:t>Implement our method on GPU with TVM.</a:t>
-            </a:r>
-            <a:r>
-              <a:rPr lang="zh-CN" altLang="en-US" dirty="0"/>
-              <a:t> </a:t>
-            </a:r>
-            <a:r>
-              <a:rPr lang="en-US" altLang="zh-CN" dirty="0"/>
-              <a:t>4.22 - 5.6</a:t>
-            </a:r>
             <a:endParaRPr lang="en-US" dirty="0"/>
           </a:p>
         </p:txBody>
@@ -8441,7 +8263,12 @@
             <p:ph type="title"/>
           </p:nvPr>
         </p:nvSpPr>
-        <p:spPr/>
+        <p:spPr>
+          <a:xfrm>
+            <a:off x="838200" y="365125"/>
+            <a:ext cx="3753255" cy="1325563"/>
+          </a:xfrm>
+        </p:spPr>
         <p:txBody>
           <a:bodyPr/>
           <a:lstStyle/>
@@ -8505,7 +8332,7 @@
         <p:spPr>
           <a:xfrm>
             <a:off x="932379" y="1482857"/>
-            <a:ext cx="6097712" cy="369332"/>
+            <a:ext cx="2297204" cy="369332"/>
           </a:xfrm>
           <a:prstGeom prst="rect">
             <a:avLst/>
@@ -8577,7 +8404,7 @@
         <p:spPr>
           <a:xfrm>
             <a:off x="932379" y="2732127"/>
-            <a:ext cx="6097712" cy="369332"/>
+            <a:ext cx="2793315" cy="369332"/>
           </a:xfrm>
           <a:prstGeom prst="rect">
             <a:avLst/>
@@ -8962,58 +8789,6 @@
               <a:t>.</a:t>
             </a:r>
           </a:p>
-          <a:p>
-            <a:pPr marL="0" indent="0">
-              <a:buNone/>
-            </a:pPr>
-            <a:endParaRPr lang="en-US" dirty="0"/>
-          </a:p>
-          <a:p>
-            <a:pPr marL="0" indent="0">
-              <a:buNone/>
-            </a:pPr>
-            <a:r>
-              <a:rPr lang="en-US" altLang="zh-CN" dirty="0"/>
-              <a:t>Previous</a:t>
-            </a:r>
-            <a:r>
-              <a:rPr lang="zh-CN" altLang="en-US" dirty="0"/>
-              <a:t> </a:t>
-            </a:r>
-            <a:r>
-              <a:rPr lang="en-US" altLang="zh-CN" dirty="0"/>
-              <a:t>work</a:t>
-            </a:r>
-            <a:r>
-              <a:rPr lang="zh-CN" altLang="en-US" dirty="0"/>
-              <a:t> </a:t>
-            </a:r>
-            <a:r>
-              <a:rPr lang="en-US" altLang="zh-CN" dirty="0"/>
-              <a:t>[2]</a:t>
-            </a:r>
-            <a:r>
-              <a:rPr lang="zh-CN" altLang="en-US" dirty="0"/>
-              <a:t> </a:t>
-            </a:r>
-            <a:r>
-              <a:rPr lang="en-US" altLang="zh-CN" dirty="0"/>
-              <a:t>claims</a:t>
-            </a:r>
-            <a:r>
-              <a:rPr lang="zh-CN" altLang="en-US" dirty="0"/>
-              <a:t> </a:t>
-            </a:r>
-            <a:r>
-              <a:rPr lang="en-US" dirty="0"/>
-              <a:t>the Strassen algorithm still cannot bring too many benefits</a:t>
-            </a:r>
-            <a:r>
-              <a:rPr lang="en-US" altLang="zh-CN" dirty="0"/>
-              <a:t>.</a:t>
-            </a:r>
-            <a:endParaRPr lang="en-SA" dirty="0"/>
-          </a:p>
         </p:txBody>
       </p:sp>
       <p:sp>
@@ -9031,7 +8806,7 @@
         <p:spPr>
           <a:xfrm>
             <a:off x="540774" y="5430163"/>
-            <a:ext cx="11110452" cy="1200329"/>
+            <a:ext cx="11110452" cy="923330"/>
           </a:xfrm>
           <a:prstGeom prst="rect">
             <a:avLst/>
@@ -9116,105 +8891,6 @@
             </a:r>
           </a:p>
           <a:p>
-            <a:r>
-              <a:rPr lang="en-US" altLang="zh-CN" dirty="0">
-                <a:solidFill>
-                  <a:srgbClr val="222222"/>
-                </a:solidFill>
-                <a:latin typeface="Arial" panose="020B0604020202020204" pitchFamily="34" charset="0"/>
-              </a:rPr>
-              <a:t>[2]</a:t>
-            </a:r>
-            <a:r>
-              <a:rPr lang="en-US" b="0" i="0" dirty="0">
-                <a:solidFill>
-                  <a:srgbClr val="222222"/>
-                </a:solidFill>
-                <a:effectLst/>
-                <a:latin typeface="Arial" panose="020B0604020202020204" pitchFamily="34" charset="0"/>
-              </a:rPr>
-              <a:t> </a:t>
-            </a:r>
-            <a:r>
-              <a:rPr lang="en-US" b="0" i="0" dirty="0" err="1">
-                <a:solidFill>
-                  <a:srgbClr val="222222"/>
-                </a:solidFill>
-                <a:effectLst/>
-                <a:latin typeface="Arial" panose="020B0604020202020204" pitchFamily="34" charset="0"/>
-              </a:rPr>
-              <a:t>Chellapilla</a:t>
-            </a:r>
-            <a:r>
-              <a:rPr lang="en-US" b="0" i="0" dirty="0">
-                <a:solidFill>
-                  <a:srgbClr val="222222"/>
-                </a:solidFill>
-                <a:effectLst/>
-                <a:latin typeface="Arial" panose="020B0604020202020204" pitchFamily="34" charset="0"/>
-              </a:rPr>
-              <a:t>, Kumar, </a:t>
-            </a:r>
-            <a:r>
-              <a:rPr lang="en-US" b="0" i="0" dirty="0" err="1">
-                <a:solidFill>
-                  <a:srgbClr val="222222"/>
-                </a:solidFill>
-                <a:effectLst/>
-                <a:latin typeface="Arial" panose="020B0604020202020204" pitchFamily="34" charset="0"/>
-              </a:rPr>
-              <a:t>Sidd</a:t>
-            </a:r>
-            <a:r>
-              <a:rPr lang="en-US" b="0" i="0" dirty="0">
-                <a:solidFill>
-                  <a:srgbClr val="222222"/>
-                </a:solidFill>
-                <a:effectLst/>
-                <a:latin typeface="Arial" panose="020B0604020202020204" pitchFamily="34" charset="0"/>
-              </a:rPr>
-              <a:t> Puri, and Patrice Simard. "High performance convolutional neural networks for document processing." </a:t>
-            </a:r>
-            <a:r>
-              <a:rPr lang="en-US" b="0" i="1" dirty="0">
-                <a:solidFill>
-                  <a:srgbClr val="222222"/>
-                </a:solidFill>
-                <a:effectLst/>
-                <a:latin typeface="Arial" panose="020B0604020202020204" pitchFamily="34" charset="0"/>
-              </a:rPr>
-              <a:t>Tenth international workshop on frontiers in handwriting recognition</a:t>
-            </a:r>
-            <a:r>
-              <a:rPr lang="en-US" b="0" i="0" dirty="0">
-                <a:solidFill>
-                  <a:srgbClr val="222222"/>
-                </a:solidFill>
-                <a:effectLst/>
-                <a:latin typeface="Arial" panose="020B0604020202020204" pitchFamily="34" charset="0"/>
-              </a:rPr>
-              <a:t>. </a:t>
-            </a:r>
-            <a:r>
-              <a:rPr lang="en-US" b="0" i="0" dirty="0" err="1">
-                <a:solidFill>
-                  <a:srgbClr val="222222"/>
-                </a:solidFill>
-                <a:effectLst/>
-                <a:latin typeface="Arial" panose="020B0604020202020204" pitchFamily="34" charset="0"/>
-              </a:rPr>
-              <a:t>Suvisoft</a:t>
-            </a:r>
-            <a:r>
-              <a:rPr lang="en-US" b="0" i="0" dirty="0">
-                <a:solidFill>
-                  <a:srgbClr val="222222"/>
-                </a:solidFill>
-                <a:effectLst/>
-                <a:latin typeface="Arial" panose="020B0604020202020204" pitchFamily="34" charset="0"/>
-              </a:rPr>
-              <a:t>, 2006.</a:t>
-            </a:r>
             <a:endParaRPr lang="en-SA" dirty="0"/>
           </a:p>
         </p:txBody>
@@ -9265,7 +8941,12 @@
             <p:ph type="title"/>
           </p:nvPr>
         </p:nvSpPr>
-        <p:spPr/>
+        <p:spPr>
+          <a:xfrm>
+            <a:off x="838200" y="365125"/>
+            <a:ext cx="6058711" cy="1325563"/>
+          </a:xfrm>
+        </p:spPr>
         <p:txBody>
           <a:bodyPr/>
           <a:lstStyle/>
@@ -9591,7 +9272,7 @@
         </p:blipFill>
         <p:spPr>
           <a:xfrm>
-            <a:off x="7207863" y="3840931"/>
+            <a:off x="7285684" y="3840931"/>
             <a:ext cx="3525188" cy="2404276"/>
           </a:xfrm>
           <a:prstGeom prst="rect">
@@ -9645,7 +9326,12 @@
             <p:ph type="title"/>
           </p:nvPr>
         </p:nvSpPr>
-        <p:spPr/>
+        <p:spPr>
+          <a:xfrm>
+            <a:off x="838201" y="365125"/>
+            <a:ext cx="7696200" cy="1325563"/>
+          </a:xfrm>
+        </p:spPr>
         <p:txBody>
           <a:bodyPr/>
           <a:lstStyle/>
@@ -9999,7 +9685,7 @@
             </a:r>
             <a:r>
               <a:rPr lang="en-US" dirty="0"/>
-              <a:t>+vectorize</a:t>
+              <a:t>+vectorize </a:t>
             </a:r>
             <a:r>
               <a:rPr lang="zh-CN" altLang="en-US" dirty="0"/>
@@ -10007,6 +9693,22 @@
             </a:r>
             <a:r>
               <a:rPr lang="en-US" altLang="zh-CN" dirty="0"/>
+              <a:t>+</a:t>
+            </a:r>
+            <a:r>
+              <a:rPr lang="zh-CN" altLang="en-US" dirty="0"/>
+              <a:t> </a:t>
+            </a:r>
+            <a:r>
+              <a:rPr lang="en-US" dirty="0"/>
+              <a:t>parallel</a:t>
+            </a:r>
+            <a:r>
+              <a:rPr lang="zh-CN" altLang="en-US" dirty="0"/>
+              <a:t> </a:t>
+            </a:r>
+            <a:r>
+              <a:rPr lang="en-US" altLang="zh-CN" dirty="0"/>
               <a:t>can</a:t>
             </a:r>
             <a:r>
@@ -10023,7 +9725,7 @@
             </a:r>
             <a:r>
               <a:rPr lang="en-US" altLang="zh-CN" dirty="0"/>
-              <a:t>11.08x</a:t>
+              <a:t>110x</a:t>
             </a:r>
             <a:r>
               <a:rPr lang="zh-CN" altLang="en-US" dirty="0"/>
@@ -10041,18 +9743,6 @@
               <a:rPr lang="en-US" altLang="zh-CN" dirty="0"/>
               <a:t>up</a:t>
             </a:r>
-          </a:p>
-          <a:p>
-            <a:endParaRPr lang="en-US" altLang="zh-CN" dirty="0"/>
-          </a:p>
-          <a:p>
-            <a:endParaRPr lang="en-US" altLang="zh-CN" dirty="0"/>
-          </a:p>
-          <a:p>
-            <a:endParaRPr lang="en-US" altLang="zh-CN" dirty="0"/>
-          </a:p>
-          <a:p>
-            <a:endParaRPr lang="en-SA" dirty="0"/>
           </a:p>
         </p:txBody>
       </p:sp>
@@ -10806,7 +10496,7 @@
         </p:nvSpPr>
         <p:spPr>
           <a:xfrm>
-            <a:off x="292096" y="1415798"/>
+            <a:off x="275162" y="1488011"/>
             <a:ext cx="11990991" cy="2153312"/>
           </a:xfrm>
         </p:spPr>
@@ -10925,8 +10615,13 @@
             </a:r>
             <a:r>
               <a:rPr lang="en-US" altLang="zh-CN" dirty="0"/>
-              <a:t>optimal</a:t>
-            </a:r>
+              <a:t>optimal.</a:t>
+            </a:r>
+            <a:r>
+              <a:rPr lang="zh-CN" altLang="en-US" dirty="0"/>
+              <a:t> </a:t>
+            </a:r>
+            <a:endParaRPr lang="en-US" altLang="zh-CN" dirty="0"/>
           </a:p>
           <a:p>
             <a:pPr marL="0" indent="0">
@@ -11412,7 +11107,7 @@
         <p:spPr>
           <a:xfrm>
             <a:off x="838200" y="90236"/>
-            <a:ext cx="10515600" cy="1325563"/>
+            <a:ext cx="2455333" cy="1325563"/>
           </a:xfrm>
           <a:prstGeom prst="rect">
             <a:avLst/>
